--- a/Presentation.pptx
+++ b/Presentation.pptx
@@ -109,6 +109,11 @@
       </a:defRPr>
     </a:lvl9pPr>
   </p:defaultTextStyle>
+  <p:extLst>
+    <p:ext uri="{EFAFB233-063F-42B5-8137-9DF3F51BA10A}">
+      <p15:sldGuideLst xmlns:p15="http://schemas.microsoft.com/office/powerpoint/2012/main"/>
+    </p:ext>
+  </p:extLst>
 </p:presentation>
 </file>
 

--- a/Presentation.pptx
+++ b/Presentation.pptx
@@ -2,7 +2,7 @@
 <file path=ppt/presentation.xml><?xml version="1.0" encoding="utf-8"?>
 <p:presentation xmlns:a="http://schemas.openxmlformats.org/drawingml/2006/main" xmlns:r="http://schemas.openxmlformats.org/officeDocument/2006/relationships" xmlns:p="http://schemas.openxmlformats.org/presentationml/2006/main" saveSubsetFonts="1">
   <p:sldMasterIdLst>
-    <p:sldMasterId id="2147483648" r:id="rId1"/>
+    <p:sldMasterId id="2147483660" r:id="rId1"/>
   </p:sldMasterIdLst>
   <p:sldIdLst>
     <p:sldId id="256" r:id="rId2"/>
@@ -18,7 +18,7 @@
     <a:defPPr>
       <a:defRPr lang="en-US"/>
     </a:defPPr>
-    <a:lvl1pPr marL="0" algn="l" defTabSz="914400" rtl="0" eaLnBrk="1" latinLnBrk="0" hangingPunct="1">
+    <a:lvl1pPr marL="0" algn="l" defTabSz="457200" rtl="0" eaLnBrk="1" latinLnBrk="0" hangingPunct="1">
       <a:defRPr sz="1800" kern="1200">
         <a:solidFill>
           <a:schemeClr val="tx1"/>
@@ -28,7 +28,7 @@
         <a:cs typeface="+mn-cs"/>
       </a:defRPr>
     </a:lvl1pPr>
-    <a:lvl2pPr marL="457200" algn="l" defTabSz="914400" rtl="0" eaLnBrk="1" latinLnBrk="0" hangingPunct="1">
+    <a:lvl2pPr marL="457200" algn="l" defTabSz="457200" rtl="0" eaLnBrk="1" latinLnBrk="0" hangingPunct="1">
       <a:defRPr sz="1800" kern="1200">
         <a:solidFill>
           <a:schemeClr val="tx1"/>
@@ -38,7 +38,7 @@
         <a:cs typeface="+mn-cs"/>
       </a:defRPr>
     </a:lvl2pPr>
-    <a:lvl3pPr marL="914400" algn="l" defTabSz="914400" rtl="0" eaLnBrk="1" latinLnBrk="0" hangingPunct="1">
+    <a:lvl3pPr marL="914400" algn="l" defTabSz="457200" rtl="0" eaLnBrk="1" latinLnBrk="0" hangingPunct="1">
       <a:defRPr sz="1800" kern="1200">
         <a:solidFill>
           <a:schemeClr val="tx1"/>
@@ -48,7 +48,7 @@
         <a:cs typeface="+mn-cs"/>
       </a:defRPr>
     </a:lvl3pPr>
-    <a:lvl4pPr marL="1371600" algn="l" defTabSz="914400" rtl="0" eaLnBrk="1" latinLnBrk="0" hangingPunct="1">
+    <a:lvl4pPr marL="1371600" algn="l" defTabSz="457200" rtl="0" eaLnBrk="1" latinLnBrk="0" hangingPunct="1">
       <a:defRPr sz="1800" kern="1200">
         <a:solidFill>
           <a:schemeClr val="tx1"/>
@@ -58,7 +58,7 @@
         <a:cs typeface="+mn-cs"/>
       </a:defRPr>
     </a:lvl4pPr>
-    <a:lvl5pPr marL="1828800" algn="l" defTabSz="914400" rtl="0" eaLnBrk="1" latinLnBrk="0" hangingPunct="1">
+    <a:lvl5pPr marL="1828800" algn="l" defTabSz="457200" rtl="0" eaLnBrk="1" latinLnBrk="0" hangingPunct="1">
       <a:defRPr sz="1800" kern="1200">
         <a:solidFill>
           <a:schemeClr val="tx1"/>
@@ -68,7 +68,7 @@
         <a:cs typeface="+mn-cs"/>
       </a:defRPr>
     </a:lvl5pPr>
-    <a:lvl6pPr marL="2286000" algn="l" defTabSz="914400" rtl="0" eaLnBrk="1" latinLnBrk="0" hangingPunct="1">
+    <a:lvl6pPr marL="2286000" algn="l" defTabSz="457200" rtl="0" eaLnBrk="1" latinLnBrk="0" hangingPunct="1">
       <a:defRPr sz="1800" kern="1200">
         <a:solidFill>
           <a:schemeClr val="tx1"/>
@@ -78,7 +78,7 @@
         <a:cs typeface="+mn-cs"/>
       </a:defRPr>
     </a:lvl6pPr>
-    <a:lvl7pPr marL="2743200" algn="l" defTabSz="914400" rtl="0" eaLnBrk="1" latinLnBrk="0" hangingPunct="1">
+    <a:lvl7pPr marL="2743200" algn="l" defTabSz="457200" rtl="0" eaLnBrk="1" latinLnBrk="0" hangingPunct="1">
       <a:defRPr sz="1800" kern="1200">
         <a:solidFill>
           <a:schemeClr val="tx1"/>
@@ -88,7 +88,7 @@
         <a:cs typeface="+mn-cs"/>
       </a:defRPr>
     </a:lvl7pPr>
-    <a:lvl8pPr marL="3200400" algn="l" defTabSz="914400" rtl="0" eaLnBrk="1" latinLnBrk="0" hangingPunct="1">
+    <a:lvl8pPr marL="3200400" algn="l" defTabSz="457200" rtl="0" eaLnBrk="1" latinLnBrk="0" hangingPunct="1">
       <a:defRPr sz="1800" kern="1200">
         <a:solidFill>
           <a:schemeClr val="tx1"/>
@@ -98,7 +98,7 @@
         <a:cs typeface="+mn-cs"/>
       </a:defRPr>
     </a:lvl8pPr>
-    <a:lvl9pPr marL="3657600" algn="l" defTabSz="914400" rtl="0" eaLnBrk="1" latinLnBrk="0" hangingPunct="1">
+    <a:lvl9pPr marL="3657600" algn="l" defTabSz="457200" rtl="0" eaLnBrk="1" latinLnBrk="0" hangingPunct="1">
       <a:defRPr sz="1800" kern="1200">
         <a:solidFill>
           <a:schemeClr val="tx1"/>
@@ -109,6 +109,11 @@
       </a:defRPr>
     </a:lvl9pPr>
   </p:defaultTextStyle>
+  <p:extLst>
+    <p:ext uri="{EFAFB233-063F-42B5-8137-9DF3F51BA10A}">
+      <p15:sldGuideLst xmlns:p15="http://schemas.microsoft.com/office/powerpoint/2012/main"/>
+    </p:ext>
+  </p:extLst>
 </p:presentation>
 </file>
 
@@ -131,13 +136,7 @@
       </p:grpSpPr>
       <p:sp>
         <p:nvSpPr>
-          <p:cNvPr id="2" name="Title 1">
-            <a:extLst>
-              <a:ext uri="{FF2B5EF4-FFF2-40B4-BE49-F238E27FC236}">
-                <a16:creationId xmlns:a16="http://schemas.microsoft.com/office/drawing/2014/main" id="{26146A88-8511-470E-BCCE-EECDFE8316FD}"/>
-              </a:ext>
-            </a:extLst>
-          </p:cNvPr>
+          <p:cNvPr id="2" name="Title 1"/>
           <p:cNvSpPr>
             <a:spLocks noGrp="1"/>
           </p:cNvSpPr>
@@ -147,15 +146,32 @@
         </p:nvSpPr>
         <p:spPr>
           <a:xfrm>
-            <a:off x="1524000" y="1122363"/>
-            <a:ext cx="9144000" cy="2387600"/>
+            <a:off x="1751012" y="609601"/>
+            <a:ext cx="8676222" cy="3200400"/>
           </a:xfrm>
         </p:spPr>
         <p:txBody>
-          <a:bodyPr anchor="b"/>
+          <a:bodyPr anchor="b">
+            <a:normAutofit/>
+          </a:bodyPr>
           <a:lstStyle>
             <a:lvl1pPr algn="ctr">
-              <a:defRPr sz="6000"/>
+              <a:defRPr sz="4800">
+                <a:effectLst>
+                  <a:glow rad="38100">
+                    <a:schemeClr val="bg1">
+                      <a:lumMod val="65000"/>
+                      <a:lumOff val="35000"/>
+                      <a:alpha val="50000"/>
+                    </a:schemeClr>
+                  </a:glow>
+                  <a:outerShdw blurRad="28575" dist="31750" dir="13200000" algn="tl" rotWithShape="0">
+                    <a:srgbClr val="000000">
+                      <a:alpha val="25000"/>
+                    </a:srgbClr>
+                  </a:outerShdw>
+                </a:effectLst>
+              </a:defRPr>
             </a:lvl1pPr>
           </a:lstStyle>
           <a:p>
@@ -163,19 +179,13 @@
               <a:rPr lang="en-US"/>
               <a:t>Click to edit Master title style</a:t>
             </a:r>
-            <a:endParaRPr lang="en-IE"/>
-          </a:p>
-        </p:txBody>
-      </p:sp>
-      <p:sp>
-        <p:nvSpPr>
-          <p:cNvPr id="3" name="Subtitle 2">
-            <a:extLst>
-              <a:ext uri="{FF2B5EF4-FFF2-40B4-BE49-F238E27FC236}">
-                <a16:creationId xmlns:a16="http://schemas.microsoft.com/office/drawing/2014/main" id="{9845030A-D2C6-48F2-B699-201D574C06E0}"/>
-              </a:ext>
-            </a:extLst>
-          </p:cNvPr>
+            <a:endParaRPr lang="en-US" dirty="0"/>
+          </a:p>
+        </p:txBody>
+      </p:sp>
+      <p:sp>
+        <p:nvSpPr>
+          <p:cNvPr id="3" name="Subtitle 2"/>
           <p:cNvSpPr>
             <a:spLocks noGrp="1"/>
           </p:cNvSpPr>
@@ -185,48 +195,113 @@
         </p:nvSpPr>
         <p:spPr>
           <a:xfrm>
-            <a:off x="1524000" y="3602038"/>
-            <a:ext cx="9144000" cy="1655762"/>
+            <a:off x="1751012" y="3886200"/>
+            <a:ext cx="8676222" cy="1905000"/>
           </a:xfrm>
         </p:spPr>
         <p:txBody>
-          <a:bodyPr/>
+          <a:bodyPr anchor="t">
+            <a:normAutofit/>
+          </a:bodyPr>
           <a:lstStyle>
             <a:lvl1pPr marL="0" indent="0" algn="ctr">
               <a:buNone/>
-              <a:defRPr sz="2400"/>
+              <a:defRPr sz="2100">
+                <a:gradFill flip="none" rotWithShape="1">
+                  <a:gsLst>
+                    <a:gs pos="0">
+                      <a:schemeClr val="tx1"/>
+                    </a:gs>
+                    <a:gs pos="100000">
+                      <a:schemeClr val="tx1">
+                        <a:lumMod val="75000"/>
+                      </a:schemeClr>
+                    </a:gs>
+                  </a:gsLst>
+                  <a:lin ang="5400000" scaled="0"/>
+                  <a:tileRect/>
+                </a:gradFill>
+              </a:defRPr>
             </a:lvl1pPr>
             <a:lvl2pPr marL="457200" indent="0" algn="ctr">
               <a:buNone/>
-              <a:defRPr sz="2000"/>
+              <a:defRPr>
+                <a:solidFill>
+                  <a:schemeClr val="tx1">
+                    <a:tint val="75000"/>
+                  </a:schemeClr>
+                </a:solidFill>
+              </a:defRPr>
             </a:lvl2pPr>
             <a:lvl3pPr marL="914400" indent="0" algn="ctr">
               <a:buNone/>
-              <a:defRPr sz="1800"/>
+              <a:defRPr>
+                <a:solidFill>
+                  <a:schemeClr val="tx1">
+                    <a:tint val="75000"/>
+                  </a:schemeClr>
+                </a:solidFill>
+              </a:defRPr>
             </a:lvl3pPr>
             <a:lvl4pPr marL="1371600" indent="0" algn="ctr">
               <a:buNone/>
-              <a:defRPr sz="1600"/>
+              <a:defRPr>
+                <a:solidFill>
+                  <a:schemeClr val="tx1">
+                    <a:tint val="75000"/>
+                  </a:schemeClr>
+                </a:solidFill>
+              </a:defRPr>
             </a:lvl4pPr>
             <a:lvl5pPr marL="1828800" indent="0" algn="ctr">
               <a:buNone/>
-              <a:defRPr sz="1600"/>
+              <a:defRPr>
+                <a:solidFill>
+                  <a:schemeClr val="tx1">
+                    <a:tint val="75000"/>
+                  </a:schemeClr>
+                </a:solidFill>
+              </a:defRPr>
             </a:lvl5pPr>
             <a:lvl6pPr marL="2286000" indent="0" algn="ctr">
               <a:buNone/>
-              <a:defRPr sz="1600"/>
+              <a:defRPr>
+                <a:solidFill>
+                  <a:schemeClr val="tx1">
+                    <a:tint val="75000"/>
+                  </a:schemeClr>
+                </a:solidFill>
+              </a:defRPr>
             </a:lvl6pPr>
             <a:lvl7pPr marL="2743200" indent="0" algn="ctr">
               <a:buNone/>
-              <a:defRPr sz="1600"/>
+              <a:defRPr>
+                <a:solidFill>
+                  <a:schemeClr val="tx1">
+                    <a:tint val="75000"/>
+                  </a:schemeClr>
+                </a:solidFill>
+              </a:defRPr>
             </a:lvl7pPr>
             <a:lvl8pPr marL="3200400" indent="0" algn="ctr">
               <a:buNone/>
-              <a:defRPr sz="1600"/>
+              <a:defRPr>
+                <a:solidFill>
+                  <a:schemeClr val="tx1">
+                    <a:tint val="75000"/>
+                  </a:schemeClr>
+                </a:solidFill>
+              </a:defRPr>
             </a:lvl8pPr>
             <a:lvl9pPr marL="3657600" indent="0" algn="ctr">
               <a:buNone/>
-              <a:defRPr sz="1600"/>
+              <a:defRPr>
+                <a:solidFill>
+                  <a:schemeClr val="tx1">
+                    <a:tint val="75000"/>
+                  </a:schemeClr>
+                </a:solidFill>
+              </a:defRPr>
             </a:lvl9pPr>
           </a:lstStyle>
           <a:p>
@@ -234,19 +309,13 @@
               <a:rPr lang="en-US"/>
               <a:t>Click to edit Master subtitle style</a:t>
             </a:r>
-            <a:endParaRPr lang="en-IE"/>
-          </a:p>
-        </p:txBody>
-      </p:sp>
-      <p:sp>
-        <p:nvSpPr>
-          <p:cNvPr id="4" name="Date Placeholder 3">
-            <a:extLst>
-              <a:ext uri="{FF2B5EF4-FFF2-40B4-BE49-F238E27FC236}">
-                <a16:creationId xmlns:a16="http://schemas.microsoft.com/office/drawing/2014/main" id="{B9BC5412-08EA-43D7-A2F6-F3837CA4E0AA}"/>
-              </a:ext>
-            </a:extLst>
-          </p:cNvPr>
+            <a:endParaRPr lang="en-US" dirty="0"/>
+          </a:p>
+        </p:txBody>
+      </p:sp>
+      <p:sp>
+        <p:nvSpPr>
+          <p:cNvPr id="4" name="Date Placeholder 3"/>
           <p:cNvSpPr>
             <a:spLocks noGrp="1"/>
           </p:cNvSpPr>
@@ -269,13 +338,7 @@
       </p:sp>
       <p:sp>
         <p:nvSpPr>
-          <p:cNvPr id="5" name="Footer Placeholder 4">
-            <a:extLst>
-              <a:ext uri="{FF2B5EF4-FFF2-40B4-BE49-F238E27FC236}">
-                <a16:creationId xmlns:a16="http://schemas.microsoft.com/office/drawing/2014/main" id="{B0C01D3D-B7FE-48ED-83FB-57894255BC19}"/>
-              </a:ext>
-            </a:extLst>
-          </p:cNvPr>
+          <p:cNvPr id="5" name="Footer Placeholder 4"/>
           <p:cNvSpPr>
             <a:spLocks noGrp="1"/>
           </p:cNvSpPr>
@@ -294,13 +357,7 @@
       </p:sp>
       <p:sp>
         <p:nvSpPr>
-          <p:cNvPr id="6" name="Slide Number Placeholder 5">
-            <a:extLst>
-              <a:ext uri="{FF2B5EF4-FFF2-40B4-BE49-F238E27FC236}">
-                <a16:creationId xmlns:a16="http://schemas.microsoft.com/office/drawing/2014/main" id="{83DB4821-6FFC-4A6D-A63D-04855A291AB3}"/>
-              </a:ext>
-            </a:extLst>
-          </p:cNvPr>
+          <p:cNvPr id="6" name="Slide Number Placeholder 5"/>
           <p:cNvSpPr>
             <a:spLocks noGrp="1"/>
           </p:cNvSpPr>
@@ -324,7 +381,7 @@
     </p:spTree>
     <p:extLst>
       <p:ext uri="{BB962C8B-B14F-4D97-AF65-F5344CB8AC3E}">
-        <p14:creationId xmlns:p14="http://schemas.microsoft.com/office/powerpoint/2010/main" val="3279657395"/>
+        <p14:creationId xmlns:p14="http://schemas.microsoft.com/office/powerpoint/2010/main" val="3374448033"/>
       </p:ext>
     </p:extLst>
   </p:cSld>
@@ -335,6 +392,2113 @@
 </file>
 
 <file path=ppt/slideLayouts/slideLayout10.xml><?xml version="1.0" encoding="utf-8"?>
+<p:sldLayout xmlns:a="http://schemas.openxmlformats.org/drawingml/2006/main" xmlns:r="http://schemas.openxmlformats.org/officeDocument/2006/relationships" xmlns:p="http://schemas.openxmlformats.org/presentationml/2006/main" preserve="1">
+  <p:cSld name="Panoramic Picture with Caption">
+    <p:spTree>
+      <p:nvGrpSpPr>
+        <p:cNvPr id="1" name=""/>
+        <p:cNvGrpSpPr/>
+        <p:nvPr/>
+      </p:nvGrpSpPr>
+      <p:grpSpPr>
+        <a:xfrm>
+          <a:off x="0" y="0"/>
+          <a:ext cx="0" cy="0"/>
+          <a:chOff x="0" y="0"/>
+          <a:chExt cx="0" cy="0"/>
+        </a:xfrm>
+      </p:grpSpPr>
+      <p:sp>
+        <p:nvSpPr>
+          <p:cNvPr id="2" name="Title 1"/>
+          <p:cNvSpPr>
+            <a:spLocks noGrp="1"/>
+          </p:cNvSpPr>
+          <p:nvPr>
+            <p:ph type="title"/>
+          </p:nvPr>
+        </p:nvSpPr>
+        <p:spPr>
+          <a:xfrm>
+            <a:off x="1141413" y="4732865"/>
+            <a:ext cx="9906000" cy="566738"/>
+          </a:xfrm>
+        </p:spPr>
+        <p:txBody>
+          <a:bodyPr anchor="b">
+            <a:normAutofit/>
+          </a:bodyPr>
+          <a:lstStyle>
+            <a:lvl1pPr algn="l">
+              <a:defRPr sz="2400" b="0"/>
+            </a:lvl1pPr>
+          </a:lstStyle>
+          <a:p>
+            <a:r>
+              <a:rPr lang="en-US"/>
+              <a:t>Click to edit Master title style</a:t>
+            </a:r>
+            <a:endParaRPr lang="en-US" dirty="0"/>
+          </a:p>
+        </p:txBody>
+      </p:sp>
+      <p:sp>
+        <p:nvSpPr>
+          <p:cNvPr id="3" name="Picture Placeholder 2"/>
+          <p:cNvSpPr>
+            <a:spLocks noGrp="1" noChangeAspect="1"/>
+          </p:cNvSpPr>
+          <p:nvPr>
+            <p:ph type="pic" idx="1"/>
+          </p:nvPr>
+        </p:nvSpPr>
+        <p:spPr>
+          <a:xfrm>
+            <a:off x="1979612" y="932112"/>
+            <a:ext cx="8225944" cy="3164976"/>
+          </a:xfrm>
+          <a:prstGeom prst="roundRect">
+            <a:avLst>
+              <a:gd name="adj" fmla="val 4380"/>
+            </a:avLst>
+          </a:prstGeom>
+          <a:ln w="38100">
+            <a:gradFill flip="none" rotWithShape="1">
+              <a:gsLst>
+                <a:gs pos="0">
+                  <a:schemeClr val="bg2"/>
+                </a:gs>
+                <a:gs pos="100000">
+                  <a:schemeClr val="bg2">
+                    <a:lumMod val="75000"/>
+                  </a:schemeClr>
+                </a:gs>
+              </a:gsLst>
+              <a:lin ang="5400000" scaled="0"/>
+              <a:tileRect/>
+            </a:gradFill>
+          </a:ln>
+          <a:effectLst>
+            <a:innerShdw blurRad="57150" dist="38100" dir="14460000">
+              <a:srgbClr val="000000">
+                <a:alpha val="70000"/>
+              </a:srgbClr>
+            </a:innerShdw>
+          </a:effectLst>
+        </p:spPr>
+        <p:txBody>
+          <a:bodyPr anchor="t">
+            <a:normAutofit/>
+          </a:bodyPr>
+          <a:lstStyle>
+            <a:lvl1pPr marL="0" indent="0" algn="ctr">
+              <a:buNone/>
+              <a:defRPr sz="1600"/>
+            </a:lvl1pPr>
+            <a:lvl2pPr marL="457200" indent="0">
+              <a:buNone/>
+              <a:defRPr sz="1600"/>
+            </a:lvl2pPr>
+            <a:lvl3pPr marL="914400" indent="0">
+              <a:buNone/>
+              <a:defRPr sz="1600"/>
+            </a:lvl3pPr>
+            <a:lvl4pPr marL="1371600" indent="0">
+              <a:buNone/>
+              <a:defRPr sz="1600"/>
+            </a:lvl4pPr>
+            <a:lvl5pPr marL="1828800" indent="0">
+              <a:buNone/>
+              <a:defRPr sz="1600"/>
+            </a:lvl5pPr>
+            <a:lvl6pPr marL="2286000" indent="0">
+              <a:buNone/>
+              <a:defRPr sz="1600"/>
+            </a:lvl6pPr>
+            <a:lvl7pPr marL="2743200" indent="0">
+              <a:buNone/>
+              <a:defRPr sz="1600"/>
+            </a:lvl7pPr>
+            <a:lvl8pPr marL="3200400" indent="0">
+              <a:buNone/>
+              <a:defRPr sz="1600"/>
+            </a:lvl8pPr>
+            <a:lvl9pPr marL="3657600" indent="0">
+              <a:buNone/>
+              <a:defRPr sz="1600"/>
+            </a:lvl9pPr>
+          </a:lstStyle>
+          <a:p>
+            <a:r>
+              <a:rPr lang="en-US"/>
+              <a:t>Click icon to add picture</a:t>
+            </a:r>
+            <a:endParaRPr lang="en-US" dirty="0"/>
+          </a:p>
+        </p:txBody>
+      </p:sp>
+      <p:sp>
+        <p:nvSpPr>
+          <p:cNvPr id="4" name="Text Placeholder 3"/>
+          <p:cNvSpPr>
+            <a:spLocks noGrp="1"/>
+          </p:cNvSpPr>
+          <p:nvPr>
+            <p:ph type="body" sz="half" idx="2"/>
+          </p:nvPr>
+        </p:nvSpPr>
+        <p:spPr>
+          <a:xfrm>
+            <a:off x="1141413" y="5299603"/>
+            <a:ext cx="9906000" cy="493712"/>
+          </a:xfrm>
+        </p:spPr>
+        <p:txBody>
+          <a:bodyPr>
+            <a:normAutofit/>
+          </a:bodyPr>
+          <a:lstStyle>
+            <a:lvl1pPr marL="0" indent="0">
+              <a:buNone/>
+              <a:defRPr sz="1400"/>
+            </a:lvl1pPr>
+            <a:lvl2pPr marL="457200" indent="0">
+              <a:buNone/>
+              <a:defRPr sz="1200"/>
+            </a:lvl2pPr>
+            <a:lvl3pPr marL="914400" indent="0">
+              <a:buNone/>
+              <a:defRPr sz="1000"/>
+            </a:lvl3pPr>
+            <a:lvl4pPr marL="1371600" indent="0">
+              <a:buNone/>
+              <a:defRPr sz="900"/>
+            </a:lvl4pPr>
+            <a:lvl5pPr marL="1828800" indent="0">
+              <a:buNone/>
+              <a:defRPr sz="900"/>
+            </a:lvl5pPr>
+            <a:lvl6pPr marL="2286000" indent="0">
+              <a:buNone/>
+              <a:defRPr sz="900"/>
+            </a:lvl6pPr>
+            <a:lvl7pPr marL="2743200" indent="0">
+              <a:buNone/>
+              <a:defRPr sz="900"/>
+            </a:lvl7pPr>
+            <a:lvl8pPr marL="3200400" indent="0">
+              <a:buNone/>
+              <a:defRPr sz="900"/>
+            </a:lvl8pPr>
+            <a:lvl9pPr marL="3657600" indent="0">
+              <a:buNone/>
+              <a:defRPr sz="900"/>
+            </a:lvl9pPr>
+          </a:lstStyle>
+          <a:p>
+            <a:pPr lvl="0"/>
+            <a:r>
+              <a:rPr lang="en-US"/>
+              <a:t>Edit Master text styles</a:t>
+            </a:r>
+          </a:p>
+        </p:txBody>
+      </p:sp>
+      <p:sp>
+        <p:nvSpPr>
+          <p:cNvPr id="5" name="Date Placeholder 4"/>
+          <p:cNvSpPr>
+            <a:spLocks noGrp="1"/>
+          </p:cNvSpPr>
+          <p:nvPr>
+            <p:ph type="dt" sz="half" idx="10"/>
+          </p:nvPr>
+        </p:nvSpPr>
+        <p:spPr/>
+        <p:txBody>
+          <a:bodyPr/>
+          <a:lstStyle/>
+          <a:p>
+            <a:fld id="{2FE8AFC3-B289-4F9C-94F2-3AE2379794A7}" type="datetimeFigureOut">
+              <a:rPr lang="en-IE" smtClean="0"/>
+              <a:t>12/11/2021</a:t>
+            </a:fld>
+            <a:endParaRPr lang="en-IE"/>
+          </a:p>
+        </p:txBody>
+      </p:sp>
+      <p:sp>
+        <p:nvSpPr>
+          <p:cNvPr id="6" name="Footer Placeholder 5"/>
+          <p:cNvSpPr>
+            <a:spLocks noGrp="1"/>
+          </p:cNvSpPr>
+          <p:nvPr>
+            <p:ph type="ftr" sz="quarter" idx="11"/>
+          </p:nvPr>
+        </p:nvSpPr>
+        <p:spPr/>
+        <p:txBody>
+          <a:bodyPr/>
+          <a:lstStyle/>
+          <a:p>
+            <a:endParaRPr lang="en-IE"/>
+          </a:p>
+        </p:txBody>
+      </p:sp>
+      <p:sp>
+        <p:nvSpPr>
+          <p:cNvPr id="7" name="Slide Number Placeholder 6"/>
+          <p:cNvSpPr>
+            <a:spLocks noGrp="1"/>
+          </p:cNvSpPr>
+          <p:nvPr>
+            <p:ph type="sldNum" sz="quarter" idx="12"/>
+          </p:nvPr>
+        </p:nvSpPr>
+        <p:spPr/>
+        <p:txBody>
+          <a:bodyPr/>
+          <a:lstStyle/>
+          <a:p>
+            <a:fld id="{E39C145A-1638-408D-ACDA-8340F1659AB8}" type="slidenum">
+              <a:rPr lang="en-IE" smtClean="0"/>
+              <a:t>‹#›</a:t>
+            </a:fld>
+            <a:endParaRPr lang="en-IE"/>
+          </a:p>
+        </p:txBody>
+      </p:sp>
+    </p:spTree>
+    <p:extLst>
+      <p:ext uri="{BB962C8B-B14F-4D97-AF65-F5344CB8AC3E}">
+        <p14:creationId xmlns:p14="http://schemas.microsoft.com/office/powerpoint/2010/main" val="3004809513"/>
+      </p:ext>
+    </p:extLst>
+  </p:cSld>
+  <p:clrMapOvr>
+    <a:masterClrMapping/>
+  </p:clrMapOvr>
+</p:sldLayout>
+</file>
+
+<file path=ppt/slideLayouts/slideLayout11.xml><?xml version="1.0" encoding="utf-8"?>
+<p:sldLayout xmlns:a="http://schemas.openxmlformats.org/drawingml/2006/main" xmlns:r="http://schemas.openxmlformats.org/officeDocument/2006/relationships" xmlns:p="http://schemas.openxmlformats.org/presentationml/2006/main" preserve="1">
+  <p:cSld name="Title and Caption">
+    <p:spTree>
+      <p:nvGrpSpPr>
+        <p:cNvPr id="1" name=""/>
+        <p:cNvGrpSpPr/>
+        <p:nvPr/>
+      </p:nvGrpSpPr>
+      <p:grpSpPr>
+        <a:xfrm>
+          <a:off x="0" y="0"/>
+          <a:ext cx="0" cy="0"/>
+          <a:chOff x="0" y="0"/>
+          <a:chExt cx="0" cy="0"/>
+        </a:xfrm>
+      </p:grpSpPr>
+      <p:sp>
+        <p:nvSpPr>
+          <p:cNvPr id="2" name="Title 1"/>
+          <p:cNvSpPr>
+            <a:spLocks noGrp="1"/>
+          </p:cNvSpPr>
+          <p:nvPr>
+            <p:ph type="title"/>
+          </p:nvPr>
+        </p:nvSpPr>
+        <p:spPr>
+          <a:xfrm>
+            <a:off x="1141412" y="609601"/>
+            <a:ext cx="9905999" cy="3124199"/>
+          </a:xfrm>
+        </p:spPr>
+        <p:txBody>
+          <a:bodyPr anchor="ctr">
+            <a:normAutofit/>
+          </a:bodyPr>
+          <a:lstStyle>
+            <a:lvl1pPr algn="l">
+              <a:defRPr sz="3200" b="0" cap="all"/>
+            </a:lvl1pPr>
+          </a:lstStyle>
+          <a:p>
+            <a:r>
+              <a:rPr lang="en-US"/>
+              <a:t>Click to edit Master title style</a:t>
+            </a:r>
+            <a:endParaRPr lang="en-US" dirty="0"/>
+          </a:p>
+        </p:txBody>
+      </p:sp>
+      <p:sp>
+        <p:nvSpPr>
+          <p:cNvPr id="3" name="Text Placeholder 2"/>
+          <p:cNvSpPr>
+            <a:spLocks noGrp="1"/>
+          </p:cNvSpPr>
+          <p:nvPr>
+            <p:ph type="body" idx="1"/>
+          </p:nvPr>
+        </p:nvSpPr>
+        <p:spPr>
+          <a:xfrm>
+            <a:off x="1141411" y="4343400"/>
+            <a:ext cx="9906000" cy="1447800"/>
+          </a:xfrm>
+        </p:spPr>
+        <p:txBody>
+          <a:bodyPr anchor="ctr">
+            <a:normAutofit/>
+          </a:bodyPr>
+          <a:lstStyle>
+            <a:lvl1pPr marL="0" indent="0" algn="l">
+              <a:buNone/>
+              <a:defRPr sz="2000">
+                <a:gradFill flip="none" rotWithShape="1">
+                  <a:gsLst>
+                    <a:gs pos="0">
+                      <a:schemeClr val="tx1"/>
+                    </a:gs>
+                    <a:gs pos="100000">
+                      <a:schemeClr val="tx1">
+                        <a:lumMod val="75000"/>
+                      </a:schemeClr>
+                    </a:gs>
+                  </a:gsLst>
+                  <a:lin ang="5400000" scaled="0"/>
+                  <a:tileRect/>
+                </a:gradFill>
+              </a:defRPr>
+            </a:lvl1pPr>
+            <a:lvl2pPr marL="457200" indent="0">
+              <a:buNone/>
+              <a:defRPr sz="1800">
+                <a:solidFill>
+                  <a:schemeClr val="tx1">
+                    <a:tint val="75000"/>
+                  </a:schemeClr>
+                </a:solidFill>
+              </a:defRPr>
+            </a:lvl2pPr>
+            <a:lvl3pPr marL="914400" indent="0">
+              <a:buNone/>
+              <a:defRPr sz="1600">
+                <a:solidFill>
+                  <a:schemeClr val="tx1">
+                    <a:tint val="75000"/>
+                  </a:schemeClr>
+                </a:solidFill>
+              </a:defRPr>
+            </a:lvl3pPr>
+            <a:lvl4pPr marL="1371600" indent="0">
+              <a:buNone/>
+              <a:defRPr sz="1400">
+                <a:solidFill>
+                  <a:schemeClr val="tx1">
+                    <a:tint val="75000"/>
+                  </a:schemeClr>
+                </a:solidFill>
+              </a:defRPr>
+            </a:lvl4pPr>
+            <a:lvl5pPr marL="1828800" indent="0">
+              <a:buNone/>
+              <a:defRPr sz="1400">
+                <a:solidFill>
+                  <a:schemeClr val="tx1">
+                    <a:tint val="75000"/>
+                  </a:schemeClr>
+                </a:solidFill>
+              </a:defRPr>
+            </a:lvl5pPr>
+            <a:lvl6pPr marL="2286000" indent="0">
+              <a:buNone/>
+              <a:defRPr sz="1400">
+                <a:solidFill>
+                  <a:schemeClr val="tx1">
+                    <a:tint val="75000"/>
+                  </a:schemeClr>
+                </a:solidFill>
+              </a:defRPr>
+            </a:lvl6pPr>
+            <a:lvl7pPr marL="2743200" indent="0">
+              <a:buNone/>
+              <a:defRPr sz="1400">
+                <a:solidFill>
+                  <a:schemeClr val="tx1">
+                    <a:tint val="75000"/>
+                  </a:schemeClr>
+                </a:solidFill>
+              </a:defRPr>
+            </a:lvl7pPr>
+            <a:lvl8pPr marL="3200400" indent="0">
+              <a:buNone/>
+              <a:defRPr sz="1400">
+                <a:solidFill>
+                  <a:schemeClr val="tx1">
+                    <a:tint val="75000"/>
+                  </a:schemeClr>
+                </a:solidFill>
+              </a:defRPr>
+            </a:lvl8pPr>
+            <a:lvl9pPr marL="3657600" indent="0">
+              <a:buNone/>
+              <a:defRPr sz="1400">
+                <a:solidFill>
+                  <a:schemeClr val="tx1">
+                    <a:tint val="75000"/>
+                  </a:schemeClr>
+                </a:solidFill>
+              </a:defRPr>
+            </a:lvl9pPr>
+          </a:lstStyle>
+          <a:p>
+            <a:pPr lvl="0"/>
+            <a:r>
+              <a:rPr lang="en-US"/>
+              <a:t>Edit Master text styles</a:t>
+            </a:r>
+          </a:p>
+        </p:txBody>
+      </p:sp>
+      <p:sp>
+        <p:nvSpPr>
+          <p:cNvPr id="4" name="Date Placeholder 3"/>
+          <p:cNvSpPr>
+            <a:spLocks noGrp="1"/>
+          </p:cNvSpPr>
+          <p:nvPr>
+            <p:ph type="dt" sz="half" idx="10"/>
+          </p:nvPr>
+        </p:nvSpPr>
+        <p:spPr/>
+        <p:txBody>
+          <a:bodyPr/>
+          <a:lstStyle/>
+          <a:p>
+            <a:fld id="{2FE8AFC3-B289-4F9C-94F2-3AE2379794A7}" type="datetimeFigureOut">
+              <a:rPr lang="en-IE" smtClean="0"/>
+              <a:t>12/11/2021</a:t>
+            </a:fld>
+            <a:endParaRPr lang="en-IE"/>
+          </a:p>
+        </p:txBody>
+      </p:sp>
+      <p:sp>
+        <p:nvSpPr>
+          <p:cNvPr id="5" name="Footer Placeholder 4"/>
+          <p:cNvSpPr>
+            <a:spLocks noGrp="1"/>
+          </p:cNvSpPr>
+          <p:nvPr>
+            <p:ph type="ftr" sz="quarter" idx="11"/>
+          </p:nvPr>
+        </p:nvSpPr>
+        <p:spPr/>
+        <p:txBody>
+          <a:bodyPr/>
+          <a:lstStyle/>
+          <a:p>
+            <a:endParaRPr lang="en-IE"/>
+          </a:p>
+        </p:txBody>
+      </p:sp>
+      <p:sp>
+        <p:nvSpPr>
+          <p:cNvPr id="6" name="Slide Number Placeholder 5"/>
+          <p:cNvSpPr>
+            <a:spLocks noGrp="1"/>
+          </p:cNvSpPr>
+          <p:nvPr>
+            <p:ph type="sldNum" sz="quarter" idx="12"/>
+          </p:nvPr>
+        </p:nvSpPr>
+        <p:spPr/>
+        <p:txBody>
+          <a:bodyPr/>
+          <a:lstStyle/>
+          <a:p>
+            <a:fld id="{E39C145A-1638-408D-ACDA-8340F1659AB8}" type="slidenum">
+              <a:rPr lang="en-IE" smtClean="0"/>
+              <a:t>‹#›</a:t>
+            </a:fld>
+            <a:endParaRPr lang="en-IE"/>
+          </a:p>
+        </p:txBody>
+      </p:sp>
+    </p:spTree>
+    <p:extLst>
+      <p:ext uri="{BB962C8B-B14F-4D97-AF65-F5344CB8AC3E}">
+        <p14:creationId xmlns:p14="http://schemas.microsoft.com/office/powerpoint/2010/main" val="1498915821"/>
+      </p:ext>
+    </p:extLst>
+  </p:cSld>
+  <p:clrMapOvr>
+    <a:masterClrMapping/>
+  </p:clrMapOvr>
+</p:sldLayout>
+</file>
+
+<file path=ppt/slideLayouts/slideLayout12.xml><?xml version="1.0" encoding="utf-8"?>
+<p:sldLayout xmlns:a="http://schemas.openxmlformats.org/drawingml/2006/main" xmlns:r="http://schemas.openxmlformats.org/officeDocument/2006/relationships" xmlns:p="http://schemas.openxmlformats.org/presentationml/2006/main" preserve="1">
+  <p:cSld name="Quote with Caption">
+    <p:spTree>
+      <p:nvGrpSpPr>
+        <p:cNvPr id="1" name=""/>
+        <p:cNvGrpSpPr/>
+        <p:nvPr/>
+      </p:nvGrpSpPr>
+      <p:grpSpPr>
+        <a:xfrm>
+          <a:off x="0" y="0"/>
+          <a:ext cx="0" cy="0"/>
+          <a:chOff x="0" y="0"/>
+          <a:chExt cx="0" cy="0"/>
+        </a:xfrm>
+      </p:grpSpPr>
+      <p:sp>
+        <p:nvSpPr>
+          <p:cNvPr id="14" name="TextBox 13"/>
+          <p:cNvSpPr txBox="1"/>
+          <p:nvPr/>
+        </p:nvSpPr>
+        <p:spPr>
+          <a:xfrm>
+            <a:off x="836612" y="786824"/>
+            <a:ext cx="609600" cy="584776"/>
+          </a:xfrm>
+          <a:prstGeom prst="rect">
+            <a:avLst/>
+          </a:prstGeom>
+        </p:spPr>
+        <p:txBody>
+          <a:bodyPr vert="horz" lIns="91440" tIns="45720" rIns="91440" bIns="45720" rtlCol="0" anchor="ctr">
+            <a:noAutofit/>
+          </a:bodyPr>
+          <a:lstStyle>
+            <a:lvl1pPr>
+              <a:spcBef>
+                <a:spcPct val="0"/>
+              </a:spcBef>
+              <a:buNone/>
+              <a:defRPr sz="3200" b="0" cap="all">
+                <a:ln w="3175" cmpd="sng">
+                  <a:noFill/>
+                </a:ln>
+                <a:effectLst>
+                  <a:glow rad="38100">
+                    <a:schemeClr val="bg1">
+                      <a:lumMod val="65000"/>
+                      <a:lumOff val="35000"/>
+                      <a:alpha val="40000"/>
+                    </a:schemeClr>
+                  </a:glow>
+                  <a:outerShdw blurRad="28575" dist="38100" dir="14040000" algn="tl" rotWithShape="0">
+                    <a:srgbClr val="000000">
+                      <a:alpha val="25000"/>
+                    </a:srgbClr>
+                  </a:outerShdw>
+                </a:effectLst>
+              </a:defRPr>
+            </a:lvl1pPr>
+            <a:lvl2pPr>
+              <a:defRPr>
+                <a:solidFill>
+                  <a:schemeClr val="tx2"/>
+                </a:solidFill>
+              </a:defRPr>
+            </a:lvl2pPr>
+            <a:lvl3pPr>
+              <a:defRPr>
+                <a:solidFill>
+                  <a:schemeClr val="tx2"/>
+                </a:solidFill>
+              </a:defRPr>
+            </a:lvl3pPr>
+            <a:lvl4pPr>
+              <a:defRPr>
+                <a:solidFill>
+                  <a:schemeClr val="tx2"/>
+                </a:solidFill>
+              </a:defRPr>
+            </a:lvl4pPr>
+            <a:lvl5pPr>
+              <a:defRPr>
+                <a:solidFill>
+                  <a:schemeClr val="tx2"/>
+                </a:solidFill>
+              </a:defRPr>
+            </a:lvl5pPr>
+            <a:lvl6pPr>
+              <a:defRPr>
+                <a:solidFill>
+                  <a:schemeClr val="tx2"/>
+                </a:solidFill>
+              </a:defRPr>
+            </a:lvl6pPr>
+            <a:lvl7pPr>
+              <a:defRPr>
+                <a:solidFill>
+                  <a:schemeClr val="tx2"/>
+                </a:solidFill>
+              </a:defRPr>
+            </a:lvl7pPr>
+            <a:lvl8pPr>
+              <a:defRPr>
+                <a:solidFill>
+                  <a:schemeClr val="tx2"/>
+                </a:solidFill>
+              </a:defRPr>
+            </a:lvl8pPr>
+            <a:lvl9pPr>
+              <a:defRPr>
+                <a:solidFill>
+                  <a:schemeClr val="tx2"/>
+                </a:solidFill>
+              </a:defRPr>
+            </a:lvl9pPr>
+          </a:lstStyle>
+          <a:p>
+            <a:pPr lvl="0"/>
+            <a:r>
+              <a:rPr lang="en-US" sz="8000" dirty="0">
+                <a:solidFill>
+                  <a:schemeClr val="accent1"/>
+                </a:solidFill>
+              </a:rPr>
+              <a:t>“</a:t>
+            </a:r>
+          </a:p>
+        </p:txBody>
+      </p:sp>
+      <p:sp>
+        <p:nvSpPr>
+          <p:cNvPr id="15" name="TextBox 14"/>
+          <p:cNvSpPr txBox="1"/>
+          <p:nvPr/>
+        </p:nvSpPr>
+        <p:spPr>
+          <a:xfrm>
+            <a:off x="10437812" y="2743200"/>
+            <a:ext cx="609600" cy="584776"/>
+          </a:xfrm>
+          <a:prstGeom prst="rect">
+            <a:avLst/>
+          </a:prstGeom>
+        </p:spPr>
+        <p:txBody>
+          <a:bodyPr vert="horz" lIns="91440" tIns="45720" rIns="91440" bIns="45720" rtlCol="0" anchor="ctr">
+            <a:noAutofit/>
+          </a:bodyPr>
+          <a:lstStyle>
+            <a:lvl1pPr>
+              <a:spcBef>
+                <a:spcPct val="0"/>
+              </a:spcBef>
+              <a:buNone/>
+              <a:defRPr sz="3200" b="0" cap="all">
+                <a:ln w="3175" cmpd="sng">
+                  <a:noFill/>
+                </a:ln>
+                <a:effectLst>
+                  <a:glow rad="38100">
+                    <a:schemeClr val="bg1">
+                      <a:lumMod val="65000"/>
+                      <a:lumOff val="35000"/>
+                      <a:alpha val="40000"/>
+                    </a:schemeClr>
+                  </a:glow>
+                  <a:outerShdw blurRad="28575" dist="38100" dir="14040000" algn="tl" rotWithShape="0">
+                    <a:srgbClr val="000000">
+                      <a:alpha val="25000"/>
+                    </a:srgbClr>
+                  </a:outerShdw>
+                </a:effectLst>
+              </a:defRPr>
+            </a:lvl1pPr>
+            <a:lvl2pPr>
+              <a:defRPr>
+                <a:solidFill>
+                  <a:schemeClr val="tx2"/>
+                </a:solidFill>
+              </a:defRPr>
+            </a:lvl2pPr>
+            <a:lvl3pPr>
+              <a:defRPr>
+                <a:solidFill>
+                  <a:schemeClr val="tx2"/>
+                </a:solidFill>
+              </a:defRPr>
+            </a:lvl3pPr>
+            <a:lvl4pPr>
+              <a:defRPr>
+                <a:solidFill>
+                  <a:schemeClr val="tx2"/>
+                </a:solidFill>
+              </a:defRPr>
+            </a:lvl4pPr>
+            <a:lvl5pPr>
+              <a:defRPr>
+                <a:solidFill>
+                  <a:schemeClr val="tx2"/>
+                </a:solidFill>
+              </a:defRPr>
+            </a:lvl5pPr>
+            <a:lvl6pPr>
+              <a:defRPr>
+                <a:solidFill>
+                  <a:schemeClr val="tx2"/>
+                </a:solidFill>
+              </a:defRPr>
+            </a:lvl6pPr>
+            <a:lvl7pPr>
+              <a:defRPr>
+                <a:solidFill>
+                  <a:schemeClr val="tx2"/>
+                </a:solidFill>
+              </a:defRPr>
+            </a:lvl7pPr>
+            <a:lvl8pPr>
+              <a:defRPr>
+                <a:solidFill>
+                  <a:schemeClr val="tx2"/>
+                </a:solidFill>
+              </a:defRPr>
+            </a:lvl8pPr>
+            <a:lvl9pPr>
+              <a:defRPr>
+                <a:solidFill>
+                  <a:schemeClr val="tx2"/>
+                </a:solidFill>
+              </a:defRPr>
+            </a:lvl9pPr>
+          </a:lstStyle>
+          <a:p>
+            <a:pPr lvl="0" algn="r"/>
+            <a:r>
+              <a:rPr lang="en-US" sz="8000" dirty="0">
+                <a:solidFill>
+                  <a:schemeClr val="accent1"/>
+                </a:solidFill>
+              </a:rPr>
+              <a:t>”</a:t>
+            </a:r>
+          </a:p>
+        </p:txBody>
+      </p:sp>
+      <p:sp>
+        <p:nvSpPr>
+          <p:cNvPr id="2" name="Title 1"/>
+          <p:cNvSpPr>
+            <a:spLocks noGrp="1"/>
+          </p:cNvSpPr>
+          <p:nvPr>
+            <p:ph type="title"/>
+          </p:nvPr>
+        </p:nvSpPr>
+        <p:spPr>
+          <a:xfrm>
+            <a:off x="1446213" y="609601"/>
+            <a:ext cx="9296398" cy="2743199"/>
+          </a:xfrm>
+        </p:spPr>
+        <p:txBody>
+          <a:bodyPr anchor="ctr">
+            <a:normAutofit/>
+          </a:bodyPr>
+          <a:lstStyle>
+            <a:lvl1pPr algn="l">
+              <a:defRPr sz="3200" b="0" cap="all">
+                <a:solidFill>
+                  <a:schemeClr val="tx1"/>
+                </a:solidFill>
+              </a:defRPr>
+            </a:lvl1pPr>
+          </a:lstStyle>
+          <a:p>
+            <a:r>
+              <a:rPr lang="en-US"/>
+              <a:t>Click to edit Master title style</a:t>
+            </a:r>
+            <a:endParaRPr lang="en-US" dirty="0"/>
+          </a:p>
+        </p:txBody>
+      </p:sp>
+      <p:sp>
+        <p:nvSpPr>
+          <p:cNvPr id="10" name="Text Placeholder 9"/>
+          <p:cNvSpPr>
+            <a:spLocks noGrp="1"/>
+          </p:cNvSpPr>
+          <p:nvPr>
+            <p:ph type="body" sz="quarter" idx="13"/>
+          </p:nvPr>
+        </p:nvSpPr>
+        <p:spPr>
+          <a:xfrm>
+            <a:off x="1674812" y="3352800"/>
+            <a:ext cx="8839202" cy="381000"/>
+          </a:xfrm>
+        </p:spPr>
+        <p:txBody>
+          <a:bodyPr anchor="ctr"/>
+          <a:lstStyle>
+            <a:lvl1pPr marL="0" indent="0">
+              <a:buFontTx/>
+              <a:buNone/>
+              <a:defRPr/>
+            </a:lvl1pPr>
+            <a:lvl2pPr marL="457200" indent="0">
+              <a:buFontTx/>
+              <a:buNone/>
+              <a:defRPr/>
+            </a:lvl2pPr>
+            <a:lvl3pPr marL="914400" indent="0">
+              <a:buFontTx/>
+              <a:buNone/>
+              <a:defRPr/>
+            </a:lvl3pPr>
+            <a:lvl4pPr marL="1371600" indent="0">
+              <a:buFontTx/>
+              <a:buNone/>
+              <a:defRPr/>
+            </a:lvl4pPr>
+            <a:lvl5pPr marL="1828800" indent="0">
+              <a:buFontTx/>
+              <a:buNone/>
+              <a:defRPr/>
+            </a:lvl5pPr>
+          </a:lstStyle>
+          <a:p>
+            <a:pPr lvl="0"/>
+            <a:r>
+              <a:rPr lang="en-US"/>
+              <a:t>Edit Master text styles</a:t>
+            </a:r>
+          </a:p>
+        </p:txBody>
+      </p:sp>
+      <p:sp>
+        <p:nvSpPr>
+          <p:cNvPr id="3" name="Text Placeholder 2"/>
+          <p:cNvSpPr>
+            <a:spLocks noGrp="1"/>
+          </p:cNvSpPr>
+          <p:nvPr>
+            <p:ph type="body" idx="1"/>
+          </p:nvPr>
+        </p:nvSpPr>
+        <p:spPr>
+          <a:xfrm>
+            <a:off x="1141411" y="4343400"/>
+            <a:ext cx="9906000" cy="1447800"/>
+          </a:xfrm>
+        </p:spPr>
+        <p:txBody>
+          <a:bodyPr vert="horz" lIns="91440" tIns="45720" rIns="91440" bIns="45720" rtlCol="0" anchor="ctr">
+            <a:normAutofit/>
+          </a:bodyPr>
+          <a:lstStyle>
+            <a:lvl1pPr>
+              <a:buNone/>
+              <a:defRPr lang="en-US" sz="2000">
+                <a:gradFill flip="none" rotWithShape="1">
+                  <a:gsLst>
+                    <a:gs pos="0">
+                      <a:schemeClr val="tx1"/>
+                    </a:gs>
+                    <a:gs pos="100000">
+                      <a:schemeClr val="tx1">
+                        <a:lumMod val="75000"/>
+                      </a:schemeClr>
+                    </a:gs>
+                  </a:gsLst>
+                  <a:lin ang="5400000" scaled="0"/>
+                  <a:tileRect/>
+                </a:gradFill>
+              </a:defRPr>
+            </a:lvl1pPr>
+          </a:lstStyle>
+          <a:p>
+            <a:pPr marL="0" lvl="0" indent="0">
+              <a:buNone/>
+            </a:pPr>
+            <a:r>
+              <a:rPr lang="en-US"/>
+              <a:t>Edit Master text styles</a:t>
+            </a:r>
+          </a:p>
+        </p:txBody>
+      </p:sp>
+      <p:sp>
+        <p:nvSpPr>
+          <p:cNvPr id="4" name="Date Placeholder 3"/>
+          <p:cNvSpPr>
+            <a:spLocks noGrp="1"/>
+          </p:cNvSpPr>
+          <p:nvPr>
+            <p:ph type="dt" sz="half" idx="10"/>
+          </p:nvPr>
+        </p:nvSpPr>
+        <p:spPr/>
+        <p:txBody>
+          <a:bodyPr/>
+          <a:lstStyle/>
+          <a:p>
+            <a:fld id="{2FE8AFC3-B289-4F9C-94F2-3AE2379794A7}" type="datetimeFigureOut">
+              <a:rPr lang="en-IE" smtClean="0"/>
+              <a:t>12/11/2021</a:t>
+            </a:fld>
+            <a:endParaRPr lang="en-IE"/>
+          </a:p>
+        </p:txBody>
+      </p:sp>
+      <p:sp>
+        <p:nvSpPr>
+          <p:cNvPr id="5" name="Footer Placeholder 4"/>
+          <p:cNvSpPr>
+            <a:spLocks noGrp="1"/>
+          </p:cNvSpPr>
+          <p:nvPr>
+            <p:ph type="ftr" sz="quarter" idx="11"/>
+          </p:nvPr>
+        </p:nvSpPr>
+        <p:spPr/>
+        <p:txBody>
+          <a:bodyPr/>
+          <a:lstStyle/>
+          <a:p>
+            <a:endParaRPr lang="en-IE"/>
+          </a:p>
+        </p:txBody>
+      </p:sp>
+      <p:sp>
+        <p:nvSpPr>
+          <p:cNvPr id="6" name="Slide Number Placeholder 5"/>
+          <p:cNvSpPr>
+            <a:spLocks noGrp="1"/>
+          </p:cNvSpPr>
+          <p:nvPr>
+            <p:ph type="sldNum" sz="quarter" idx="12"/>
+          </p:nvPr>
+        </p:nvSpPr>
+        <p:spPr/>
+        <p:txBody>
+          <a:bodyPr/>
+          <a:lstStyle/>
+          <a:p>
+            <a:fld id="{E39C145A-1638-408D-ACDA-8340F1659AB8}" type="slidenum">
+              <a:rPr lang="en-IE" smtClean="0"/>
+              <a:t>‹#›</a:t>
+            </a:fld>
+            <a:endParaRPr lang="en-IE"/>
+          </a:p>
+        </p:txBody>
+      </p:sp>
+    </p:spTree>
+    <p:extLst>
+      <p:ext uri="{BB962C8B-B14F-4D97-AF65-F5344CB8AC3E}">
+        <p14:creationId xmlns:p14="http://schemas.microsoft.com/office/powerpoint/2010/main" val="423700437"/>
+      </p:ext>
+    </p:extLst>
+  </p:cSld>
+  <p:clrMapOvr>
+    <a:masterClrMapping/>
+  </p:clrMapOvr>
+</p:sldLayout>
+</file>
+
+<file path=ppt/slideLayouts/slideLayout13.xml><?xml version="1.0" encoding="utf-8"?>
+<p:sldLayout xmlns:a="http://schemas.openxmlformats.org/drawingml/2006/main" xmlns:r="http://schemas.openxmlformats.org/officeDocument/2006/relationships" xmlns:p="http://schemas.openxmlformats.org/presentationml/2006/main" preserve="1">
+  <p:cSld name="Name Card">
+    <p:spTree>
+      <p:nvGrpSpPr>
+        <p:cNvPr id="1" name=""/>
+        <p:cNvGrpSpPr/>
+        <p:nvPr/>
+      </p:nvGrpSpPr>
+      <p:grpSpPr>
+        <a:xfrm>
+          <a:off x="0" y="0"/>
+          <a:ext cx="0" cy="0"/>
+          <a:chOff x="0" y="0"/>
+          <a:chExt cx="0" cy="0"/>
+        </a:xfrm>
+      </p:grpSpPr>
+      <p:sp>
+        <p:nvSpPr>
+          <p:cNvPr id="2" name="Title 1"/>
+          <p:cNvSpPr>
+            <a:spLocks noGrp="1"/>
+          </p:cNvSpPr>
+          <p:nvPr>
+            <p:ph type="title"/>
+          </p:nvPr>
+        </p:nvSpPr>
+        <p:spPr>
+          <a:xfrm>
+            <a:off x="1141412" y="3308581"/>
+            <a:ext cx="9906000" cy="1468800"/>
+          </a:xfrm>
+        </p:spPr>
+        <p:txBody>
+          <a:bodyPr anchor="b">
+            <a:normAutofit/>
+          </a:bodyPr>
+          <a:lstStyle>
+            <a:lvl1pPr algn="l">
+              <a:defRPr sz="3200" b="0" cap="all"/>
+            </a:lvl1pPr>
+          </a:lstStyle>
+          <a:p>
+            <a:r>
+              <a:rPr lang="en-US"/>
+              <a:t>Click to edit Master title style</a:t>
+            </a:r>
+            <a:endParaRPr lang="en-US" dirty="0"/>
+          </a:p>
+        </p:txBody>
+      </p:sp>
+      <p:sp>
+        <p:nvSpPr>
+          <p:cNvPr id="3" name="Text Placeholder 2"/>
+          <p:cNvSpPr>
+            <a:spLocks noGrp="1"/>
+          </p:cNvSpPr>
+          <p:nvPr>
+            <p:ph type="body" idx="1"/>
+          </p:nvPr>
+        </p:nvSpPr>
+        <p:spPr>
+          <a:xfrm>
+            <a:off x="1141410" y="4777381"/>
+            <a:ext cx="9906001" cy="860400"/>
+          </a:xfrm>
+        </p:spPr>
+        <p:txBody>
+          <a:bodyPr vert="horz" lIns="91440" tIns="45720" rIns="91440" bIns="45720" rtlCol="0" anchor="t">
+            <a:normAutofit/>
+          </a:bodyPr>
+          <a:lstStyle>
+            <a:lvl1pPr>
+              <a:defRPr lang="en-US" sz="2000">
+                <a:gradFill flip="none" rotWithShape="1">
+                  <a:gsLst>
+                    <a:gs pos="0">
+                      <a:schemeClr val="tx1"/>
+                    </a:gs>
+                    <a:gs pos="100000">
+                      <a:schemeClr val="tx1">
+                        <a:lumMod val="75000"/>
+                      </a:schemeClr>
+                    </a:gs>
+                  </a:gsLst>
+                  <a:lin ang="5400000" scaled="0"/>
+                  <a:tileRect/>
+                </a:gradFill>
+              </a:defRPr>
+            </a:lvl1pPr>
+          </a:lstStyle>
+          <a:p>
+            <a:pPr marL="0" lvl="0" indent="0">
+              <a:buNone/>
+            </a:pPr>
+            <a:r>
+              <a:rPr lang="en-US"/>
+              <a:t>Edit Master text styles</a:t>
+            </a:r>
+          </a:p>
+        </p:txBody>
+      </p:sp>
+      <p:sp>
+        <p:nvSpPr>
+          <p:cNvPr id="4" name="Date Placeholder 3"/>
+          <p:cNvSpPr>
+            <a:spLocks noGrp="1"/>
+          </p:cNvSpPr>
+          <p:nvPr>
+            <p:ph type="dt" sz="half" idx="10"/>
+          </p:nvPr>
+        </p:nvSpPr>
+        <p:spPr/>
+        <p:txBody>
+          <a:bodyPr/>
+          <a:lstStyle/>
+          <a:p>
+            <a:fld id="{2FE8AFC3-B289-4F9C-94F2-3AE2379794A7}" type="datetimeFigureOut">
+              <a:rPr lang="en-IE" smtClean="0"/>
+              <a:t>12/11/2021</a:t>
+            </a:fld>
+            <a:endParaRPr lang="en-IE"/>
+          </a:p>
+        </p:txBody>
+      </p:sp>
+      <p:sp>
+        <p:nvSpPr>
+          <p:cNvPr id="5" name="Footer Placeholder 4"/>
+          <p:cNvSpPr>
+            <a:spLocks noGrp="1"/>
+          </p:cNvSpPr>
+          <p:nvPr>
+            <p:ph type="ftr" sz="quarter" idx="11"/>
+          </p:nvPr>
+        </p:nvSpPr>
+        <p:spPr/>
+        <p:txBody>
+          <a:bodyPr/>
+          <a:lstStyle/>
+          <a:p>
+            <a:endParaRPr lang="en-IE"/>
+          </a:p>
+        </p:txBody>
+      </p:sp>
+      <p:sp>
+        <p:nvSpPr>
+          <p:cNvPr id="6" name="Slide Number Placeholder 5"/>
+          <p:cNvSpPr>
+            <a:spLocks noGrp="1"/>
+          </p:cNvSpPr>
+          <p:nvPr>
+            <p:ph type="sldNum" sz="quarter" idx="12"/>
+          </p:nvPr>
+        </p:nvSpPr>
+        <p:spPr/>
+        <p:txBody>
+          <a:bodyPr/>
+          <a:lstStyle/>
+          <a:p>
+            <a:fld id="{E39C145A-1638-408D-ACDA-8340F1659AB8}" type="slidenum">
+              <a:rPr lang="en-IE" smtClean="0"/>
+              <a:t>‹#›</a:t>
+            </a:fld>
+            <a:endParaRPr lang="en-IE"/>
+          </a:p>
+        </p:txBody>
+      </p:sp>
+    </p:spTree>
+    <p:extLst>
+      <p:ext uri="{BB962C8B-B14F-4D97-AF65-F5344CB8AC3E}">
+        <p14:creationId xmlns:p14="http://schemas.microsoft.com/office/powerpoint/2010/main" val="153660235"/>
+      </p:ext>
+    </p:extLst>
+  </p:cSld>
+  <p:clrMapOvr>
+    <a:masterClrMapping/>
+  </p:clrMapOvr>
+</p:sldLayout>
+</file>
+
+<file path=ppt/slideLayouts/slideLayout14.xml><?xml version="1.0" encoding="utf-8"?>
+<p:sldLayout xmlns:a="http://schemas.openxmlformats.org/drawingml/2006/main" xmlns:r="http://schemas.openxmlformats.org/officeDocument/2006/relationships" xmlns:p="http://schemas.openxmlformats.org/presentationml/2006/main" preserve="1">
+  <p:cSld name="Quote Name Card">
+    <p:spTree>
+      <p:nvGrpSpPr>
+        <p:cNvPr id="1" name=""/>
+        <p:cNvGrpSpPr/>
+        <p:nvPr/>
+      </p:nvGrpSpPr>
+      <p:grpSpPr>
+        <a:xfrm>
+          <a:off x="0" y="0"/>
+          <a:ext cx="0" cy="0"/>
+          <a:chOff x="0" y="0"/>
+          <a:chExt cx="0" cy="0"/>
+        </a:xfrm>
+      </p:grpSpPr>
+      <p:sp>
+        <p:nvSpPr>
+          <p:cNvPr id="14" name="TextBox 13"/>
+          <p:cNvSpPr txBox="1"/>
+          <p:nvPr/>
+        </p:nvSpPr>
+        <p:spPr>
+          <a:xfrm>
+            <a:off x="836612" y="786824"/>
+            <a:ext cx="609600" cy="584776"/>
+          </a:xfrm>
+          <a:prstGeom prst="rect">
+            <a:avLst/>
+          </a:prstGeom>
+        </p:spPr>
+        <p:txBody>
+          <a:bodyPr vert="horz" lIns="91440" tIns="45720" rIns="91440" bIns="45720" rtlCol="0" anchor="ctr">
+            <a:noAutofit/>
+          </a:bodyPr>
+          <a:lstStyle>
+            <a:lvl1pPr>
+              <a:spcBef>
+                <a:spcPct val="0"/>
+              </a:spcBef>
+              <a:buNone/>
+              <a:defRPr sz="3200" b="0" cap="all">
+                <a:ln w="3175" cmpd="sng">
+                  <a:noFill/>
+                </a:ln>
+                <a:effectLst>
+                  <a:glow rad="38100">
+                    <a:schemeClr val="bg1">
+                      <a:lumMod val="65000"/>
+                      <a:lumOff val="35000"/>
+                      <a:alpha val="40000"/>
+                    </a:schemeClr>
+                  </a:glow>
+                  <a:outerShdw blurRad="28575" dist="38100" dir="14040000" algn="tl" rotWithShape="0">
+                    <a:srgbClr val="000000">
+                      <a:alpha val="25000"/>
+                    </a:srgbClr>
+                  </a:outerShdw>
+                </a:effectLst>
+              </a:defRPr>
+            </a:lvl1pPr>
+            <a:lvl2pPr>
+              <a:defRPr>
+                <a:solidFill>
+                  <a:schemeClr val="tx2"/>
+                </a:solidFill>
+              </a:defRPr>
+            </a:lvl2pPr>
+            <a:lvl3pPr>
+              <a:defRPr>
+                <a:solidFill>
+                  <a:schemeClr val="tx2"/>
+                </a:solidFill>
+              </a:defRPr>
+            </a:lvl3pPr>
+            <a:lvl4pPr>
+              <a:defRPr>
+                <a:solidFill>
+                  <a:schemeClr val="tx2"/>
+                </a:solidFill>
+              </a:defRPr>
+            </a:lvl4pPr>
+            <a:lvl5pPr>
+              <a:defRPr>
+                <a:solidFill>
+                  <a:schemeClr val="tx2"/>
+                </a:solidFill>
+              </a:defRPr>
+            </a:lvl5pPr>
+            <a:lvl6pPr>
+              <a:defRPr>
+                <a:solidFill>
+                  <a:schemeClr val="tx2"/>
+                </a:solidFill>
+              </a:defRPr>
+            </a:lvl6pPr>
+            <a:lvl7pPr>
+              <a:defRPr>
+                <a:solidFill>
+                  <a:schemeClr val="tx2"/>
+                </a:solidFill>
+              </a:defRPr>
+            </a:lvl7pPr>
+            <a:lvl8pPr>
+              <a:defRPr>
+                <a:solidFill>
+                  <a:schemeClr val="tx2"/>
+                </a:solidFill>
+              </a:defRPr>
+            </a:lvl8pPr>
+            <a:lvl9pPr>
+              <a:defRPr>
+                <a:solidFill>
+                  <a:schemeClr val="tx2"/>
+                </a:solidFill>
+              </a:defRPr>
+            </a:lvl9pPr>
+          </a:lstStyle>
+          <a:p>
+            <a:pPr lvl="0"/>
+            <a:r>
+              <a:rPr lang="en-US" sz="8000" dirty="0">
+                <a:solidFill>
+                  <a:schemeClr val="accent1"/>
+                </a:solidFill>
+              </a:rPr>
+              <a:t>“</a:t>
+            </a:r>
+          </a:p>
+        </p:txBody>
+      </p:sp>
+      <p:sp>
+        <p:nvSpPr>
+          <p:cNvPr id="15" name="TextBox 14"/>
+          <p:cNvSpPr txBox="1"/>
+          <p:nvPr/>
+        </p:nvSpPr>
+        <p:spPr>
+          <a:xfrm>
+            <a:off x="10437812" y="2743200"/>
+            <a:ext cx="609600" cy="584776"/>
+          </a:xfrm>
+          <a:prstGeom prst="rect">
+            <a:avLst/>
+          </a:prstGeom>
+        </p:spPr>
+        <p:txBody>
+          <a:bodyPr vert="horz" lIns="91440" tIns="45720" rIns="91440" bIns="45720" rtlCol="0" anchor="ctr">
+            <a:noAutofit/>
+          </a:bodyPr>
+          <a:lstStyle>
+            <a:lvl1pPr>
+              <a:spcBef>
+                <a:spcPct val="0"/>
+              </a:spcBef>
+              <a:buNone/>
+              <a:defRPr sz="3200" b="0" cap="all">
+                <a:ln w="3175" cmpd="sng">
+                  <a:noFill/>
+                </a:ln>
+                <a:effectLst>
+                  <a:glow rad="38100">
+                    <a:schemeClr val="bg1">
+                      <a:lumMod val="65000"/>
+                      <a:lumOff val="35000"/>
+                      <a:alpha val="40000"/>
+                    </a:schemeClr>
+                  </a:glow>
+                  <a:outerShdw blurRad="28575" dist="38100" dir="14040000" algn="tl" rotWithShape="0">
+                    <a:srgbClr val="000000">
+                      <a:alpha val="25000"/>
+                    </a:srgbClr>
+                  </a:outerShdw>
+                </a:effectLst>
+              </a:defRPr>
+            </a:lvl1pPr>
+            <a:lvl2pPr>
+              <a:defRPr>
+                <a:solidFill>
+                  <a:schemeClr val="tx2"/>
+                </a:solidFill>
+              </a:defRPr>
+            </a:lvl2pPr>
+            <a:lvl3pPr>
+              <a:defRPr>
+                <a:solidFill>
+                  <a:schemeClr val="tx2"/>
+                </a:solidFill>
+              </a:defRPr>
+            </a:lvl3pPr>
+            <a:lvl4pPr>
+              <a:defRPr>
+                <a:solidFill>
+                  <a:schemeClr val="tx2"/>
+                </a:solidFill>
+              </a:defRPr>
+            </a:lvl4pPr>
+            <a:lvl5pPr>
+              <a:defRPr>
+                <a:solidFill>
+                  <a:schemeClr val="tx2"/>
+                </a:solidFill>
+              </a:defRPr>
+            </a:lvl5pPr>
+            <a:lvl6pPr>
+              <a:defRPr>
+                <a:solidFill>
+                  <a:schemeClr val="tx2"/>
+                </a:solidFill>
+              </a:defRPr>
+            </a:lvl6pPr>
+            <a:lvl7pPr>
+              <a:defRPr>
+                <a:solidFill>
+                  <a:schemeClr val="tx2"/>
+                </a:solidFill>
+              </a:defRPr>
+            </a:lvl7pPr>
+            <a:lvl8pPr>
+              <a:defRPr>
+                <a:solidFill>
+                  <a:schemeClr val="tx2"/>
+                </a:solidFill>
+              </a:defRPr>
+            </a:lvl8pPr>
+            <a:lvl9pPr>
+              <a:defRPr>
+                <a:solidFill>
+                  <a:schemeClr val="tx2"/>
+                </a:solidFill>
+              </a:defRPr>
+            </a:lvl9pPr>
+          </a:lstStyle>
+          <a:p>
+            <a:pPr lvl="0" algn="r"/>
+            <a:r>
+              <a:rPr lang="en-US" sz="8000" dirty="0">
+                <a:solidFill>
+                  <a:schemeClr val="accent1"/>
+                </a:solidFill>
+              </a:rPr>
+              <a:t>”</a:t>
+            </a:r>
+          </a:p>
+        </p:txBody>
+      </p:sp>
+      <p:sp>
+        <p:nvSpPr>
+          <p:cNvPr id="2" name="Title 1"/>
+          <p:cNvSpPr>
+            <a:spLocks noGrp="1"/>
+          </p:cNvSpPr>
+          <p:nvPr>
+            <p:ph type="title"/>
+          </p:nvPr>
+        </p:nvSpPr>
+        <p:spPr>
+          <a:xfrm>
+            <a:off x="1446213" y="609601"/>
+            <a:ext cx="9296398" cy="2743199"/>
+          </a:xfrm>
+        </p:spPr>
+        <p:txBody>
+          <a:bodyPr anchor="ctr">
+            <a:normAutofit/>
+          </a:bodyPr>
+          <a:lstStyle>
+            <a:lvl1pPr algn="l">
+              <a:defRPr sz="3200" b="0" cap="all">
+                <a:gradFill flip="none" rotWithShape="1">
+                  <a:gsLst>
+                    <a:gs pos="0">
+                      <a:schemeClr val="tx1"/>
+                    </a:gs>
+                    <a:gs pos="100000">
+                      <a:schemeClr val="tx1">
+                        <a:lumMod val="75000"/>
+                      </a:schemeClr>
+                    </a:gs>
+                  </a:gsLst>
+                  <a:lin ang="5400000" scaled="0"/>
+                  <a:tileRect/>
+                </a:gradFill>
+              </a:defRPr>
+            </a:lvl1pPr>
+          </a:lstStyle>
+          <a:p>
+            <a:r>
+              <a:rPr lang="en-US"/>
+              <a:t>Click to edit Master title style</a:t>
+            </a:r>
+            <a:endParaRPr lang="en-US" dirty="0"/>
+          </a:p>
+        </p:txBody>
+      </p:sp>
+      <p:sp>
+        <p:nvSpPr>
+          <p:cNvPr id="10" name="Text Placeholder 9"/>
+          <p:cNvSpPr>
+            <a:spLocks noGrp="1"/>
+          </p:cNvSpPr>
+          <p:nvPr>
+            <p:ph type="body" sz="quarter" idx="13"/>
+          </p:nvPr>
+        </p:nvSpPr>
+        <p:spPr>
+          <a:xfrm>
+            <a:off x="1141412" y="3886200"/>
+            <a:ext cx="9906000" cy="889000"/>
+          </a:xfrm>
+        </p:spPr>
+        <p:txBody>
+          <a:bodyPr vert="horz" lIns="91440" tIns="45720" rIns="91440" bIns="45720" rtlCol="0" anchor="b">
+            <a:normAutofit/>
+          </a:bodyPr>
+          <a:lstStyle>
+            <a:lvl1pPr>
+              <a:buNone/>
+              <a:defRPr lang="en-US" sz="2400" b="0" cap="all" dirty="0">
+                <a:ln w="3175" cmpd="sng">
+                  <a:noFill/>
+                </a:ln>
+                <a:gradFill flip="none" rotWithShape="1">
+                  <a:gsLst>
+                    <a:gs pos="0">
+                      <a:schemeClr val="tx1"/>
+                    </a:gs>
+                    <a:gs pos="100000">
+                      <a:schemeClr val="tx1">
+                        <a:lumMod val="75000"/>
+                      </a:schemeClr>
+                    </a:gs>
+                  </a:gsLst>
+                  <a:lin ang="5400000" scaled="0"/>
+                  <a:tileRect/>
+                </a:gradFill>
+                <a:effectLst>
+                  <a:glow rad="38100">
+                    <a:schemeClr val="bg1">
+                      <a:lumMod val="65000"/>
+                      <a:lumOff val="35000"/>
+                      <a:alpha val="40000"/>
+                    </a:schemeClr>
+                  </a:glow>
+                  <a:outerShdw blurRad="28575" dist="38100" dir="14040000" algn="tl" rotWithShape="0">
+                    <a:srgbClr val="000000">
+                      <a:alpha val="25000"/>
+                    </a:srgbClr>
+                  </a:outerShdw>
+                </a:effectLst>
+              </a:defRPr>
+            </a:lvl1pPr>
+          </a:lstStyle>
+          <a:p>
+            <a:pPr marL="0" lvl="0">
+              <a:spcBef>
+                <a:spcPct val="0"/>
+              </a:spcBef>
+              <a:buNone/>
+            </a:pPr>
+            <a:r>
+              <a:rPr lang="en-US"/>
+              <a:t>Edit Master text styles</a:t>
+            </a:r>
+          </a:p>
+        </p:txBody>
+      </p:sp>
+      <p:sp>
+        <p:nvSpPr>
+          <p:cNvPr id="3" name="Text Placeholder 2"/>
+          <p:cNvSpPr>
+            <a:spLocks noGrp="1"/>
+          </p:cNvSpPr>
+          <p:nvPr>
+            <p:ph type="body" idx="1"/>
+          </p:nvPr>
+        </p:nvSpPr>
+        <p:spPr>
+          <a:xfrm>
+            <a:off x="1141411" y="4775200"/>
+            <a:ext cx="9906000" cy="1016000"/>
+          </a:xfrm>
+        </p:spPr>
+        <p:txBody>
+          <a:bodyPr anchor="t">
+            <a:normAutofit/>
+          </a:bodyPr>
+          <a:lstStyle>
+            <a:lvl1pPr marL="0" indent="0" algn="l">
+              <a:buNone/>
+              <a:defRPr sz="1800">
+                <a:gradFill flip="none" rotWithShape="1">
+                  <a:gsLst>
+                    <a:gs pos="0">
+                      <a:schemeClr val="tx1"/>
+                    </a:gs>
+                    <a:gs pos="100000">
+                      <a:schemeClr val="tx1">
+                        <a:lumMod val="75000"/>
+                      </a:schemeClr>
+                    </a:gs>
+                  </a:gsLst>
+                  <a:lin ang="5400000" scaled="0"/>
+                  <a:tileRect/>
+                </a:gradFill>
+              </a:defRPr>
+            </a:lvl1pPr>
+            <a:lvl2pPr marL="457200" indent="0">
+              <a:buNone/>
+              <a:defRPr sz="1800">
+                <a:solidFill>
+                  <a:schemeClr val="tx1">
+                    <a:tint val="75000"/>
+                  </a:schemeClr>
+                </a:solidFill>
+              </a:defRPr>
+            </a:lvl2pPr>
+            <a:lvl3pPr marL="914400" indent="0">
+              <a:buNone/>
+              <a:defRPr sz="1600">
+                <a:solidFill>
+                  <a:schemeClr val="tx1">
+                    <a:tint val="75000"/>
+                  </a:schemeClr>
+                </a:solidFill>
+              </a:defRPr>
+            </a:lvl3pPr>
+            <a:lvl4pPr marL="1371600" indent="0">
+              <a:buNone/>
+              <a:defRPr sz="1400">
+                <a:solidFill>
+                  <a:schemeClr val="tx1">
+                    <a:tint val="75000"/>
+                  </a:schemeClr>
+                </a:solidFill>
+              </a:defRPr>
+            </a:lvl4pPr>
+            <a:lvl5pPr marL="1828800" indent="0">
+              <a:buNone/>
+              <a:defRPr sz="1400">
+                <a:solidFill>
+                  <a:schemeClr val="tx1">
+                    <a:tint val="75000"/>
+                  </a:schemeClr>
+                </a:solidFill>
+              </a:defRPr>
+            </a:lvl5pPr>
+            <a:lvl6pPr marL="2286000" indent="0">
+              <a:buNone/>
+              <a:defRPr sz="1400">
+                <a:solidFill>
+                  <a:schemeClr val="tx1">
+                    <a:tint val="75000"/>
+                  </a:schemeClr>
+                </a:solidFill>
+              </a:defRPr>
+            </a:lvl6pPr>
+            <a:lvl7pPr marL="2743200" indent="0">
+              <a:buNone/>
+              <a:defRPr sz="1400">
+                <a:solidFill>
+                  <a:schemeClr val="tx1">
+                    <a:tint val="75000"/>
+                  </a:schemeClr>
+                </a:solidFill>
+              </a:defRPr>
+            </a:lvl7pPr>
+            <a:lvl8pPr marL="3200400" indent="0">
+              <a:buNone/>
+              <a:defRPr sz="1400">
+                <a:solidFill>
+                  <a:schemeClr val="tx1">
+                    <a:tint val="75000"/>
+                  </a:schemeClr>
+                </a:solidFill>
+              </a:defRPr>
+            </a:lvl8pPr>
+            <a:lvl9pPr marL="3657600" indent="0">
+              <a:buNone/>
+              <a:defRPr sz="1400">
+                <a:solidFill>
+                  <a:schemeClr val="tx1">
+                    <a:tint val="75000"/>
+                  </a:schemeClr>
+                </a:solidFill>
+              </a:defRPr>
+            </a:lvl9pPr>
+          </a:lstStyle>
+          <a:p>
+            <a:pPr lvl="0"/>
+            <a:r>
+              <a:rPr lang="en-US"/>
+              <a:t>Edit Master text styles</a:t>
+            </a:r>
+          </a:p>
+        </p:txBody>
+      </p:sp>
+      <p:sp>
+        <p:nvSpPr>
+          <p:cNvPr id="4" name="Date Placeholder 3"/>
+          <p:cNvSpPr>
+            <a:spLocks noGrp="1"/>
+          </p:cNvSpPr>
+          <p:nvPr>
+            <p:ph type="dt" sz="half" idx="10"/>
+          </p:nvPr>
+        </p:nvSpPr>
+        <p:spPr/>
+        <p:txBody>
+          <a:bodyPr/>
+          <a:lstStyle/>
+          <a:p>
+            <a:fld id="{2FE8AFC3-B289-4F9C-94F2-3AE2379794A7}" type="datetimeFigureOut">
+              <a:rPr lang="en-IE" smtClean="0"/>
+              <a:t>12/11/2021</a:t>
+            </a:fld>
+            <a:endParaRPr lang="en-IE"/>
+          </a:p>
+        </p:txBody>
+      </p:sp>
+      <p:sp>
+        <p:nvSpPr>
+          <p:cNvPr id="5" name="Footer Placeholder 4"/>
+          <p:cNvSpPr>
+            <a:spLocks noGrp="1"/>
+          </p:cNvSpPr>
+          <p:nvPr>
+            <p:ph type="ftr" sz="quarter" idx="11"/>
+          </p:nvPr>
+        </p:nvSpPr>
+        <p:spPr/>
+        <p:txBody>
+          <a:bodyPr/>
+          <a:lstStyle/>
+          <a:p>
+            <a:endParaRPr lang="en-IE"/>
+          </a:p>
+        </p:txBody>
+      </p:sp>
+      <p:sp>
+        <p:nvSpPr>
+          <p:cNvPr id="6" name="Slide Number Placeholder 5"/>
+          <p:cNvSpPr>
+            <a:spLocks noGrp="1"/>
+          </p:cNvSpPr>
+          <p:nvPr>
+            <p:ph type="sldNum" sz="quarter" idx="12"/>
+          </p:nvPr>
+        </p:nvSpPr>
+        <p:spPr/>
+        <p:txBody>
+          <a:bodyPr/>
+          <a:lstStyle/>
+          <a:p>
+            <a:fld id="{E39C145A-1638-408D-ACDA-8340F1659AB8}" type="slidenum">
+              <a:rPr lang="en-IE" smtClean="0"/>
+              <a:t>‹#›</a:t>
+            </a:fld>
+            <a:endParaRPr lang="en-IE"/>
+          </a:p>
+        </p:txBody>
+      </p:sp>
+    </p:spTree>
+    <p:extLst>
+      <p:ext uri="{BB962C8B-B14F-4D97-AF65-F5344CB8AC3E}">
+        <p14:creationId xmlns:p14="http://schemas.microsoft.com/office/powerpoint/2010/main" val="1282429503"/>
+      </p:ext>
+    </p:extLst>
+  </p:cSld>
+  <p:clrMapOvr>
+    <a:masterClrMapping/>
+  </p:clrMapOvr>
+</p:sldLayout>
+</file>
+
+<file path=ppt/slideLayouts/slideLayout15.xml><?xml version="1.0" encoding="utf-8"?>
+<p:sldLayout xmlns:a="http://schemas.openxmlformats.org/drawingml/2006/main" xmlns:r="http://schemas.openxmlformats.org/officeDocument/2006/relationships" xmlns:p="http://schemas.openxmlformats.org/presentationml/2006/main" preserve="1">
+  <p:cSld name="True or False">
+    <p:spTree>
+      <p:nvGrpSpPr>
+        <p:cNvPr id="1" name=""/>
+        <p:cNvGrpSpPr/>
+        <p:nvPr/>
+      </p:nvGrpSpPr>
+      <p:grpSpPr>
+        <a:xfrm>
+          <a:off x="0" y="0"/>
+          <a:ext cx="0" cy="0"/>
+          <a:chOff x="0" y="0"/>
+          <a:chExt cx="0" cy="0"/>
+        </a:xfrm>
+      </p:grpSpPr>
+      <p:sp>
+        <p:nvSpPr>
+          <p:cNvPr id="2" name="Title 1"/>
+          <p:cNvSpPr>
+            <a:spLocks noGrp="1"/>
+          </p:cNvSpPr>
+          <p:nvPr>
+            <p:ph type="title"/>
+          </p:nvPr>
+        </p:nvSpPr>
+        <p:spPr>
+          <a:xfrm>
+            <a:off x="1141412" y="609601"/>
+            <a:ext cx="9905999" cy="2743199"/>
+          </a:xfrm>
+        </p:spPr>
+        <p:txBody>
+          <a:bodyPr vert="horz" lIns="91440" tIns="45720" rIns="91440" bIns="45720" rtlCol="0" anchor="ctr">
+            <a:normAutofit/>
+          </a:bodyPr>
+          <a:lstStyle>
+            <a:lvl1pPr>
+              <a:defRPr lang="en-US" b="0" dirty="0"/>
+            </a:lvl1pPr>
+          </a:lstStyle>
+          <a:p>
+            <a:pPr marL="0" lvl="0"/>
+            <a:r>
+              <a:rPr lang="en-US"/>
+              <a:t>Click to edit Master title style</a:t>
+            </a:r>
+            <a:endParaRPr lang="en-US" dirty="0"/>
+          </a:p>
+        </p:txBody>
+      </p:sp>
+      <p:sp>
+        <p:nvSpPr>
+          <p:cNvPr id="10" name="Text Placeholder 9"/>
+          <p:cNvSpPr>
+            <a:spLocks noGrp="1"/>
+          </p:cNvSpPr>
+          <p:nvPr>
+            <p:ph type="body" sz="quarter" idx="13"/>
+          </p:nvPr>
+        </p:nvSpPr>
+        <p:spPr>
+          <a:xfrm>
+            <a:off x="1141412" y="3505200"/>
+            <a:ext cx="9906000" cy="838200"/>
+          </a:xfrm>
+        </p:spPr>
+        <p:txBody>
+          <a:bodyPr vert="horz" lIns="91440" tIns="45720" rIns="91440" bIns="45720" rtlCol="0" anchor="b">
+            <a:normAutofit/>
+          </a:bodyPr>
+          <a:lstStyle>
+            <a:lvl1pPr>
+              <a:buNone/>
+              <a:defRPr lang="en-US" sz="2800" b="0" cap="all" dirty="0">
+                <a:ln w="3175" cmpd="sng">
+                  <a:noFill/>
+                </a:ln>
+                <a:gradFill flip="none" rotWithShape="1">
+                  <a:gsLst>
+                    <a:gs pos="0">
+                      <a:schemeClr val="tx1"/>
+                    </a:gs>
+                    <a:gs pos="100000">
+                      <a:schemeClr val="tx1">
+                        <a:lumMod val="75000"/>
+                      </a:schemeClr>
+                    </a:gs>
+                  </a:gsLst>
+                  <a:lin ang="5400000" scaled="0"/>
+                  <a:tileRect/>
+                </a:gradFill>
+                <a:effectLst>
+                  <a:glow rad="38100">
+                    <a:schemeClr val="bg1">
+                      <a:lumMod val="65000"/>
+                      <a:lumOff val="35000"/>
+                      <a:alpha val="40000"/>
+                    </a:schemeClr>
+                  </a:glow>
+                  <a:outerShdw blurRad="28575" dist="38100" dir="14040000" algn="tl" rotWithShape="0">
+                    <a:srgbClr val="000000">
+                      <a:alpha val="25000"/>
+                    </a:srgbClr>
+                  </a:outerShdw>
+                </a:effectLst>
+              </a:defRPr>
+            </a:lvl1pPr>
+          </a:lstStyle>
+          <a:p>
+            <a:pPr marL="0" lvl="0">
+              <a:spcBef>
+                <a:spcPct val="0"/>
+              </a:spcBef>
+              <a:buNone/>
+            </a:pPr>
+            <a:r>
+              <a:rPr lang="en-US"/>
+              <a:t>Edit Master text styles</a:t>
+            </a:r>
+          </a:p>
+        </p:txBody>
+      </p:sp>
+      <p:sp>
+        <p:nvSpPr>
+          <p:cNvPr id="3" name="Text Placeholder 2"/>
+          <p:cNvSpPr>
+            <a:spLocks noGrp="1"/>
+          </p:cNvSpPr>
+          <p:nvPr>
+            <p:ph type="body" idx="1"/>
+          </p:nvPr>
+        </p:nvSpPr>
+        <p:spPr>
+          <a:xfrm>
+            <a:off x="1141411" y="4343400"/>
+            <a:ext cx="9906000" cy="1447800"/>
+          </a:xfrm>
+        </p:spPr>
+        <p:txBody>
+          <a:bodyPr anchor="t">
+            <a:normAutofit/>
+          </a:bodyPr>
+          <a:lstStyle>
+            <a:lvl1pPr marL="0" indent="0" algn="l">
+              <a:buNone/>
+              <a:defRPr sz="1800">
+                <a:gradFill flip="none" rotWithShape="1">
+                  <a:gsLst>
+                    <a:gs pos="0">
+                      <a:schemeClr val="tx1"/>
+                    </a:gs>
+                    <a:gs pos="100000">
+                      <a:schemeClr val="tx1">
+                        <a:lumMod val="75000"/>
+                      </a:schemeClr>
+                    </a:gs>
+                  </a:gsLst>
+                  <a:lin ang="5400000" scaled="0"/>
+                  <a:tileRect/>
+                </a:gradFill>
+              </a:defRPr>
+            </a:lvl1pPr>
+            <a:lvl2pPr marL="457200" indent="0">
+              <a:buNone/>
+              <a:defRPr sz="1800">
+                <a:solidFill>
+                  <a:schemeClr val="tx1">
+                    <a:tint val="75000"/>
+                  </a:schemeClr>
+                </a:solidFill>
+              </a:defRPr>
+            </a:lvl2pPr>
+            <a:lvl3pPr marL="914400" indent="0">
+              <a:buNone/>
+              <a:defRPr sz="1600">
+                <a:solidFill>
+                  <a:schemeClr val="tx1">
+                    <a:tint val="75000"/>
+                  </a:schemeClr>
+                </a:solidFill>
+              </a:defRPr>
+            </a:lvl3pPr>
+            <a:lvl4pPr marL="1371600" indent="0">
+              <a:buNone/>
+              <a:defRPr sz="1400">
+                <a:solidFill>
+                  <a:schemeClr val="tx1">
+                    <a:tint val="75000"/>
+                  </a:schemeClr>
+                </a:solidFill>
+              </a:defRPr>
+            </a:lvl4pPr>
+            <a:lvl5pPr marL="1828800" indent="0">
+              <a:buNone/>
+              <a:defRPr sz="1400">
+                <a:solidFill>
+                  <a:schemeClr val="tx1">
+                    <a:tint val="75000"/>
+                  </a:schemeClr>
+                </a:solidFill>
+              </a:defRPr>
+            </a:lvl5pPr>
+            <a:lvl6pPr marL="2286000" indent="0">
+              <a:buNone/>
+              <a:defRPr sz="1400">
+                <a:solidFill>
+                  <a:schemeClr val="tx1">
+                    <a:tint val="75000"/>
+                  </a:schemeClr>
+                </a:solidFill>
+              </a:defRPr>
+            </a:lvl6pPr>
+            <a:lvl7pPr marL="2743200" indent="0">
+              <a:buNone/>
+              <a:defRPr sz="1400">
+                <a:solidFill>
+                  <a:schemeClr val="tx1">
+                    <a:tint val="75000"/>
+                  </a:schemeClr>
+                </a:solidFill>
+              </a:defRPr>
+            </a:lvl7pPr>
+            <a:lvl8pPr marL="3200400" indent="0">
+              <a:buNone/>
+              <a:defRPr sz="1400">
+                <a:solidFill>
+                  <a:schemeClr val="tx1">
+                    <a:tint val="75000"/>
+                  </a:schemeClr>
+                </a:solidFill>
+              </a:defRPr>
+            </a:lvl8pPr>
+            <a:lvl9pPr marL="3657600" indent="0">
+              <a:buNone/>
+              <a:defRPr sz="1400">
+                <a:solidFill>
+                  <a:schemeClr val="tx1">
+                    <a:tint val="75000"/>
+                  </a:schemeClr>
+                </a:solidFill>
+              </a:defRPr>
+            </a:lvl9pPr>
+          </a:lstStyle>
+          <a:p>
+            <a:pPr lvl="0"/>
+            <a:r>
+              <a:rPr lang="en-US"/>
+              <a:t>Edit Master text styles</a:t>
+            </a:r>
+          </a:p>
+        </p:txBody>
+      </p:sp>
+      <p:sp>
+        <p:nvSpPr>
+          <p:cNvPr id="4" name="Date Placeholder 3"/>
+          <p:cNvSpPr>
+            <a:spLocks noGrp="1"/>
+          </p:cNvSpPr>
+          <p:nvPr>
+            <p:ph type="dt" sz="half" idx="10"/>
+          </p:nvPr>
+        </p:nvSpPr>
+        <p:spPr/>
+        <p:txBody>
+          <a:bodyPr/>
+          <a:lstStyle/>
+          <a:p>
+            <a:fld id="{2FE8AFC3-B289-4F9C-94F2-3AE2379794A7}" type="datetimeFigureOut">
+              <a:rPr lang="en-IE" smtClean="0"/>
+              <a:t>12/11/2021</a:t>
+            </a:fld>
+            <a:endParaRPr lang="en-IE"/>
+          </a:p>
+        </p:txBody>
+      </p:sp>
+      <p:sp>
+        <p:nvSpPr>
+          <p:cNvPr id="5" name="Footer Placeholder 4"/>
+          <p:cNvSpPr>
+            <a:spLocks noGrp="1"/>
+          </p:cNvSpPr>
+          <p:nvPr>
+            <p:ph type="ftr" sz="quarter" idx="11"/>
+          </p:nvPr>
+        </p:nvSpPr>
+        <p:spPr/>
+        <p:txBody>
+          <a:bodyPr/>
+          <a:lstStyle/>
+          <a:p>
+            <a:endParaRPr lang="en-IE"/>
+          </a:p>
+        </p:txBody>
+      </p:sp>
+      <p:sp>
+        <p:nvSpPr>
+          <p:cNvPr id="6" name="Slide Number Placeholder 5"/>
+          <p:cNvSpPr>
+            <a:spLocks noGrp="1"/>
+          </p:cNvSpPr>
+          <p:nvPr>
+            <p:ph type="sldNum" sz="quarter" idx="12"/>
+          </p:nvPr>
+        </p:nvSpPr>
+        <p:spPr/>
+        <p:txBody>
+          <a:bodyPr/>
+          <a:lstStyle/>
+          <a:p>
+            <a:fld id="{E39C145A-1638-408D-ACDA-8340F1659AB8}" type="slidenum">
+              <a:rPr lang="en-IE" smtClean="0"/>
+              <a:t>‹#›</a:t>
+            </a:fld>
+            <a:endParaRPr lang="en-IE"/>
+          </a:p>
+        </p:txBody>
+      </p:sp>
+    </p:spTree>
+    <p:extLst>
+      <p:ext uri="{BB962C8B-B14F-4D97-AF65-F5344CB8AC3E}">
+        <p14:creationId xmlns:p14="http://schemas.microsoft.com/office/powerpoint/2010/main" val="1719670099"/>
+      </p:ext>
+    </p:extLst>
+  </p:cSld>
+  <p:clrMapOvr>
+    <a:masterClrMapping/>
+  </p:clrMapOvr>
+</p:sldLayout>
+</file>
+
+<file path=ppt/slideLayouts/slideLayout16.xml><?xml version="1.0" encoding="utf-8"?>
 <p:sldLayout xmlns:a="http://schemas.openxmlformats.org/drawingml/2006/main" xmlns:r="http://schemas.openxmlformats.org/officeDocument/2006/relationships" xmlns:p="http://schemas.openxmlformats.org/presentationml/2006/main" type="vertTx" preserve="1">
   <p:cSld name="Title and Vertical Text">
     <p:spTree>
@@ -353,13 +2517,7 @@
       </p:grpSpPr>
       <p:sp>
         <p:nvSpPr>
-          <p:cNvPr id="2" name="Title 1">
-            <a:extLst>
-              <a:ext uri="{FF2B5EF4-FFF2-40B4-BE49-F238E27FC236}">
-                <a16:creationId xmlns:a16="http://schemas.microsoft.com/office/drawing/2014/main" id="{09A3D93F-2C5D-4BC6-862B-8C4677480519}"/>
-              </a:ext>
-            </a:extLst>
-          </p:cNvPr>
+          <p:cNvPr id="7" name="Title 1"/>
           <p:cNvSpPr>
             <a:spLocks noGrp="1"/>
           </p:cNvSpPr>
@@ -367,38 +2525,37 @@
             <p:ph type="title"/>
           </p:nvPr>
         </p:nvSpPr>
+        <p:spPr>
+          <a:xfrm>
+            <a:off x="1141413" y="609600"/>
+            <a:ext cx="9905998" cy="1905000"/>
+          </a:xfrm>
+        </p:spPr>
+        <p:txBody>
+          <a:bodyPr/>
+          <a:lstStyle/>
+          <a:p>
+            <a:r>
+              <a:rPr lang="en-US"/>
+              <a:t>Click to edit Master title style</a:t>
+            </a:r>
+            <a:endParaRPr lang="en-US" dirty="0"/>
+          </a:p>
+        </p:txBody>
+      </p:sp>
+      <p:sp>
+        <p:nvSpPr>
+          <p:cNvPr id="3" name="Vertical Text Placeholder 2"/>
+          <p:cNvSpPr>
+            <a:spLocks noGrp="1"/>
+          </p:cNvSpPr>
+          <p:nvPr>
+            <p:ph type="body" orient="vert" idx="1"/>
+          </p:nvPr>
+        </p:nvSpPr>
         <p:spPr/>
         <p:txBody>
-          <a:bodyPr/>
-          <a:lstStyle/>
-          <a:p>
-            <a:r>
-              <a:rPr lang="en-US"/>
-              <a:t>Click to edit Master title style</a:t>
-            </a:r>
-            <a:endParaRPr lang="en-IE"/>
-          </a:p>
-        </p:txBody>
-      </p:sp>
-      <p:sp>
-        <p:nvSpPr>
-          <p:cNvPr id="3" name="Vertical Text Placeholder 2">
-            <a:extLst>
-              <a:ext uri="{FF2B5EF4-FFF2-40B4-BE49-F238E27FC236}">
-                <a16:creationId xmlns:a16="http://schemas.microsoft.com/office/drawing/2014/main" id="{00519F8F-78FE-49FC-A357-739CF44F1FC0}"/>
-              </a:ext>
-            </a:extLst>
-          </p:cNvPr>
-          <p:cNvSpPr>
-            <a:spLocks noGrp="1"/>
-          </p:cNvSpPr>
-          <p:nvPr>
-            <p:ph type="body" orient="vert" idx="1"/>
-          </p:nvPr>
-        </p:nvSpPr>
-        <p:spPr/>
-        <p:txBody>
-          <a:bodyPr vert="eaVert"/>
+          <a:bodyPr vert="eaVert" anchor="t"/>
           <a:lstStyle/>
           <a:p>
             <a:pPr lvl="0"/>
@@ -434,19 +2591,13 @@
               <a:rPr lang="en-US"/>
               <a:t>Fifth level</a:t>
             </a:r>
-            <a:endParaRPr lang="en-IE"/>
-          </a:p>
-        </p:txBody>
-      </p:sp>
-      <p:sp>
-        <p:nvSpPr>
-          <p:cNvPr id="4" name="Date Placeholder 3">
-            <a:extLst>
-              <a:ext uri="{FF2B5EF4-FFF2-40B4-BE49-F238E27FC236}">
-                <a16:creationId xmlns:a16="http://schemas.microsoft.com/office/drawing/2014/main" id="{1231EDAA-2F72-48B4-ADDA-2115BC25DE4C}"/>
-              </a:ext>
-            </a:extLst>
-          </p:cNvPr>
+            <a:endParaRPr lang="en-US" dirty="0"/>
+          </a:p>
+        </p:txBody>
+      </p:sp>
+      <p:sp>
+        <p:nvSpPr>
+          <p:cNvPr id="4" name="Date Placeholder 3"/>
           <p:cNvSpPr>
             <a:spLocks noGrp="1"/>
           </p:cNvSpPr>
@@ -469,13 +2620,7 @@
       </p:sp>
       <p:sp>
         <p:nvSpPr>
-          <p:cNvPr id="5" name="Footer Placeholder 4">
-            <a:extLst>
-              <a:ext uri="{FF2B5EF4-FFF2-40B4-BE49-F238E27FC236}">
-                <a16:creationId xmlns:a16="http://schemas.microsoft.com/office/drawing/2014/main" id="{E7711C88-27DF-4F95-828B-6538DA12E632}"/>
-              </a:ext>
-            </a:extLst>
-          </p:cNvPr>
+          <p:cNvPr id="5" name="Footer Placeholder 4"/>
           <p:cNvSpPr>
             <a:spLocks noGrp="1"/>
           </p:cNvSpPr>
@@ -494,13 +2639,7 @@
       </p:sp>
       <p:sp>
         <p:nvSpPr>
-          <p:cNvPr id="6" name="Slide Number Placeholder 5">
-            <a:extLst>
-              <a:ext uri="{FF2B5EF4-FFF2-40B4-BE49-F238E27FC236}">
-                <a16:creationId xmlns:a16="http://schemas.microsoft.com/office/drawing/2014/main" id="{48EA3611-BD99-4ACA-A5E7-D8C05ACE7554}"/>
-              </a:ext>
-            </a:extLst>
-          </p:cNvPr>
+          <p:cNvPr id="6" name="Slide Number Placeholder 5"/>
           <p:cNvSpPr>
             <a:spLocks noGrp="1"/>
           </p:cNvSpPr>
@@ -524,7 +2663,7 @@
     </p:spTree>
     <p:extLst>
       <p:ext uri="{BB962C8B-B14F-4D97-AF65-F5344CB8AC3E}">
-        <p14:creationId xmlns:p14="http://schemas.microsoft.com/office/powerpoint/2010/main" val="2881121116"/>
+        <p14:creationId xmlns:p14="http://schemas.microsoft.com/office/powerpoint/2010/main" val="1448711081"/>
       </p:ext>
     </p:extLst>
   </p:cSld>
@@ -534,7 +2673,7 @@
 </p:sldLayout>
 </file>
 
-<file path=ppt/slideLayouts/slideLayout11.xml><?xml version="1.0" encoding="utf-8"?>
+<file path=ppt/slideLayouts/slideLayout17.xml><?xml version="1.0" encoding="utf-8"?>
 <p:sldLayout xmlns:a="http://schemas.openxmlformats.org/drawingml/2006/main" xmlns:r="http://schemas.openxmlformats.org/officeDocument/2006/relationships" xmlns:p="http://schemas.openxmlformats.org/presentationml/2006/main" type="vertTitleAndTx" preserve="1">
   <p:cSld name="Vertical Title and Text">
     <p:spTree>
@@ -553,13 +2692,7 @@
       </p:grpSpPr>
       <p:sp>
         <p:nvSpPr>
-          <p:cNvPr id="2" name="Vertical Title 1">
-            <a:extLst>
-              <a:ext uri="{FF2B5EF4-FFF2-40B4-BE49-F238E27FC236}">
-                <a16:creationId xmlns:a16="http://schemas.microsoft.com/office/drawing/2014/main" id="{F7CB85C4-F82A-4B5A-8872-14A11CB3457C}"/>
-              </a:ext>
-            </a:extLst>
-          </p:cNvPr>
+          <p:cNvPr id="2" name="Vertical Title 1"/>
           <p:cNvSpPr>
             <a:spLocks noGrp="1"/>
           </p:cNvSpPr>
@@ -569,8 +2702,8 @@
         </p:nvSpPr>
         <p:spPr>
           <a:xfrm>
-            <a:off x="8724900" y="365125"/>
-            <a:ext cx="2628900" cy="5811838"/>
+            <a:off x="8836898" y="609599"/>
+            <a:ext cx="2210514" cy="5181601"/>
           </a:xfrm>
         </p:spPr>
         <p:txBody>
@@ -581,19 +2714,13 @@
               <a:rPr lang="en-US"/>
               <a:t>Click to edit Master title style</a:t>
             </a:r>
-            <a:endParaRPr lang="en-IE"/>
-          </a:p>
-        </p:txBody>
-      </p:sp>
-      <p:sp>
-        <p:nvSpPr>
-          <p:cNvPr id="3" name="Vertical Text Placeholder 2">
-            <a:extLst>
-              <a:ext uri="{FF2B5EF4-FFF2-40B4-BE49-F238E27FC236}">
-                <a16:creationId xmlns:a16="http://schemas.microsoft.com/office/drawing/2014/main" id="{1CC15756-A695-4DF6-BEED-68986FE7EF12}"/>
-              </a:ext>
-            </a:extLst>
-          </p:cNvPr>
+            <a:endParaRPr lang="en-US" dirty="0"/>
+          </a:p>
+        </p:txBody>
+      </p:sp>
+      <p:sp>
+        <p:nvSpPr>
+          <p:cNvPr id="3" name="Vertical Text Placeholder 2"/>
           <p:cNvSpPr>
             <a:spLocks noGrp="1"/>
           </p:cNvSpPr>
@@ -603,12 +2730,12 @@
         </p:nvSpPr>
         <p:spPr>
           <a:xfrm>
-            <a:off x="838200" y="365125"/>
-            <a:ext cx="7734300" cy="5811838"/>
+            <a:off x="1141412" y="609600"/>
+            <a:ext cx="7543800" cy="5181600"/>
           </a:xfrm>
         </p:spPr>
         <p:txBody>
-          <a:bodyPr vert="eaVert"/>
+          <a:bodyPr vert="eaVert" anchor="t"/>
           <a:lstStyle/>
           <a:p>
             <a:pPr lvl="0"/>
@@ -644,19 +2771,13 @@
               <a:rPr lang="en-US"/>
               <a:t>Fifth level</a:t>
             </a:r>
-            <a:endParaRPr lang="en-IE"/>
-          </a:p>
-        </p:txBody>
-      </p:sp>
-      <p:sp>
-        <p:nvSpPr>
-          <p:cNvPr id="4" name="Date Placeholder 3">
-            <a:extLst>
-              <a:ext uri="{FF2B5EF4-FFF2-40B4-BE49-F238E27FC236}">
-                <a16:creationId xmlns:a16="http://schemas.microsoft.com/office/drawing/2014/main" id="{42A9D6B0-644B-4D50-8359-FA59DCB86C2A}"/>
-              </a:ext>
-            </a:extLst>
-          </p:cNvPr>
+            <a:endParaRPr lang="en-US" dirty="0"/>
+          </a:p>
+        </p:txBody>
+      </p:sp>
+      <p:sp>
+        <p:nvSpPr>
+          <p:cNvPr id="4" name="Date Placeholder 3"/>
           <p:cNvSpPr>
             <a:spLocks noGrp="1"/>
           </p:cNvSpPr>
@@ -679,13 +2800,7 @@
       </p:sp>
       <p:sp>
         <p:nvSpPr>
-          <p:cNvPr id="5" name="Footer Placeholder 4">
-            <a:extLst>
-              <a:ext uri="{FF2B5EF4-FFF2-40B4-BE49-F238E27FC236}">
-                <a16:creationId xmlns:a16="http://schemas.microsoft.com/office/drawing/2014/main" id="{E77E1A6A-55FA-4F1B-BE14-A5AE9E9B09B0}"/>
-              </a:ext>
-            </a:extLst>
-          </p:cNvPr>
+          <p:cNvPr id="5" name="Footer Placeholder 4"/>
           <p:cNvSpPr>
             <a:spLocks noGrp="1"/>
           </p:cNvSpPr>
@@ -704,13 +2819,7 @@
       </p:sp>
       <p:sp>
         <p:nvSpPr>
-          <p:cNvPr id="6" name="Slide Number Placeholder 5">
-            <a:extLst>
-              <a:ext uri="{FF2B5EF4-FFF2-40B4-BE49-F238E27FC236}">
-                <a16:creationId xmlns:a16="http://schemas.microsoft.com/office/drawing/2014/main" id="{0FD15039-AE35-445E-B5D5-FAFB8F3B5BD5}"/>
-              </a:ext>
-            </a:extLst>
-          </p:cNvPr>
+          <p:cNvPr id="6" name="Slide Number Placeholder 5"/>
           <p:cNvSpPr>
             <a:spLocks noGrp="1"/>
           </p:cNvSpPr>
@@ -734,7 +2843,7 @@
     </p:spTree>
     <p:extLst>
       <p:ext uri="{BB962C8B-B14F-4D97-AF65-F5344CB8AC3E}">
-        <p14:creationId xmlns:p14="http://schemas.microsoft.com/office/powerpoint/2010/main" val="1376804474"/>
+        <p14:creationId xmlns:p14="http://schemas.microsoft.com/office/powerpoint/2010/main" val="2228656995"/>
       </p:ext>
     </p:extLst>
   </p:cSld>
@@ -763,13 +2872,7 @@
       </p:grpSpPr>
       <p:sp>
         <p:nvSpPr>
-          <p:cNvPr id="2" name="Title 1">
-            <a:extLst>
-              <a:ext uri="{FF2B5EF4-FFF2-40B4-BE49-F238E27FC236}">
-                <a16:creationId xmlns:a16="http://schemas.microsoft.com/office/drawing/2014/main" id="{9240CCB2-89B2-4847-B5D1-AE2D994F0BD0}"/>
-              </a:ext>
-            </a:extLst>
-          </p:cNvPr>
+          <p:cNvPr id="2" name="Title 1"/>
           <p:cNvSpPr>
             <a:spLocks noGrp="1"/>
           </p:cNvSpPr>
@@ -786,19 +2889,13 @@
               <a:rPr lang="en-US"/>
               <a:t>Click to edit Master title style</a:t>
             </a:r>
-            <a:endParaRPr lang="en-IE"/>
-          </a:p>
-        </p:txBody>
-      </p:sp>
-      <p:sp>
-        <p:nvSpPr>
-          <p:cNvPr id="3" name="Content Placeholder 2">
-            <a:extLst>
-              <a:ext uri="{FF2B5EF4-FFF2-40B4-BE49-F238E27FC236}">
-                <a16:creationId xmlns:a16="http://schemas.microsoft.com/office/drawing/2014/main" id="{3F207E8C-285D-480D-B5E4-6B7A19EA0067}"/>
-              </a:ext>
-            </a:extLst>
-          </p:cNvPr>
+            <a:endParaRPr lang="en-US" dirty="0"/>
+          </a:p>
+        </p:txBody>
+      </p:sp>
+      <p:sp>
+        <p:nvSpPr>
+          <p:cNvPr id="3" name="Content Placeholder 2"/>
           <p:cNvSpPr>
             <a:spLocks noGrp="1"/>
           </p:cNvSpPr>
@@ -808,7 +2905,7 @@
         </p:nvSpPr>
         <p:spPr/>
         <p:txBody>
-          <a:bodyPr/>
+          <a:bodyPr anchor="ctr"/>
           <a:lstStyle/>
           <a:p>
             <a:pPr lvl="0"/>
@@ -844,19 +2941,13 @@
               <a:rPr lang="en-US"/>
               <a:t>Fifth level</a:t>
             </a:r>
-            <a:endParaRPr lang="en-IE"/>
-          </a:p>
-        </p:txBody>
-      </p:sp>
-      <p:sp>
-        <p:nvSpPr>
-          <p:cNvPr id="4" name="Date Placeholder 3">
-            <a:extLst>
-              <a:ext uri="{FF2B5EF4-FFF2-40B4-BE49-F238E27FC236}">
-                <a16:creationId xmlns:a16="http://schemas.microsoft.com/office/drawing/2014/main" id="{C057CAC0-D0DD-4391-9E88-20A2E5C616B1}"/>
-              </a:ext>
-            </a:extLst>
-          </p:cNvPr>
+            <a:endParaRPr lang="en-US" dirty="0"/>
+          </a:p>
+        </p:txBody>
+      </p:sp>
+      <p:sp>
+        <p:nvSpPr>
+          <p:cNvPr id="4" name="Date Placeholder 3"/>
           <p:cNvSpPr>
             <a:spLocks noGrp="1"/>
           </p:cNvSpPr>
@@ -879,13 +2970,7 @@
       </p:sp>
       <p:sp>
         <p:nvSpPr>
-          <p:cNvPr id="5" name="Footer Placeholder 4">
-            <a:extLst>
-              <a:ext uri="{FF2B5EF4-FFF2-40B4-BE49-F238E27FC236}">
-                <a16:creationId xmlns:a16="http://schemas.microsoft.com/office/drawing/2014/main" id="{AD6C5031-A5C5-42FB-A165-6A26800DBD16}"/>
-              </a:ext>
-            </a:extLst>
-          </p:cNvPr>
+          <p:cNvPr id="5" name="Footer Placeholder 4"/>
           <p:cNvSpPr>
             <a:spLocks noGrp="1"/>
           </p:cNvSpPr>
@@ -904,13 +2989,7 @@
       </p:sp>
       <p:sp>
         <p:nvSpPr>
-          <p:cNvPr id="6" name="Slide Number Placeholder 5">
-            <a:extLst>
-              <a:ext uri="{FF2B5EF4-FFF2-40B4-BE49-F238E27FC236}">
-                <a16:creationId xmlns:a16="http://schemas.microsoft.com/office/drawing/2014/main" id="{CAD9E42D-89D7-4B55-B604-5B6F662ED162}"/>
-              </a:ext>
-            </a:extLst>
-          </p:cNvPr>
+          <p:cNvPr id="6" name="Slide Number Placeholder 5"/>
           <p:cNvSpPr>
             <a:spLocks noGrp="1"/>
           </p:cNvSpPr>
@@ -934,7 +3013,7 @@
     </p:spTree>
     <p:extLst>
       <p:ext uri="{BB962C8B-B14F-4D97-AF65-F5344CB8AC3E}">
-        <p14:creationId xmlns:p14="http://schemas.microsoft.com/office/powerpoint/2010/main" val="498479453"/>
+        <p14:creationId xmlns:p14="http://schemas.microsoft.com/office/powerpoint/2010/main" val="411298713"/>
       </p:ext>
     </p:extLst>
   </p:cSld>
@@ -963,13 +3042,7 @@
       </p:grpSpPr>
       <p:sp>
         <p:nvSpPr>
-          <p:cNvPr id="2" name="Title 1">
-            <a:extLst>
-              <a:ext uri="{FF2B5EF4-FFF2-40B4-BE49-F238E27FC236}">
-                <a16:creationId xmlns:a16="http://schemas.microsoft.com/office/drawing/2014/main" id="{1F832E9A-C3F6-46BD-A410-0A02263EC8C6}"/>
-              </a:ext>
-            </a:extLst>
-          </p:cNvPr>
+          <p:cNvPr id="2" name="Title 1"/>
           <p:cNvSpPr>
             <a:spLocks noGrp="1"/>
           </p:cNvSpPr>
@@ -979,15 +3052,15 @@
         </p:nvSpPr>
         <p:spPr>
           <a:xfrm>
-            <a:off x="831850" y="1709738"/>
-            <a:ext cx="10515600" cy="2852737"/>
+            <a:off x="1751013" y="3308581"/>
+            <a:ext cx="8686800" cy="1468800"/>
           </a:xfrm>
         </p:spPr>
         <p:txBody>
           <a:bodyPr anchor="b"/>
           <a:lstStyle>
-            <a:lvl1pPr>
-              <a:defRPr sz="6000"/>
+            <a:lvl1pPr algn="r">
+              <a:defRPr sz="4000" b="0" cap="all"/>
             </a:lvl1pPr>
           </a:lstStyle>
           <a:p>
@@ -995,19 +3068,13 @@
               <a:rPr lang="en-US"/>
               <a:t>Click to edit Master title style</a:t>
             </a:r>
-            <a:endParaRPr lang="en-IE"/>
-          </a:p>
-        </p:txBody>
-      </p:sp>
-      <p:sp>
-        <p:nvSpPr>
-          <p:cNvPr id="3" name="Text Placeholder 2">
-            <a:extLst>
-              <a:ext uri="{FF2B5EF4-FFF2-40B4-BE49-F238E27FC236}">
-                <a16:creationId xmlns:a16="http://schemas.microsoft.com/office/drawing/2014/main" id="{6F7800D3-1F5B-4E4C-AB84-D18C367A8024}"/>
-              </a:ext>
-            </a:extLst>
-          </p:cNvPr>
+            <a:endParaRPr lang="en-US" dirty="0"/>
+          </a:p>
+        </p:txBody>
+      </p:sp>
+      <p:sp>
+        <p:nvSpPr>
+          <p:cNvPr id="3" name="Text Placeholder 2"/>
           <p:cNvSpPr>
             <a:spLocks noGrp="1"/>
           </p:cNvSpPr>
@@ -1017,102 +3084,113 @@
         </p:nvSpPr>
         <p:spPr>
           <a:xfrm>
-            <a:off x="831850" y="4589463"/>
-            <a:ext cx="10515600" cy="1500187"/>
+            <a:off x="1751011" y="4777381"/>
+            <a:ext cx="8686801" cy="860400"/>
           </a:xfrm>
         </p:spPr>
         <p:txBody>
-          <a:bodyPr/>
+          <a:bodyPr anchor="t">
+            <a:normAutofit/>
+          </a:bodyPr>
           <a:lstStyle>
-            <a:lvl1pPr marL="0" indent="0">
-              <a:buNone/>
-              <a:defRPr sz="2400">
+            <a:lvl1pPr marL="0" indent="0" algn="r">
+              <a:buNone/>
+              <a:defRPr sz="2000">
+                <a:gradFill flip="none" rotWithShape="1">
+                  <a:gsLst>
+                    <a:gs pos="0">
+                      <a:schemeClr val="tx1"/>
+                    </a:gs>
+                    <a:gs pos="100000">
+                      <a:schemeClr val="tx1">
+                        <a:lumMod val="75000"/>
+                      </a:schemeClr>
+                    </a:gs>
+                  </a:gsLst>
+                  <a:lin ang="5400000" scaled="0"/>
+                  <a:tileRect/>
+                </a:gradFill>
+              </a:defRPr>
+            </a:lvl1pPr>
+            <a:lvl2pPr marL="457200" indent="0">
+              <a:buNone/>
+              <a:defRPr sz="1800">
                 <a:solidFill>
                   <a:schemeClr val="tx1">
                     <a:tint val="75000"/>
                   </a:schemeClr>
                 </a:solidFill>
               </a:defRPr>
-            </a:lvl1pPr>
-            <a:lvl2pPr marL="457200" indent="0">
-              <a:buNone/>
-              <a:defRPr sz="2000">
+            </a:lvl2pPr>
+            <a:lvl3pPr marL="914400" indent="0">
+              <a:buNone/>
+              <a:defRPr sz="1600">
                 <a:solidFill>
                   <a:schemeClr val="tx1">
                     <a:tint val="75000"/>
                   </a:schemeClr>
                 </a:solidFill>
               </a:defRPr>
-            </a:lvl2pPr>
-            <a:lvl3pPr marL="914400" indent="0">
-              <a:buNone/>
-              <a:defRPr sz="1800">
+            </a:lvl3pPr>
+            <a:lvl4pPr marL="1371600" indent="0">
+              <a:buNone/>
+              <a:defRPr sz="1400">
                 <a:solidFill>
                   <a:schemeClr val="tx1">
                     <a:tint val="75000"/>
                   </a:schemeClr>
                 </a:solidFill>
               </a:defRPr>
-            </a:lvl3pPr>
-            <a:lvl4pPr marL="1371600" indent="0">
-              <a:buNone/>
-              <a:defRPr sz="1600">
+            </a:lvl4pPr>
+            <a:lvl5pPr marL="1828800" indent="0">
+              <a:buNone/>
+              <a:defRPr sz="1400">
                 <a:solidFill>
                   <a:schemeClr val="tx1">
                     <a:tint val="75000"/>
                   </a:schemeClr>
                 </a:solidFill>
               </a:defRPr>
-            </a:lvl4pPr>
-            <a:lvl5pPr marL="1828800" indent="0">
-              <a:buNone/>
-              <a:defRPr sz="1600">
+            </a:lvl5pPr>
+            <a:lvl6pPr marL="2286000" indent="0">
+              <a:buNone/>
+              <a:defRPr sz="1400">
                 <a:solidFill>
                   <a:schemeClr val="tx1">
                     <a:tint val="75000"/>
                   </a:schemeClr>
                 </a:solidFill>
               </a:defRPr>
-            </a:lvl5pPr>
-            <a:lvl6pPr marL="2286000" indent="0">
-              <a:buNone/>
-              <a:defRPr sz="1600">
+            </a:lvl6pPr>
+            <a:lvl7pPr marL="2743200" indent="0">
+              <a:buNone/>
+              <a:defRPr sz="1400">
                 <a:solidFill>
                   <a:schemeClr val="tx1">
                     <a:tint val="75000"/>
                   </a:schemeClr>
                 </a:solidFill>
               </a:defRPr>
-            </a:lvl6pPr>
-            <a:lvl7pPr marL="2743200" indent="0">
-              <a:buNone/>
-              <a:defRPr sz="1600">
+            </a:lvl7pPr>
+            <a:lvl8pPr marL="3200400" indent="0">
+              <a:buNone/>
+              <a:defRPr sz="1400">
                 <a:solidFill>
                   <a:schemeClr val="tx1">
                     <a:tint val="75000"/>
                   </a:schemeClr>
                 </a:solidFill>
               </a:defRPr>
-            </a:lvl7pPr>
-            <a:lvl8pPr marL="3200400" indent="0">
-              <a:buNone/>
-              <a:defRPr sz="1600">
+            </a:lvl8pPr>
+            <a:lvl9pPr marL="3657600" indent="0">
+              <a:buNone/>
+              <a:defRPr sz="1400">
                 <a:solidFill>
                   <a:schemeClr val="tx1">
                     <a:tint val="75000"/>
                   </a:schemeClr>
                 </a:solidFill>
               </a:defRPr>
-            </a:lvl8pPr>
-            <a:lvl9pPr marL="3657600" indent="0">
-              <a:buNone/>
-              <a:defRPr sz="1600">
-                <a:solidFill>
-                  <a:schemeClr val="tx1">
-                    <a:tint val="75000"/>
-                  </a:schemeClr>
-                </a:solidFill>
-              </a:defRPr>
             </a:lvl9pPr>
           </a:lstStyle>
           <a:p>
@@ -1126,13 +3204,7 @@
       </p:sp>
       <p:sp>
         <p:nvSpPr>
-          <p:cNvPr id="4" name="Date Placeholder 3">
-            <a:extLst>
-              <a:ext uri="{FF2B5EF4-FFF2-40B4-BE49-F238E27FC236}">
-                <a16:creationId xmlns:a16="http://schemas.microsoft.com/office/drawing/2014/main" id="{48D42D72-0FE9-4292-BE83-D317EA5F4FC7}"/>
-              </a:ext>
-            </a:extLst>
-          </p:cNvPr>
+          <p:cNvPr id="4" name="Date Placeholder 3"/>
           <p:cNvSpPr>
             <a:spLocks noGrp="1"/>
           </p:cNvSpPr>
@@ -1155,13 +3227,7 @@
       </p:sp>
       <p:sp>
         <p:nvSpPr>
-          <p:cNvPr id="5" name="Footer Placeholder 4">
-            <a:extLst>
-              <a:ext uri="{FF2B5EF4-FFF2-40B4-BE49-F238E27FC236}">
-                <a16:creationId xmlns:a16="http://schemas.microsoft.com/office/drawing/2014/main" id="{DD7CA81E-7609-47AC-8FA8-A60A96B0712E}"/>
-              </a:ext>
-            </a:extLst>
-          </p:cNvPr>
+          <p:cNvPr id="5" name="Footer Placeholder 4"/>
           <p:cNvSpPr>
             <a:spLocks noGrp="1"/>
           </p:cNvSpPr>
@@ -1180,13 +3246,7 @@
       </p:sp>
       <p:sp>
         <p:nvSpPr>
-          <p:cNvPr id="6" name="Slide Number Placeholder 5">
-            <a:extLst>
-              <a:ext uri="{FF2B5EF4-FFF2-40B4-BE49-F238E27FC236}">
-                <a16:creationId xmlns:a16="http://schemas.microsoft.com/office/drawing/2014/main" id="{F2384EE8-9A9D-4E42-BBD9-C8587C69C797}"/>
-              </a:ext>
-            </a:extLst>
-          </p:cNvPr>
+          <p:cNvPr id="6" name="Slide Number Placeholder 5"/>
           <p:cNvSpPr>
             <a:spLocks noGrp="1"/>
           </p:cNvSpPr>
@@ -1210,7 +3270,7 @@
     </p:spTree>
     <p:extLst>
       <p:ext uri="{BB962C8B-B14F-4D97-AF65-F5344CB8AC3E}">
-        <p14:creationId xmlns:p14="http://schemas.microsoft.com/office/powerpoint/2010/main" val="3543545551"/>
+        <p14:creationId xmlns:p14="http://schemas.microsoft.com/office/powerpoint/2010/main" val="2177917927"/>
       </p:ext>
     </p:extLst>
   </p:cSld>
@@ -1239,13 +3299,7 @@
       </p:grpSpPr>
       <p:sp>
         <p:nvSpPr>
-          <p:cNvPr id="2" name="Title 1">
-            <a:extLst>
-              <a:ext uri="{FF2B5EF4-FFF2-40B4-BE49-F238E27FC236}">
-                <a16:creationId xmlns:a16="http://schemas.microsoft.com/office/drawing/2014/main" id="{073F947B-7601-4F5B-A157-66F4894FE538}"/>
-              </a:ext>
-            </a:extLst>
-          </p:cNvPr>
+          <p:cNvPr id="2" name="Title 1"/>
           <p:cNvSpPr>
             <a:spLocks noGrp="1"/>
           </p:cNvSpPr>
@@ -1262,19 +3316,13 @@
               <a:rPr lang="en-US"/>
               <a:t>Click to edit Master title style</a:t>
             </a:r>
-            <a:endParaRPr lang="en-IE"/>
-          </a:p>
-        </p:txBody>
-      </p:sp>
-      <p:sp>
-        <p:nvSpPr>
-          <p:cNvPr id="3" name="Content Placeholder 2">
-            <a:extLst>
-              <a:ext uri="{FF2B5EF4-FFF2-40B4-BE49-F238E27FC236}">
-                <a16:creationId xmlns:a16="http://schemas.microsoft.com/office/drawing/2014/main" id="{300DB25D-A763-42FD-9484-B04EB5D35198}"/>
-              </a:ext>
-            </a:extLst>
-          </p:cNvPr>
+            <a:endParaRPr lang="en-US" dirty="0"/>
+          </a:p>
+        </p:txBody>
+      </p:sp>
+      <p:sp>
+        <p:nvSpPr>
+          <p:cNvPr id="3" name="Content Placeholder 2"/>
           <p:cNvSpPr>
             <a:spLocks noGrp="1"/>
           </p:cNvSpPr>
@@ -1284,13 +3332,43 @@
         </p:nvSpPr>
         <p:spPr>
           <a:xfrm>
-            <a:off x="838200" y="1825625"/>
-            <a:ext cx="5181600" cy="4351338"/>
+            <a:off x="1141412" y="2666999"/>
+            <a:ext cx="4876800" cy="3124201"/>
           </a:xfrm>
         </p:spPr>
         <p:txBody>
-          <a:bodyPr/>
-          <a:lstStyle/>
+          <a:bodyPr>
+            <a:normAutofit/>
+          </a:bodyPr>
+          <a:lstStyle>
+            <a:lvl1pPr>
+              <a:defRPr sz="1800"/>
+            </a:lvl1pPr>
+            <a:lvl2pPr>
+              <a:defRPr sz="1600"/>
+            </a:lvl2pPr>
+            <a:lvl3pPr>
+              <a:defRPr sz="1400"/>
+            </a:lvl3pPr>
+            <a:lvl4pPr>
+              <a:defRPr sz="1200"/>
+            </a:lvl4pPr>
+            <a:lvl5pPr>
+              <a:defRPr sz="1200"/>
+            </a:lvl5pPr>
+            <a:lvl6pPr>
+              <a:defRPr sz="1200"/>
+            </a:lvl6pPr>
+            <a:lvl7pPr>
+              <a:defRPr sz="1200"/>
+            </a:lvl7pPr>
+            <a:lvl8pPr>
+              <a:defRPr sz="1200"/>
+            </a:lvl8pPr>
+            <a:lvl9pPr>
+              <a:defRPr sz="1200"/>
+            </a:lvl9pPr>
+          </a:lstStyle>
           <a:p>
             <a:pPr lvl="0"/>
             <a:r>
@@ -1325,19 +3403,13 @@
               <a:rPr lang="en-US"/>
               <a:t>Fifth level</a:t>
             </a:r>
-            <a:endParaRPr lang="en-IE"/>
-          </a:p>
-        </p:txBody>
-      </p:sp>
-      <p:sp>
-        <p:nvSpPr>
-          <p:cNvPr id="4" name="Content Placeholder 3">
-            <a:extLst>
-              <a:ext uri="{FF2B5EF4-FFF2-40B4-BE49-F238E27FC236}">
-                <a16:creationId xmlns:a16="http://schemas.microsoft.com/office/drawing/2014/main" id="{DBBFAC94-DC85-4F6F-AD2E-881125F93073}"/>
-              </a:ext>
-            </a:extLst>
-          </p:cNvPr>
+            <a:endParaRPr lang="en-US" dirty="0"/>
+          </a:p>
+        </p:txBody>
+      </p:sp>
+      <p:sp>
+        <p:nvSpPr>
+          <p:cNvPr id="4" name="Content Placeholder 3"/>
           <p:cNvSpPr>
             <a:spLocks noGrp="1"/>
           </p:cNvSpPr>
@@ -1347,13 +3419,43 @@
         </p:nvSpPr>
         <p:spPr>
           <a:xfrm>
-            <a:off x="6172200" y="1825625"/>
-            <a:ext cx="5181600" cy="4351338"/>
+            <a:off x="6170612" y="2667000"/>
+            <a:ext cx="4876800" cy="3124200"/>
           </a:xfrm>
         </p:spPr>
         <p:txBody>
-          <a:bodyPr/>
-          <a:lstStyle/>
+          <a:bodyPr>
+            <a:normAutofit/>
+          </a:bodyPr>
+          <a:lstStyle>
+            <a:lvl1pPr>
+              <a:defRPr sz="1800"/>
+            </a:lvl1pPr>
+            <a:lvl2pPr>
+              <a:defRPr sz="1600"/>
+            </a:lvl2pPr>
+            <a:lvl3pPr>
+              <a:defRPr sz="1400"/>
+            </a:lvl3pPr>
+            <a:lvl4pPr>
+              <a:defRPr sz="1200"/>
+            </a:lvl4pPr>
+            <a:lvl5pPr>
+              <a:defRPr sz="1200"/>
+            </a:lvl5pPr>
+            <a:lvl6pPr>
+              <a:defRPr sz="1200"/>
+            </a:lvl6pPr>
+            <a:lvl7pPr>
+              <a:defRPr sz="1200"/>
+            </a:lvl7pPr>
+            <a:lvl8pPr>
+              <a:defRPr sz="1200"/>
+            </a:lvl8pPr>
+            <a:lvl9pPr>
+              <a:defRPr sz="1200"/>
+            </a:lvl9pPr>
+          </a:lstStyle>
           <a:p>
             <a:pPr lvl="0"/>
             <a:r>
@@ -1388,19 +3490,13 @@
               <a:rPr lang="en-US"/>
               <a:t>Fifth level</a:t>
             </a:r>
-            <a:endParaRPr lang="en-IE"/>
-          </a:p>
-        </p:txBody>
-      </p:sp>
-      <p:sp>
-        <p:nvSpPr>
-          <p:cNvPr id="5" name="Date Placeholder 4">
-            <a:extLst>
-              <a:ext uri="{FF2B5EF4-FFF2-40B4-BE49-F238E27FC236}">
-                <a16:creationId xmlns:a16="http://schemas.microsoft.com/office/drawing/2014/main" id="{99FA4698-8B54-44DF-8D13-2EAD28886EFC}"/>
-              </a:ext>
-            </a:extLst>
-          </p:cNvPr>
+            <a:endParaRPr lang="en-US" dirty="0"/>
+          </a:p>
+        </p:txBody>
+      </p:sp>
+      <p:sp>
+        <p:nvSpPr>
+          <p:cNvPr id="5" name="Date Placeholder 4"/>
           <p:cNvSpPr>
             <a:spLocks noGrp="1"/>
           </p:cNvSpPr>
@@ -1423,13 +3519,7 @@
       </p:sp>
       <p:sp>
         <p:nvSpPr>
-          <p:cNvPr id="6" name="Footer Placeholder 5">
-            <a:extLst>
-              <a:ext uri="{FF2B5EF4-FFF2-40B4-BE49-F238E27FC236}">
-                <a16:creationId xmlns:a16="http://schemas.microsoft.com/office/drawing/2014/main" id="{1F9D8A5F-CBB5-4957-AC25-069160D16284}"/>
-              </a:ext>
-            </a:extLst>
-          </p:cNvPr>
+          <p:cNvPr id="6" name="Footer Placeholder 5"/>
           <p:cNvSpPr>
             <a:spLocks noGrp="1"/>
           </p:cNvSpPr>
@@ -1448,13 +3538,7 @@
       </p:sp>
       <p:sp>
         <p:nvSpPr>
-          <p:cNvPr id="7" name="Slide Number Placeholder 6">
-            <a:extLst>
-              <a:ext uri="{FF2B5EF4-FFF2-40B4-BE49-F238E27FC236}">
-                <a16:creationId xmlns:a16="http://schemas.microsoft.com/office/drawing/2014/main" id="{11CCCC9C-534F-41E8-A77A-50CC487FAC42}"/>
-              </a:ext>
-            </a:extLst>
-          </p:cNvPr>
+          <p:cNvPr id="7" name="Slide Number Placeholder 6"/>
           <p:cNvSpPr>
             <a:spLocks noGrp="1"/>
           </p:cNvSpPr>
@@ -1478,7 +3562,7 @@
     </p:spTree>
     <p:extLst>
       <p:ext uri="{BB962C8B-B14F-4D97-AF65-F5344CB8AC3E}">
-        <p14:creationId xmlns:p14="http://schemas.microsoft.com/office/powerpoint/2010/main" val="770193080"/>
+        <p14:creationId xmlns:p14="http://schemas.microsoft.com/office/powerpoint/2010/main" val="3578190619"/>
       </p:ext>
     </p:extLst>
   </p:cSld>
@@ -1507,66 +3591,55 @@
       </p:grpSpPr>
       <p:sp>
         <p:nvSpPr>
-          <p:cNvPr id="2" name="Title 1">
-            <a:extLst>
-              <a:ext uri="{FF2B5EF4-FFF2-40B4-BE49-F238E27FC236}">
-                <a16:creationId xmlns:a16="http://schemas.microsoft.com/office/drawing/2014/main" id="{EF0C99F5-9C72-47C3-A4F5-54B07508B84C}"/>
-              </a:ext>
-            </a:extLst>
-          </p:cNvPr>
+          <p:cNvPr id="2" name="Title 1"/>
           <p:cNvSpPr>
             <a:spLocks noGrp="1"/>
           </p:cNvSpPr>
           <p:nvPr>
             <p:ph type="title"/>
+          </p:nvPr>
+        </p:nvSpPr>
+        <p:spPr/>
+        <p:txBody>
+          <a:bodyPr/>
+          <a:lstStyle>
+            <a:lvl1pPr>
+              <a:defRPr/>
+            </a:lvl1pPr>
+          </a:lstStyle>
+          <a:p>
+            <a:r>
+              <a:rPr lang="en-US"/>
+              <a:t>Click to edit Master title style</a:t>
+            </a:r>
+            <a:endParaRPr lang="en-US" dirty="0"/>
+          </a:p>
+        </p:txBody>
+      </p:sp>
+      <p:sp>
+        <p:nvSpPr>
+          <p:cNvPr id="3" name="Text Placeholder 2"/>
+          <p:cNvSpPr>
+            <a:spLocks noGrp="1"/>
+          </p:cNvSpPr>
+          <p:nvPr>
+            <p:ph type="body" idx="1"/>
           </p:nvPr>
         </p:nvSpPr>
         <p:spPr>
           <a:xfrm>
-            <a:off x="839788" y="365125"/>
-            <a:ext cx="10515600" cy="1325563"/>
+            <a:off x="1429280" y="2658533"/>
+            <a:ext cx="4588931" cy="576262"/>
           </a:xfrm>
         </p:spPr>
         <p:txBody>
-          <a:bodyPr/>
-          <a:lstStyle/>
-          <a:p>
-            <a:r>
-              <a:rPr lang="en-US"/>
-              <a:t>Click to edit Master title style</a:t>
-            </a:r>
-            <a:endParaRPr lang="en-IE"/>
-          </a:p>
-        </p:txBody>
-      </p:sp>
-      <p:sp>
-        <p:nvSpPr>
-          <p:cNvPr id="3" name="Text Placeholder 2">
-            <a:extLst>
-              <a:ext uri="{FF2B5EF4-FFF2-40B4-BE49-F238E27FC236}">
-                <a16:creationId xmlns:a16="http://schemas.microsoft.com/office/drawing/2014/main" id="{2EA0BB27-6345-403D-97C0-7600EEE81E47}"/>
-              </a:ext>
-            </a:extLst>
-          </p:cNvPr>
-          <p:cNvSpPr>
-            <a:spLocks noGrp="1"/>
-          </p:cNvSpPr>
-          <p:nvPr>
-            <p:ph type="body" idx="1"/>
-          </p:nvPr>
-        </p:nvSpPr>
-        <p:spPr>
-          <a:xfrm>
-            <a:off x="839788" y="1681163"/>
-            <a:ext cx="5157787" cy="823912"/>
-          </a:xfrm>
-        </p:spPr>
-        <p:txBody>
-          <a:bodyPr anchor="b"/>
+          <a:bodyPr anchor="b">
+            <a:noAutofit/>
+          </a:bodyPr>
           <a:lstStyle>
             <a:lvl1pPr marL="0" indent="0">
               <a:buNone/>
-              <a:defRPr sz="2400" b="1"/>
+              <a:defRPr sz="2800" b="0"/>
             </a:lvl1pPr>
             <a:lvl2pPr marL="457200" indent="0">
               <a:buNone/>
@@ -1612,13 +3685,7 @@
       </p:sp>
       <p:sp>
         <p:nvSpPr>
-          <p:cNvPr id="4" name="Content Placeholder 3">
-            <a:extLst>
-              <a:ext uri="{FF2B5EF4-FFF2-40B4-BE49-F238E27FC236}">
-                <a16:creationId xmlns:a16="http://schemas.microsoft.com/office/drawing/2014/main" id="{42955587-1598-4CBE-A428-741E542E8558}"/>
-              </a:ext>
-            </a:extLst>
-          </p:cNvPr>
+          <p:cNvPr id="4" name="Content Placeholder 3"/>
           <p:cNvSpPr>
             <a:spLocks noGrp="1"/>
           </p:cNvSpPr>
@@ -1628,13 +3695,43 @@
         </p:nvSpPr>
         <p:spPr>
           <a:xfrm>
-            <a:off x="839788" y="2505075"/>
-            <a:ext cx="5157787" cy="3684588"/>
+            <a:off x="1141412" y="3243262"/>
+            <a:ext cx="4876800" cy="2547937"/>
           </a:xfrm>
         </p:spPr>
         <p:txBody>
-          <a:bodyPr/>
-          <a:lstStyle/>
+          <a:bodyPr anchor="t">
+            <a:normAutofit/>
+          </a:bodyPr>
+          <a:lstStyle>
+            <a:lvl1pPr>
+              <a:defRPr sz="1800"/>
+            </a:lvl1pPr>
+            <a:lvl2pPr>
+              <a:defRPr sz="1600"/>
+            </a:lvl2pPr>
+            <a:lvl3pPr>
+              <a:defRPr sz="1400"/>
+            </a:lvl3pPr>
+            <a:lvl4pPr>
+              <a:defRPr sz="1200"/>
+            </a:lvl4pPr>
+            <a:lvl5pPr>
+              <a:defRPr sz="1200"/>
+            </a:lvl5pPr>
+            <a:lvl6pPr>
+              <a:defRPr sz="1200"/>
+            </a:lvl6pPr>
+            <a:lvl7pPr>
+              <a:defRPr sz="1200"/>
+            </a:lvl7pPr>
+            <a:lvl8pPr>
+              <a:defRPr sz="1200"/>
+            </a:lvl8pPr>
+            <a:lvl9pPr>
+              <a:defRPr sz="1200"/>
+            </a:lvl9pPr>
+          </a:lstStyle>
           <a:p>
             <a:pPr lvl="0"/>
             <a:r>
@@ -1669,19 +3766,13 @@
               <a:rPr lang="en-US"/>
               <a:t>Fifth level</a:t>
             </a:r>
-            <a:endParaRPr lang="en-IE"/>
-          </a:p>
-        </p:txBody>
-      </p:sp>
-      <p:sp>
-        <p:nvSpPr>
-          <p:cNvPr id="5" name="Text Placeholder 4">
-            <a:extLst>
-              <a:ext uri="{FF2B5EF4-FFF2-40B4-BE49-F238E27FC236}">
-                <a16:creationId xmlns:a16="http://schemas.microsoft.com/office/drawing/2014/main" id="{2290AAFB-D4B1-4399-8CFA-5BD1D36F8540}"/>
-              </a:ext>
-            </a:extLst>
-          </p:cNvPr>
+            <a:endParaRPr lang="en-US" dirty="0"/>
+          </a:p>
+        </p:txBody>
+      </p:sp>
+      <p:sp>
+        <p:nvSpPr>
+          <p:cNvPr id="5" name="Text Placeholder 4"/>
           <p:cNvSpPr>
             <a:spLocks noGrp="1"/>
           </p:cNvSpPr>
@@ -1691,16 +3782,18 @@
         </p:nvSpPr>
         <p:spPr>
           <a:xfrm>
-            <a:off x="6172200" y="1681163"/>
-            <a:ext cx="5183188" cy="823912"/>
+            <a:off x="6443133" y="2667000"/>
+            <a:ext cx="4604280" cy="576262"/>
           </a:xfrm>
         </p:spPr>
         <p:txBody>
-          <a:bodyPr anchor="b"/>
+          <a:bodyPr anchor="b">
+            <a:noAutofit/>
+          </a:bodyPr>
           <a:lstStyle>
             <a:lvl1pPr marL="0" indent="0">
               <a:buNone/>
-              <a:defRPr sz="2400" b="1"/>
+              <a:defRPr sz="2800" b="0"/>
             </a:lvl1pPr>
             <a:lvl2pPr marL="457200" indent="0">
               <a:buNone/>
@@ -1746,13 +3839,7 @@
       </p:sp>
       <p:sp>
         <p:nvSpPr>
-          <p:cNvPr id="6" name="Content Placeholder 5">
-            <a:extLst>
-              <a:ext uri="{FF2B5EF4-FFF2-40B4-BE49-F238E27FC236}">
-                <a16:creationId xmlns:a16="http://schemas.microsoft.com/office/drawing/2014/main" id="{E74EF9B5-F480-439F-B0B6-0B6B96389B02}"/>
-              </a:ext>
-            </a:extLst>
-          </p:cNvPr>
+          <p:cNvPr id="6" name="Content Placeholder 5"/>
           <p:cNvSpPr>
             <a:spLocks noGrp="1"/>
           </p:cNvSpPr>
@@ -1762,13 +3849,43 @@
         </p:nvSpPr>
         <p:spPr>
           <a:xfrm>
-            <a:off x="6172200" y="2505075"/>
-            <a:ext cx="5183188" cy="3684588"/>
+            <a:off x="6170612" y="3243262"/>
+            <a:ext cx="4876801" cy="2547937"/>
           </a:xfrm>
         </p:spPr>
         <p:txBody>
-          <a:bodyPr/>
-          <a:lstStyle/>
+          <a:bodyPr anchor="t">
+            <a:normAutofit/>
+          </a:bodyPr>
+          <a:lstStyle>
+            <a:lvl1pPr>
+              <a:defRPr sz="1800"/>
+            </a:lvl1pPr>
+            <a:lvl2pPr>
+              <a:defRPr sz="1600"/>
+            </a:lvl2pPr>
+            <a:lvl3pPr>
+              <a:defRPr sz="1400"/>
+            </a:lvl3pPr>
+            <a:lvl4pPr>
+              <a:defRPr sz="1200"/>
+            </a:lvl4pPr>
+            <a:lvl5pPr>
+              <a:defRPr sz="1200"/>
+            </a:lvl5pPr>
+            <a:lvl6pPr>
+              <a:defRPr sz="1200"/>
+            </a:lvl6pPr>
+            <a:lvl7pPr>
+              <a:defRPr sz="1200"/>
+            </a:lvl7pPr>
+            <a:lvl8pPr>
+              <a:defRPr sz="1200"/>
+            </a:lvl8pPr>
+            <a:lvl9pPr>
+              <a:defRPr sz="1200"/>
+            </a:lvl9pPr>
+          </a:lstStyle>
           <a:p>
             <a:pPr lvl="0"/>
             <a:r>
@@ -1803,19 +3920,13 @@
               <a:rPr lang="en-US"/>
               <a:t>Fifth level</a:t>
             </a:r>
-            <a:endParaRPr lang="en-IE"/>
-          </a:p>
-        </p:txBody>
-      </p:sp>
-      <p:sp>
-        <p:nvSpPr>
-          <p:cNvPr id="7" name="Date Placeholder 6">
-            <a:extLst>
-              <a:ext uri="{FF2B5EF4-FFF2-40B4-BE49-F238E27FC236}">
-                <a16:creationId xmlns:a16="http://schemas.microsoft.com/office/drawing/2014/main" id="{E127B31C-11D6-48F4-AEAE-29FB8B3EC87A}"/>
-              </a:ext>
-            </a:extLst>
-          </p:cNvPr>
+            <a:endParaRPr lang="en-US" dirty="0"/>
+          </a:p>
+        </p:txBody>
+      </p:sp>
+      <p:sp>
+        <p:nvSpPr>
+          <p:cNvPr id="7" name="Date Placeholder 6"/>
           <p:cNvSpPr>
             <a:spLocks noGrp="1"/>
           </p:cNvSpPr>
@@ -1838,13 +3949,7 @@
       </p:sp>
       <p:sp>
         <p:nvSpPr>
-          <p:cNvPr id="8" name="Footer Placeholder 7">
-            <a:extLst>
-              <a:ext uri="{FF2B5EF4-FFF2-40B4-BE49-F238E27FC236}">
-                <a16:creationId xmlns:a16="http://schemas.microsoft.com/office/drawing/2014/main" id="{2E28A429-0F3D-49A6-8B18-1FB64352AB9F}"/>
-              </a:ext>
-            </a:extLst>
-          </p:cNvPr>
+          <p:cNvPr id="8" name="Footer Placeholder 7"/>
           <p:cNvSpPr>
             <a:spLocks noGrp="1"/>
           </p:cNvSpPr>
@@ -1863,13 +3968,7 @@
       </p:sp>
       <p:sp>
         <p:nvSpPr>
-          <p:cNvPr id="9" name="Slide Number Placeholder 8">
-            <a:extLst>
-              <a:ext uri="{FF2B5EF4-FFF2-40B4-BE49-F238E27FC236}">
-                <a16:creationId xmlns:a16="http://schemas.microsoft.com/office/drawing/2014/main" id="{3BA1D192-C499-42A1-B006-AB80614CDAD0}"/>
-              </a:ext>
-            </a:extLst>
-          </p:cNvPr>
+          <p:cNvPr id="9" name="Slide Number Placeholder 8"/>
           <p:cNvSpPr>
             <a:spLocks noGrp="1"/>
           </p:cNvSpPr>
@@ -1893,7 +3992,7 @@
     </p:spTree>
     <p:extLst>
       <p:ext uri="{BB962C8B-B14F-4D97-AF65-F5344CB8AC3E}">
-        <p14:creationId xmlns:p14="http://schemas.microsoft.com/office/powerpoint/2010/main" val="2213632008"/>
+        <p14:creationId xmlns:p14="http://schemas.microsoft.com/office/powerpoint/2010/main" val="2758670727"/>
       </p:ext>
     </p:extLst>
   </p:cSld>
@@ -1922,13 +4021,7 @@
       </p:grpSpPr>
       <p:sp>
         <p:nvSpPr>
-          <p:cNvPr id="2" name="Title 1">
-            <a:extLst>
-              <a:ext uri="{FF2B5EF4-FFF2-40B4-BE49-F238E27FC236}">
-                <a16:creationId xmlns:a16="http://schemas.microsoft.com/office/drawing/2014/main" id="{0C36051F-AC2E-44B6-9F9A-C0C4A1F32160}"/>
-              </a:ext>
-            </a:extLst>
-          </p:cNvPr>
+          <p:cNvPr id="2" name="Title 1"/>
           <p:cNvSpPr>
             <a:spLocks noGrp="1"/>
           </p:cNvSpPr>
@@ -1945,19 +4038,13 @@
               <a:rPr lang="en-US"/>
               <a:t>Click to edit Master title style</a:t>
             </a:r>
-            <a:endParaRPr lang="en-IE"/>
-          </a:p>
-        </p:txBody>
-      </p:sp>
-      <p:sp>
-        <p:nvSpPr>
-          <p:cNvPr id="3" name="Date Placeholder 2">
-            <a:extLst>
-              <a:ext uri="{FF2B5EF4-FFF2-40B4-BE49-F238E27FC236}">
-                <a16:creationId xmlns:a16="http://schemas.microsoft.com/office/drawing/2014/main" id="{3D9EFD42-C23B-4F95-BFE4-C22590E3CDE4}"/>
-              </a:ext>
-            </a:extLst>
-          </p:cNvPr>
+            <a:endParaRPr lang="en-US" dirty="0"/>
+          </a:p>
+        </p:txBody>
+      </p:sp>
+      <p:sp>
+        <p:nvSpPr>
+          <p:cNvPr id="3" name="Date Placeholder 2"/>
           <p:cNvSpPr>
             <a:spLocks noGrp="1"/>
           </p:cNvSpPr>
@@ -1980,13 +4067,7 @@
       </p:sp>
       <p:sp>
         <p:nvSpPr>
-          <p:cNvPr id="4" name="Footer Placeholder 3">
-            <a:extLst>
-              <a:ext uri="{FF2B5EF4-FFF2-40B4-BE49-F238E27FC236}">
-                <a16:creationId xmlns:a16="http://schemas.microsoft.com/office/drawing/2014/main" id="{A0FF6EC0-7500-4295-A2B7-715F7171C4E2}"/>
-              </a:ext>
-            </a:extLst>
-          </p:cNvPr>
+          <p:cNvPr id="4" name="Footer Placeholder 3"/>
           <p:cNvSpPr>
             <a:spLocks noGrp="1"/>
           </p:cNvSpPr>
@@ -2005,13 +4086,7 @@
       </p:sp>
       <p:sp>
         <p:nvSpPr>
-          <p:cNvPr id="5" name="Slide Number Placeholder 4">
-            <a:extLst>
-              <a:ext uri="{FF2B5EF4-FFF2-40B4-BE49-F238E27FC236}">
-                <a16:creationId xmlns:a16="http://schemas.microsoft.com/office/drawing/2014/main" id="{3BE03F1C-D0A9-4866-AD74-B471E83089EB}"/>
-              </a:ext>
-            </a:extLst>
-          </p:cNvPr>
+          <p:cNvPr id="5" name="Slide Number Placeholder 4"/>
           <p:cNvSpPr>
             <a:spLocks noGrp="1"/>
           </p:cNvSpPr>
@@ -2035,7 +4110,7 @@
     </p:spTree>
     <p:extLst>
       <p:ext uri="{BB962C8B-B14F-4D97-AF65-F5344CB8AC3E}">
-        <p14:creationId xmlns:p14="http://schemas.microsoft.com/office/powerpoint/2010/main" val="1553631280"/>
+        <p14:creationId xmlns:p14="http://schemas.microsoft.com/office/powerpoint/2010/main" val="789053275"/>
       </p:ext>
     </p:extLst>
   </p:cSld>
@@ -2064,13 +4139,7 @@
       </p:grpSpPr>
       <p:sp>
         <p:nvSpPr>
-          <p:cNvPr id="2" name="Date Placeholder 1">
-            <a:extLst>
-              <a:ext uri="{FF2B5EF4-FFF2-40B4-BE49-F238E27FC236}">
-                <a16:creationId xmlns:a16="http://schemas.microsoft.com/office/drawing/2014/main" id="{C04228D0-C3C5-4FD8-AB57-47CA6E6F345D}"/>
-              </a:ext>
-            </a:extLst>
-          </p:cNvPr>
+          <p:cNvPr id="2" name="Date Placeholder 1"/>
           <p:cNvSpPr>
             <a:spLocks noGrp="1"/>
           </p:cNvSpPr>
@@ -2093,13 +4162,7 @@
       </p:sp>
       <p:sp>
         <p:nvSpPr>
-          <p:cNvPr id="3" name="Footer Placeholder 2">
-            <a:extLst>
-              <a:ext uri="{FF2B5EF4-FFF2-40B4-BE49-F238E27FC236}">
-                <a16:creationId xmlns:a16="http://schemas.microsoft.com/office/drawing/2014/main" id="{245C5707-C71D-4DE4-8AF6-755223D33A90}"/>
-              </a:ext>
-            </a:extLst>
-          </p:cNvPr>
+          <p:cNvPr id="3" name="Footer Placeholder 2"/>
           <p:cNvSpPr>
             <a:spLocks noGrp="1"/>
           </p:cNvSpPr>
@@ -2118,13 +4181,7 @@
       </p:sp>
       <p:sp>
         <p:nvSpPr>
-          <p:cNvPr id="4" name="Slide Number Placeholder 3">
-            <a:extLst>
-              <a:ext uri="{FF2B5EF4-FFF2-40B4-BE49-F238E27FC236}">
-                <a16:creationId xmlns:a16="http://schemas.microsoft.com/office/drawing/2014/main" id="{9A6A5304-6746-41A6-81AA-13A932180594}"/>
-              </a:ext>
-            </a:extLst>
-          </p:cNvPr>
+          <p:cNvPr id="4" name="Slide Number Placeholder 3"/>
           <p:cNvSpPr>
             <a:spLocks noGrp="1"/>
           </p:cNvSpPr>
@@ -2148,7 +4205,7 @@
     </p:spTree>
     <p:extLst>
       <p:ext uri="{BB962C8B-B14F-4D97-AF65-F5344CB8AC3E}">
-        <p14:creationId xmlns:p14="http://schemas.microsoft.com/office/powerpoint/2010/main" val="4150605067"/>
+        <p14:creationId xmlns:p14="http://schemas.microsoft.com/office/powerpoint/2010/main" val="178349871"/>
       </p:ext>
     </p:extLst>
   </p:cSld>
@@ -2177,13 +4234,7 @@
       </p:grpSpPr>
       <p:sp>
         <p:nvSpPr>
-          <p:cNvPr id="2" name="Title 1">
-            <a:extLst>
-              <a:ext uri="{FF2B5EF4-FFF2-40B4-BE49-F238E27FC236}">
-                <a16:creationId xmlns:a16="http://schemas.microsoft.com/office/drawing/2014/main" id="{8DE768F6-1056-481C-A46C-2E98AACF82A9}"/>
-              </a:ext>
-            </a:extLst>
-          </p:cNvPr>
+          <p:cNvPr id="2" name="Title 1"/>
           <p:cNvSpPr>
             <a:spLocks noGrp="1"/>
           </p:cNvSpPr>
@@ -2193,141 +4244,135 @@
         </p:nvSpPr>
         <p:spPr>
           <a:xfrm>
-            <a:off x="839788" y="457200"/>
-            <a:ext cx="3932237" cy="1600200"/>
+            <a:off x="1141411" y="1600200"/>
+            <a:ext cx="3549121" cy="1371600"/>
           </a:xfrm>
         </p:spPr>
         <p:txBody>
-          <a:bodyPr anchor="b"/>
+          <a:bodyPr anchor="b">
+            <a:normAutofit/>
+          </a:bodyPr>
+          <a:lstStyle>
+            <a:lvl1pPr algn="l">
+              <a:defRPr sz="2400" b="0"/>
+            </a:lvl1pPr>
+          </a:lstStyle>
+          <a:p>
+            <a:r>
+              <a:rPr lang="en-US"/>
+              <a:t>Click to edit Master title style</a:t>
+            </a:r>
+            <a:endParaRPr lang="en-US" dirty="0"/>
+          </a:p>
+        </p:txBody>
+      </p:sp>
+      <p:sp>
+        <p:nvSpPr>
+          <p:cNvPr id="3" name="Content Placeholder 2"/>
+          <p:cNvSpPr>
+            <a:spLocks noGrp="1"/>
+          </p:cNvSpPr>
+          <p:nvPr>
+            <p:ph idx="1"/>
+          </p:nvPr>
+        </p:nvSpPr>
+        <p:spPr>
+          <a:xfrm>
+            <a:off x="5103812" y="609601"/>
+            <a:ext cx="5943601" cy="5181600"/>
+          </a:xfrm>
+        </p:spPr>
+        <p:txBody>
+          <a:bodyPr anchor="ctr">
+            <a:normAutofit/>
+          </a:bodyPr>
           <a:lstStyle>
             <a:lvl1pPr>
-              <a:defRPr sz="3200"/>
+              <a:defRPr sz="2000"/>
             </a:lvl1pPr>
+            <a:lvl2pPr>
+              <a:defRPr sz="1800"/>
+            </a:lvl2pPr>
+            <a:lvl3pPr>
+              <a:defRPr sz="1600"/>
+            </a:lvl3pPr>
+            <a:lvl4pPr>
+              <a:defRPr sz="1400"/>
+            </a:lvl4pPr>
+            <a:lvl5pPr>
+              <a:defRPr sz="1400"/>
+            </a:lvl5pPr>
+            <a:lvl6pPr>
+              <a:defRPr sz="1400"/>
+            </a:lvl6pPr>
+            <a:lvl7pPr>
+              <a:defRPr sz="1400"/>
+            </a:lvl7pPr>
+            <a:lvl8pPr>
+              <a:defRPr sz="1400"/>
+            </a:lvl8pPr>
+            <a:lvl9pPr>
+              <a:defRPr sz="1400"/>
+            </a:lvl9pPr>
           </a:lstStyle>
           <a:p>
-            <a:r>
-              <a:rPr lang="en-US"/>
-              <a:t>Click to edit Master title style</a:t>
-            </a:r>
-            <a:endParaRPr lang="en-IE"/>
-          </a:p>
-        </p:txBody>
-      </p:sp>
-      <p:sp>
-        <p:nvSpPr>
-          <p:cNvPr id="3" name="Content Placeholder 2">
-            <a:extLst>
-              <a:ext uri="{FF2B5EF4-FFF2-40B4-BE49-F238E27FC236}">
-                <a16:creationId xmlns:a16="http://schemas.microsoft.com/office/drawing/2014/main" id="{2E6B43A5-D980-4528-9609-FF0F120C476F}"/>
-              </a:ext>
-            </a:extLst>
-          </p:cNvPr>
-          <p:cNvSpPr>
-            <a:spLocks noGrp="1"/>
-          </p:cNvSpPr>
-          <p:nvPr>
-            <p:ph idx="1"/>
+            <a:pPr lvl="0"/>
+            <a:r>
+              <a:rPr lang="en-US"/>
+              <a:t>Edit Master text styles</a:t>
+            </a:r>
+          </a:p>
+          <a:p>
+            <a:pPr lvl="1"/>
+            <a:r>
+              <a:rPr lang="en-US"/>
+              <a:t>Second level</a:t>
+            </a:r>
+          </a:p>
+          <a:p>
+            <a:pPr lvl="2"/>
+            <a:r>
+              <a:rPr lang="en-US"/>
+              <a:t>Third level</a:t>
+            </a:r>
+          </a:p>
+          <a:p>
+            <a:pPr lvl="3"/>
+            <a:r>
+              <a:rPr lang="en-US"/>
+              <a:t>Fourth level</a:t>
+            </a:r>
+          </a:p>
+          <a:p>
+            <a:pPr lvl="4"/>
+            <a:r>
+              <a:rPr lang="en-US"/>
+              <a:t>Fifth level</a:t>
+            </a:r>
+            <a:endParaRPr lang="en-US" dirty="0"/>
+          </a:p>
+        </p:txBody>
+      </p:sp>
+      <p:sp>
+        <p:nvSpPr>
+          <p:cNvPr id="4" name="Text Placeholder 3"/>
+          <p:cNvSpPr>
+            <a:spLocks noGrp="1"/>
+          </p:cNvSpPr>
+          <p:nvPr>
+            <p:ph type="body" sz="half" idx="2"/>
           </p:nvPr>
         </p:nvSpPr>
         <p:spPr>
           <a:xfrm>
-            <a:off x="5183188" y="987425"/>
-            <a:ext cx="6172200" cy="4873625"/>
+            <a:off x="1141411" y="2971800"/>
+            <a:ext cx="3549121" cy="1828800"/>
           </a:xfrm>
         </p:spPr>
         <p:txBody>
-          <a:bodyPr/>
-          <a:lstStyle>
-            <a:lvl1pPr>
-              <a:defRPr sz="3200"/>
-            </a:lvl1pPr>
-            <a:lvl2pPr>
-              <a:defRPr sz="2800"/>
-            </a:lvl2pPr>
-            <a:lvl3pPr>
-              <a:defRPr sz="2400"/>
-            </a:lvl3pPr>
-            <a:lvl4pPr>
-              <a:defRPr sz="2000"/>
-            </a:lvl4pPr>
-            <a:lvl5pPr>
-              <a:defRPr sz="2000"/>
-            </a:lvl5pPr>
-            <a:lvl6pPr>
-              <a:defRPr sz="2000"/>
-            </a:lvl6pPr>
-            <a:lvl7pPr>
-              <a:defRPr sz="2000"/>
-            </a:lvl7pPr>
-            <a:lvl8pPr>
-              <a:defRPr sz="2000"/>
-            </a:lvl8pPr>
-            <a:lvl9pPr>
-              <a:defRPr sz="2000"/>
-            </a:lvl9pPr>
-          </a:lstStyle>
-          <a:p>
-            <a:pPr lvl="0"/>
-            <a:r>
-              <a:rPr lang="en-US"/>
-              <a:t>Edit Master text styles</a:t>
-            </a:r>
-          </a:p>
-          <a:p>
-            <a:pPr lvl="1"/>
-            <a:r>
-              <a:rPr lang="en-US"/>
-              <a:t>Second level</a:t>
-            </a:r>
-          </a:p>
-          <a:p>
-            <a:pPr lvl="2"/>
-            <a:r>
-              <a:rPr lang="en-US"/>
-              <a:t>Third level</a:t>
-            </a:r>
-          </a:p>
-          <a:p>
-            <a:pPr lvl="3"/>
-            <a:r>
-              <a:rPr lang="en-US"/>
-              <a:t>Fourth level</a:t>
-            </a:r>
-          </a:p>
-          <a:p>
-            <a:pPr lvl="4"/>
-            <a:r>
-              <a:rPr lang="en-US"/>
-              <a:t>Fifth level</a:t>
-            </a:r>
-            <a:endParaRPr lang="en-IE"/>
-          </a:p>
-        </p:txBody>
-      </p:sp>
-      <p:sp>
-        <p:nvSpPr>
-          <p:cNvPr id="4" name="Text Placeholder 3">
-            <a:extLst>
-              <a:ext uri="{FF2B5EF4-FFF2-40B4-BE49-F238E27FC236}">
-                <a16:creationId xmlns:a16="http://schemas.microsoft.com/office/drawing/2014/main" id="{D21A2033-2390-4B31-AB47-F937D8995A08}"/>
-              </a:ext>
-            </a:extLst>
-          </p:cNvPr>
-          <p:cNvSpPr>
-            <a:spLocks noGrp="1"/>
-          </p:cNvSpPr>
-          <p:nvPr>
-            <p:ph type="body" sz="half" idx="2"/>
-          </p:nvPr>
-        </p:nvSpPr>
-        <p:spPr>
-          <a:xfrm>
-            <a:off x="839788" y="2057400"/>
-            <a:ext cx="3932237" cy="3811588"/>
-          </a:xfrm>
-        </p:spPr>
-        <p:txBody>
-          <a:bodyPr/>
+          <a:bodyPr>
+            <a:normAutofit/>
+          </a:bodyPr>
           <a:lstStyle>
             <a:lvl1pPr marL="0" indent="0">
               <a:buNone/>
@@ -2335,35 +4380,35 @@
             </a:lvl1pPr>
             <a:lvl2pPr marL="457200" indent="0">
               <a:buNone/>
-              <a:defRPr sz="1400"/>
+              <a:defRPr sz="1200"/>
             </a:lvl2pPr>
             <a:lvl3pPr marL="914400" indent="0">
               <a:buNone/>
-              <a:defRPr sz="1200"/>
+              <a:defRPr sz="1000"/>
             </a:lvl3pPr>
             <a:lvl4pPr marL="1371600" indent="0">
               <a:buNone/>
-              <a:defRPr sz="1000"/>
+              <a:defRPr sz="900"/>
             </a:lvl4pPr>
             <a:lvl5pPr marL="1828800" indent="0">
               <a:buNone/>
-              <a:defRPr sz="1000"/>
+              <a:defRPr sz="900"/>
             </a:lvl5pPr>
             <a:lvl6pPr marL="2286000" indent="0">
               <a:buNone/>
-              <a:defRPr sz="1000"/>
+              <a:defRPr sz="900"/>
             </a:lvl6pPr>
             <a:lvl7pPr marL="2743200" indent="0">
               <a:buNone/>
-              <a:defRPr sz="1000"/>
+              <a:defRPr sz="900"/>
             </a:lvl7pPr>
             <a:lvl8pPr marL="3200400" indent="0">
               <a:buNone/>
-              <a:defRPr sz="1000"/>
+              <a:defRPr sz="900"/>
             </a:lvl8pPr>
             <a:lvl9pPr marL="3657600" indent="0">
               <a:buNone/>
-              <a:defRPr sz="1000"/>
+              <a:defRPr sz="900"/>
             </a:lvl9pPr>
           </a:lstStyle>
           <a:p>
@@ -2377,13 +4422,7 @@
       </p:sp>
       <p:sp>
         <p:nvSpPr>
-          <p:cNvPr id="5" name="Date Placeholder 4">
-            <a:extLst>
-              <a:ext uri="{FF2B5EF4-FFF2-40B4-BE49-F238E27FC236}">
-                <a16:creationId xmlns:a16="http://schemas.microsoft.com/office/drawing/2014/main" id="{69A3D1DE-65F9-4B93-97C2-9CF106572B74}"/>
-              </a:ext>
-            </a:extLst>
-          </p:cNvPr>
+          <p:cNvPr id="5" name="Date Placeholder 4"/>
           <p:cNvSpPr>
             <a:spLocks noGrp="1"/>
           </p:cNvSpPr>
@@ -2406,13 +4445,7 @@
       </p:sp>
       <p:sp>
         <p:nvSpPr>
-          <p:cNvPr id="6" name="Footer Placeholder 5">
-            <a:extLst>
-              <a:ext uri="{FF2B5EF4-FFF2-40B4-BE49-F238E27FC236}">
-                <a16:creationId xmlns:a16="http://schemas.microsoft.com/office/drawing/2014/main" id="{C41CF2A2-0957-41C4-BDF1-DB3D1F17B648}"/>
-              </a:ext>
-            </a:extLst>
-          </p:cNvPr>
+          <p:cNvPr id="6" name="Footer Placeholder 5"/>
           <p:cNvSpPr>
             <a:spLocks noGrp="1"/>
           </p:cNvSpPr>
@@ -2431,13 +4464,7 @@
       </p:sp>
       <p:sp>
         <p:nvSpPr>
-          <p:cNvPr id="7" name="Slide Number Placeholder 6">
-            <a:extLst>
-              <a:ext uri="{FF2B5EF4-FFF2-40B4-BE49-F238E27FC236}">
-                <a16:creationId xmlns:a16="http://schemas.microsoft.com/office/drawing/2014/main" id="{C8B97544-54EE-4E2F-9330-0499B9CA219A}"/>
-              </a:ext>
-            </a:extLst>
-          </p:cNvPr>
+          <p:cNvPr id="7" name="Slide Number Placeholder 6"/>
           <p:cNvSpPr>
             <a:spLocks noGrp="1"/>
           </p:cNvSpPr>
@@ -2461,7 +4488,7 @@
     </p:spTree>
     <p:extLst>
       <p:ext uri="{BB962C8B-B14F-4D97-AF65-F5344CB8AC3E}">
-        <p14:creationId xmlns:p14="http://schemas.microsoft.com/office/powerpoint/2010/main" val="2211949697"/>
+        <p14:creationId xmlns:p14="http://schemas.microsoft.com/office/powerpoint/2010/main" val="1206161936"/>
       </p:ext>
     </p:extLst>
   </p:cSld>
@@ -2490,13 +4517,7 @@
       </p:grpSpPr>
       <p:sp>
         <p:nvSpPr>
-          <p:cNvPr id="2" name="Title 1">
-            <a:extLst>
-              <a:ext uri="{FF2B5EF4-FFF2-40B4-BE49-F238E27FC236}">
-                <a16:creationId xmlns:a16="http://schemas.microsoft.com/office/drawing/2014/main" id="{DE1CF44D-3E07-4ED5-B6BA-F1A84F7E884F}"/>
-              </a:ext>
-            </a:extLst>
-          </p:cNvPr>
+          <p:cNvPr id="2" name="Title 1"/>
           <p:cNvSpPr>
             <a:spLocks noGrp="1"/>
           </p:cNvSpPr>
@@ -2506,15 +4527,17 @@
         </p:nvSpPr>
         <p:spPr>
           <a:xfrm>
-            <a:off x="839788" y="457200"/>
-            <a:ext cx="3932237" cy="1600200"/>
+            <a:off x="1141411" y="1600200"/>
+            <a:ext cx="5334001" cy="1371600"/>
           </a:xfrm>
         </p:spPr>
         <p:txBody>
-          <a:bodyPr anchor="b"/>
+          <a:bodyPr anchor="b">
+            <a:normAutofit/>
+          </a:bodyPr>
           <a:lstStyle>
-            <a:lvl1pPr>
-              <a:defRPr sz="3200"/>
+            <a:lvl1pPr algn="l">
+              <a:defRPr sz="2800" b="0"/>
             </a:lvl1pPr>
           </a:lstStyle>
           <a:p>
@@ -2522,21 +4545,15 @@
               <a:rPr lang="en-US"/>
               <a:t>Click to edit Master title style</a:t>
             </a:r>
-            <a:endParaRPr lang="en-IE"/>
-          </a:p>
-        </p:txBody>
-      </p:sp>
-      <p:sp>
-        <p:nvSpPr>
-          <p:cNvPr id="3" name="Picture Placeholder 2">
-            <a:extLst>
-              <a:ext uri="{FF2B5EF4-FFF2-40B4-BE49-F238E27FC236}">
-                <a16:creationId xmlns:a16="http://schemas.microsoft.com/office/drawing/2014/main" id="{D52FBF7E-1B59-40EA-936F-2E52F8D2127F}"/>
-              </a:ext>
-            </a:extLst>
-          </p:cNvPr>
-          <p:cNvSpPr>
-            <a:spLocks noGrp="1"/>
+            <a:endParaRPr lang="en-US" dirty="0"/>
+          </a:p>
+        </p:txBody>
+      </p:sp>
+      <p:sp>
+        <p:nvSpPr>
+          <p:cNvPr id="14" name="Picture Placeholder 2"/>
+          <p:cNvSpPr>
+            <a:spLocks noGrp="1" noChangeAspect="1"/>
           </p:cNvSpPr>
           <p:nvPr>
             <p:ph type="pic" idx="1"/>
@@ -2544,118 +4561,143 @@
         </p:nvSpPr>
         <p:spPr>
           <a:xfrm>
-            <a:off x="5183188" y="987425"/>
-            <a:ext cx="6172200" cy="4873625"/>
+            <a:off x="7433733" y="-18288"/>
+            <a:ext cx="3276599" cy="6903720"/>
           </a:xfrm>
+          <a:ln w="38100">
+            <a:gradFill flip="none" rotWithShape="1">
+              <a:gsLst>
+                <a:gs pos="0">
+                  <a:schemeClr val="bg2"/>
+                </a:gs>
+                <a:gs pos="100000">
+                  <a:schemeClr val="bg2">
+                    <a:lumMod val="75000"/>
+                  </a:schemeClr>
+                </a:gs>
+              </a:gsLst>
+              <a:lin ang="5400000" scaled="0"/>
+              <a:tileRect/>
+            </a:gradFill>
+          </a:ln>
+          <a:effectLst>
+            <a:innerShdw blurRad="57150" dist="38100" dir="10800000">
+              <a:srgbClr val="000000">
+                <a:alpha val="70000"/>
+              </a:srgbClr>
+            </a:innerShdw>
+          </a:effectLst>
         </p:spPr>
         <p:txBody>
-          <a:bodyPr/>
+          <a:bodyPr anchor="t">
+            <a:normAutofit/>
+          </a:bodyPr>
           <a:lstStyle>
-            <a:lvl1pPr marL="0" indent="0">
-              <a:buNone/>
-              <a:defRPr sz="3200"/>
-            </a:lvl1pPr>
-            <a:lvl2pPr marL="457200" indent="0">
-              <a:buNone/>
-              <a:defRPr sz="2800"/>
-            </a:lvl2pPr>
-            <a:lvl3pPr marL="914400" indent="0">
-              <a:buNone/>
-              <a:defRPr sz="2400"/>
-            </a:lvl3pPr>
-            <a:lvl4pPr marL="1371600" indent="0">
-              <a:buNone/>
-              <a:defRPr sz="2000"/>
-            </a:lvl4pPr>
-            <a:lvl5pPr marL="1828800" indent="0">
-              <a:buNone/>
-              <a:defRPr sz="2000"/>
-            </a:lvl5pPr>
-            <a:lvl6pPr marL="2286000" indent="0">
-              <a:buNone/>
-              <a:defRPr sz="2000"/>
-            </a:lvl6pPr>
-            <a:lvl7pPr marL="2743200" indent="0">
-              <a:buNone/>
-              <a:defRPr sz="2000"/>
-            </a:lvl7pPr>
-            <a:lvl8pPr marL="3200400" indent="0">
-              <a:buNone/>
-              <a:defRPr sz="2000"/>
-            </a:lvl8pPr>
-            <a:lvl9pPr marL="3657600" indent="0">
-              <a:buNone/>
-              <a:defRPr sz="2000"/>
-            </a:lvl9pPr>
-          </a:lstStyle>
-          <a:p>
-            <a:endParaRPr lang="en-IE"/>
-          </a:p>
-        </p:txBody>
-      </p:sp>
-      <p:sp>
-        <p:nvSpPr>
-          <p:cNvPr id="4" name="Text Placeholder 3">
-            <a:extLst>
-              <a:ext uri="{FF2B5EF4-FFF2-40B4-BE49-F238E27FC236}">
-                <a16:creationId xmlns:a16="http://schemas.microsoft.com/office/drawing/2014/main" id="{CAD20785-C8FB-450A-B519-E770EC9717FD}"/>
-              </a:ext>
-            </a:extLst>
-          </p:cNvPr>
-          <p:cNvSpPr>
-            <a:spLocks noGrp="1"/>
-          </p:cNvSpPr>
-          <p:nvPr>
-            <p:ph type="body" sz="half" idx="2"/>
-          </p:nvPr>
-        </p:nvSpPr>
-        <p:spPr>
-          <a:xfrm>
-            <a:off x="839788" y="2057400"/>
-            <a:ext cx="3932237" cy="3811588"/>
-          </a:xfrm>
-        </p:spPr>
-        <p:txBody>
-          <a:bodyPr/>
-          <a:lstStyle>
-            <a:lvl1pPr marL="0" indent="0">
+            <a:lvl1pPr marL="0" indent="0" algn="ctr">
               <a:buNone/>
               <a:defRPr sz="1600"/>
             </a:lvl1pPr>
             <a:lvl2pPr marL="457200" indent="0">
               <a:buNone/>
-              <a:defRPr sz="1400"/>
+              <a:defRPr sz="1600"/>
             </a:lvl2pPr>
             <a:lvl3pPr marL="914400" indent="0">
               <a:buNone/>
-              <a:defRPr sz="1200"/>
+              <a:defRPr sz="1600"/>
             </a:lvl3pPr>
             <a:lvl4pPr marL="1371600" indent="0">
               <a:buNone/>
-              <a:defRPr sz="1000"/>
+              <a:defRPr sz="1600"/>
             </a:lvl4pPr>
             <a:lvl5pPr marL="1828800" indent="0">
               <a:buNone/>
-              <a:defRPr sz="1000"/>
+              <a:defRPr sz="1600"/>
             </a:lvl5pPr>
             <a:lvl6pPr marL="2286000" indent="0">
               <a:buNone/>
-              <a:defRPr sz="1000"/>
+              <a:defRPr sz="1600"/>
             </a:lvl6pPr>
             <a:lvl7pPr marL="2743200" indent="0">
               <a:buNone/>
-              <a:defRPr sz="1000"/>
+              <a:defRPr sz="1600"/>
             </a:lvl7pPr>
             <a:lvl8pPr marL="3200400" indent="0">
               <a:buNone/>
-              <a:defRPr sz="1000"/>
+              <a:defRPr sz="1600"/>
             </a:lvl8pPr>
             <a:lvl9pPr marL="3657600" indent="0">
               <a:buNone/>
-              <a:defRPr sz="1000"/>
+              <a:defRPr sz="1600"/>
             </a:lvl9pPr>
           </a:lstStyle>
           <a:p>
+            <a:r>
+              <a:rPr lang="en-US"/>
+              <a:t>Click icon to add picture</a:t>
+            </a:r>
+            <a:endParaRPr lang="en-US" dirty="0"/>
+          </a:p>
+        </p:txBody>
+      </p:sp>
+      <p:sp>
+        <p:nvSpPr>
+          <p:cNvPr id="4" name="Text Placeholder 3"/>
+          <p:cNvSpPr>
+            <a:spLocks noGrp="1"/>
+          </p:cNvSpPr>
+          <p:nvPr>
+            <p:ph type="body" sz="half" idx="2"/>
+          </p:nvPr>
+        </p:nvSpPr>
+        <p:spPr>
+          <a:xfrm>
+            <a:off x="1141411" y="2971800"/>
+            <a:ext cx="5334001" cy="1828800"/>
+          </a:xfrm>
+        </p:spPr>
+        <p:txBody>
+          <a:bodyPr>
+            <a:normAutofit/>
+          </a:bodyPr>
+          <a:lstStyle>
+            <a:lvl1pPr marL="0" indent="0">
+              <a:buNone/>
+              <a:defRPr sz="1800"/>
+            </a:lvl1pPr>
+            <a:lvl2pPr marL="457200" indent="0">
+              <a:buNone/>
+              <a:defRPr sz="1200"/>
+            </a:lvl2pPr>
+            <a:lvl3pPr marL="914400" indent="0">
+              <a:buNone/>
+              <a:defRPr sz="1000"/>
+            </a:lvl3pPr>
+            <a:lvl4pPr marL="1371600" indent="0">
+              <a:buNone/>
+              <a:defRPr sz="900"/>
+            </a:lvl4pPr>
+            <a:lvl5pPr marL="1828800" indent="0">
+              <a:buNone/>
+              <a:defRPr sz="900"/>
+            </a:lvl5pPr>
+            <a:lvl6pPr marL="2286000" indent="0">
+              <a:buNone/>
+              <a:defRPr sz="900"/>
+            </a:lvl6pPr>
+            <a:lvl7pPr marL="2743200" indent="0">
+              <a:buNone/>
+              <a:defRPr sz="900"/>
+            </a:lvl7pPr>
+            <a:lvl8pPr marL="3200400" indent="0">
+              <a:buNone/>
+              <a:defRPr sz="900"/>
+            </a:lvl8pPr>
+            <a:lvl9pPr marL="3657600" indent="0">
+              <a:buNone/>
+              <a:defRPr sz="900"/>
+            </a:lvl9pPr>
+          </a:lstStyle>
+          <a:p>
             <a:pPr lvl="0"/>
             <a:r>
               <a:rPr lang="en-US"/>
@@ -2666,13 +4708,7 @@
       </p:sp>
       <p:sp>
         <p:nvSpPr>
-          <p:cNvPr id="5" name="Date Placeholder 4">
-            <a:extLst>
-              <a:ext uri="{FF2B5EF4-FFF2-40B4-BE49-F238E27FC236}">
-                <a16:creationId xmlns:a16="http://schemas.microsoft.com/office/drawing/2014/main" id="{ACF25EC2-415B-4AD3-A246-AAC322152C57}"/>
-              </a:ext>
-            </a:extLst>
-          </p:cNvPr>
+          <p:cNvPr id="5" name="Date Placeholder 4"/>
           <p:cNvSpPr>
             <a:spLocks noGrp="1"/>
           </p:cNvSpPr>
@@ -2680,7 +4716,12 @@
             <p:ph type="dt" sz="half" idx="10"/>
           </p:nvPr>
         </p:nvSpPr>
-        <p:spPr/>
+        <p:spPr>
+          <a:xfrm>
+            <a:off x="6399212" y="5883275"/>
+            <a:ext cx="914400" cy="365125"/>
+          </a:xfrm>
+        </p:spPr>
         <p:txBody>
           <a:bodyPr/>
           <a:lstStyle/>
@@ -2695,13 +4736,7 @@
       </p:sp>
       <p:sp>
         <p:nvSpPr>
-          <p:cNvPr id="6" name="Footer Placeholder 5">
-            <a:extLst>
-              <a:ext uri="{FF2B5EF4-FFF2-40B4-BE49-F238E27FC236}">
-                <a16:creationId xmlns:a16="http://schemas.microsoft.com/office/drawing/2014/main" id="{96AB296B-3576-4067-B461-292056B5CE76}"/>
-              </a:ext>
-            </a:extLst>
-          </p:cNvPr>
+          <p:cNvPr id="6" name="Footer Placeholder 5"/>
           <p:cNvSpPr>
             <a:spLocks noGrp="1"/>
           </p:cNvSpPr>
@@ -2709,7 +4744,12 @@
             <p:ph type="ftr" sz="quarter" idx="11"/>
           </p:nvPr>
         </p:nvSpPr>
-        <p:spPr/>
+        <p:spPr>
+          <a:xfrm>
+            <a:off x="1141412" y="5883275"/>
+            <a:ext cx="5105400" cy="365125"/>
+          </a:xfrm>
+        </p:spPr>
         <p:txBody>
           <a:bodyPr/>
           <a:lstStyle/>
@@ -2720,13 +4760,7 @@
       </p:sp>
       <p:sp>
         <p:nvSpPr>
-          <p:cNvPr id="7" name="Slide Number Placeholder 6">
-            <a:extLst>
-              <a:ext uri="{FF2B5EF4-FFF2-40B4-BE49-F238E27FC236}">
-                <a16:creationId xmlns:a16="http://schemas.microsoft.com/office/drawing/2014/main" id="{CEB9EEC1-70EF-4F20-9FEF-0B971F193D25}"/>
-              </a:ext>
-            </a:extLst>
-          </p:cNvPr>
+          <p:cNvPr id="7" name="Slide Number Placeholder 6"/>
           <p:cNvSpPr>
             <a:spLocks noGrp="1"/>
           </p:cNvSpPr>
@@ -2734,7 +4768,12 @@
             <p:ph type="sldNum" sz="quarter" idx="12"/>
           </p:nvPr>
         </p:nvSpPr>
-        <p:spPr/>
+        <p:spPr>
+          <a:xfrm>
+            <a:off x="10742612" y="5883275"/>
+            <a:ext cx="322567" cy="365125"/>
+          </a:xfrm>
+        </p:spPr>
         <p:txBody>
           <a:bodyPr/>
           <a:lstStyle/>
@@ -2750,7 +4789,7 @@
     </p:spTree>
     <p:extLst>
       <p:ext uri="{BB962C8B-B14F-4D97-AF65-F5344CB8AC3E}">
-        <p14:creationId xmlns:p14="http://schemas.microsoft.com/office/powerpoint/2010/main" val="1053862663"/>
+        <p14:creationId xmlns:p14="http://schemas.microsoft.com/office/powerpoint/2010/main" val="1902510378"/>
       </p:ext>
     </p:extLst>
   </p:cSld>
@@ -2764,8 +4803,8 @@
 <p:sldMaster xmlns:a="http://schemas.openxmlformats.org/drawingml/2006/main" xmlns:r="http://schemas.openxmlformats.org/officeDocument/2006/relationships" xmlns:p="http://schemas.openxmlformats.org/presentationml/2006/main">
   <p:cSld>
     <p:bg>
-      <p:bgRef idx="1001">
-        <a:schemeClr val="bg1"/>
+      <p:bgRef idx="1003">
+        <a:schemeClr val="bg2"/>
       </p:bgRef>
     </p:bg>
     <p:spTree>
@@ -2784,13 +4823,7 @@
       </p:grpSpPr>
       <p:sp>
         <p:nvSpPr>
-          <p:cNvPr id="2" name="Title Placeholder 1">
-            <a:extLst>
-              <a:ext uri="{FF2B5EF4-FFF2-40B4-BE49-F238E27FC236}">
-                <a16:creationId xmlns:a16="http://schemas.microsoft.com/office/drawing/2014/main" id="{5E0B2F38-0EA9-4827-A82C-ABE240E614A5}"/>
-              </a:ext>
-            </a:extLst>
-          </p:cNvPr>
+          <p:cNvPr id="2" name="Title Placeholder 1"/>
           <p:cNvSpPr>
             <a:spLocks noGrp="1"/>
           </p:cNvSpPr>
@@ -2800,8 +4833,8 @@
         </p:nvSpPr>
         <p:spPr>
           <a:xfrm>
-            <a:off x="838200" y="365125"/>
-            <a:ext cx="10515600" cy="1325563"/>
+            <a:off x="1141413" y="609600"/>
+            <a:ext cx="9905998" cy="1905000"/>
           </a:xfrm>
           <a:prstGeom prst="rect">
             <a:avLst/>
@@ -2817,19 +4850,13 @@
               <a:rPr lang="en-US"/>
               <a:t>Click to edit Master title style</a:t>
             </a:r>
-            <a:endParaRPr lang="en-IE"/>
-          </a:p>
-        </p:txBody>
-      </p:sp>
-      <p:sp>
-        <p:nvSpPr>
-          <p:cNvPr id="3" name="Text Placeholder 2">
-            <a:extLst>
-              <a:ext uri="{FF2B5EF4-FFF2-40B4-BE49-F238E27FC236}">
-                <a16:creationId xmlns:a16="http://schemas.microsoft.com/office/drawing/2014/main" id="{569BF6EB-00A6-4778-B178-78F24257492E}"/>
-              </a:ext>
-            </a:extLst>
-          </p:cNvPr>
+            <a:endParaRPr lang="en-US" dirty="0"/>
+          </a:p>
+        </p:txBody>
+      </p:sp>
+      <p:sp>
+        <p:nvSpPr>
+          <p:cNvPr id="3" name="Text Placeholder 2"/>
           <p:cNvSpPr>
             <a:spLocks noGrp="1"/>
           </p:cNvSpPr>
@@ -2839,15 +4866,15 @@
         </p:nvSpPr>
         <p:spPr>
           <a:xfrm>
-            <a:off x="838200" y="1825625"/>
-            <a:ext cx="10515600" cy="4351338"/>
+            <a:off x="1141413" y="2666999"/>
+            <a:ext cx="9905998" cy="3124201"/>
           </a:xfrm>
           <a:prstGeom prst="rect">
             <a:avLst/>
           </a:prstGeom>
         </p:spPr>
         <p:txBody>
-          <a:bodyPr vert="horz" lIns="91440" tIns="45720" rIns="91440" bIns="45720" rtlCol="0">
+          <a:bodyPr vert="horz" lIns="91440" tIns="45720" rIns="91440" bIns="45720" rtlCol="0" anchor="ctr">
             <a:normAutofit/>
           </a:bodyPr>
           <a:lstStyle/>
@@ -2885,19 +4912,13 @@
               <a:rPr lang="en-US"/>
               <a:t>Fifth level</a:t>
             </a:r>
-            <a:endParaRPr lang="en-IE"/>
-          </a:p>
-        </p:txBody>
-      </p:sp>
-      <p:sp>
-        <p:nvSpPr>
-          <p:cNvPr id="4" name="Date Placeholder 3">
-            <a:extLst>
-              <a:ext uri="{FF2B5EF4-FFF2-40B4-BE49-F238E27FC236}">
-                <a16:creationId xmlns:a16="http://schemas.microsoft.com/office/drawing/2014/main" id="{07933244-4E67-400A-B1A1-660799DB9521}"/>
-              </a:ext>
-            </a:extLst>
-          </p:cNvPr>
+            <a:endParaRPr lang="en-US" dirty="0"/>
+          </a:p>
+        </p:txBody>
+      </p:sp>
+      <p:sp>
+        <p:nvSpPr>
+          <p:cNvPr id="4" name="Date Placeholder 3"/>
           <p:cNvSpPr>
             <a:spLocks noGrp="1"/>
           </p:cNvSpPr>
@@ -2907,8 +4928,8 @@
         </p:nvSpPr>
         <p:spPr>
           <a:xfrm>
-            <a:off x="838200" y="6356350"/>
-            <a:ext cx="2743200" cy="365125"/>
+            <a:off x="8837612" y="5883275"/>
+            <a:ext cx="1600200" cy="365125"/>
           </a:xfrm>
           <a:prstGeom prst="rect">
             <a:avLst/>
@@ -2917,13 +4938,21 @@
         <p:txBody>
           <a:bodyPr vert="horz" lIns="91440" tIns="45720" rIns="91440" bIns="45720" rtlCol="0" anchor="ctr"/>
           <a:lstStyle>
-            <a:lvl1pPr algn="l">
-              <a:defRPr sz="1200">
+            <a:lvl1pPr algn="r">
+              <a:defRPr sz="900" b="1" i="0">
                 <a:solidFill>
                   <a:schemeClr val="tx1">
-                    <a:tint val="75000"/>
+                    <a:lumMod val="75000"/>
                   </a:schemeClr>
                 </a:solidFill>
+                <a:effectLst>
+                  <a:outerShdw blurRad="50800" dist="38100" dir="2700000" algn="tl" rotWithShape="0">
+                    <a:srgbClr val="000000">
+                      <a:alpha val="43000"/>
+                    </a:srgbClr>
+                  </a:outerShdw>
+                </a:effectLst>
+                <a:latin typeface="+mn-lt"/>
               </a:defRPr>
             </a:lvl1pPr>
           </a:lstStyle>
@@ -2938,13 +4967,7 @@
       </p:sp>
       <p:sp>
         <p:nvSpPr>
-          <p:cNvPr id="5" name="Footer Placeholder 4">
-            <a:extLst>
-              <a:ext uri="{FF2B5EF4-FFF2-40B4-BE49-F238E27FC236}">
-                <a16:creationId xmlns:a16="http://schemas.microsoft.com/office/drawing/2014/main" id="{53B60840-0A63-4381-BB13-0AE500DBE1AD}"/>
-              </a:ext>
-            </a:extLst>
-          </p:cNvPr>
+          <p:cNvPr id="5" name="Footer Placeholder 4"/>
           <p:cNvSpPr>
             <a:spLocks noGrp="1"/>
           </p:cNvSpPr>
@@ -2954,8 +4977,8 @@
         </p:nvSpPr>
         <p:spPr>
           <a:xfrm>
-            <a:off x="4038600" y="6356350"/>
-            <a:ext cx="4114800" cy="365125"/>
+            <a:off x="1141412" y="5883275"/>
+            <a:ext cx="7543800" cy="365125"/>
           </a:xfrm>
           <a:prstGeom prst="rect">
             <a:avLst/>
@@ -2964,13 +4987,21 @@
         <p:txBody>
           <a:bodyPr vert="horz" lIns="91440" tIns="45720" rIns="91440" bIns="45720" rtlCol="0" anchor="ctr"/>
           <a:lstStyle>
-            <a:lvl1pPr algn="ctr">
-              <a:defRPr sz="1200">
+            <a:lvl1pPr algn="l">
+              <a:defRPr sz="900" b="1" i="0">
                 <a:solidFill>
                   <a:schemeClr val="tx1">
-                    <a:tint val="75000"/>
+                    <a:lumMod val="75000"/>
                   </a:schemeClr>
                 </a:solidFill>
+                <a:effectLst>
+                  <a:outerShdw blurRad="50800" dist="38100" dir="2700000" algn="tl" rotWithShape="0">
+                    <a:srgbClr val="000000">
+                      <a:alpha val="43000"/>
+                    </a:srgbClr>
+                  </a:outerShdw>
+                </a:effectLst>
+                <a:latin typeface="+mn-lt"/>
               </a:defRPr>
             </a:lvl1pPr>
           </a:lstStyle>
@@ -2981,13 +5012,7 @@
       </p:sp>
       <p:sp>
         <p:nvSpPr>
-          <p:cNvPr id="6" name="Slide Number Placeholder 5">
-            <a:extLst>
-              <a:ext uri="{FF2B5EF4-FFF2-40B4-BE49-F238E27FC236}">
-                <a16:creationId xmlns:a16="http://schemas.microsoft.com/office/drawing/2014/main" id="{83835A45-2E7E-4D77-908B-617FF09558B9}"/>
-              </a:ext>
-            </a:extLst>
-          </p:cNvPr>
+          <p:cNvPr id="6" name="Slide Number Placeholder 5"/>
           <p:cNvSpPr>
             <a:spLocks noGrp="1"/>
           </p:cNvSpPr>
@@ -2997,8 +5022,8 @@
         </p:nvSpPr>
         <p:spPr>
           <a:xfrm>
-            <a:off x="8610600" y="6356350"/>
-            <a:ext cx="2743200" cy="365125"/>
+            <a:off x="10514012" y="5883275"/>
+            <a:ext cx="551167" cy="365125"/>
           </a:xfrm>
           <a:prstGeom prst="rect">
             <a:avLst/>
@@ -3008,12 +5033,20 @@
           <a:bodyPr vert="horz" lIns="91440" tIns="45720" rIns="91440" bIns="45720" rtlCol="0" anchor="ctr"/>
           <a:lstStyle>
             <a:lvl1pPr algn="r">
-              <a:defRPr sz="1200">
+              <a:defRPr sz="900" b="1" i="0">
                 <a:solidFill>
                   <a:schemeClr val="tx1">
-                    <a:tint val="75000"/>
+                    <a:lumMod val="75000"/>
                   </a:schemeClr>
                 </a:solidFill>
+                <a:effectLst>
+                  <a:outerShdw blurRad="50800" dist="38100" dir="2700000" algn="tl" rotWithShape="0">
+                    <a:srgbClr val="000000">
+                      <a:alpha val="43000"/>
+                    </a:srgbClr>
+                  </a:outerShdw>
+                </a:effectLst>
+                <a:latin typeface="+mn-lt"/>
               </a:defRPr>
             </a:lvl1pPr>
           </a:lstStyle>
@@ -3029,202 +5062,550 @@
     </p:spTree>
     <p:extLst>
       <p:ext uri="{BB962C8B-B14F-4D97-AF65-F5344CB8AC3E}">
-        <p14:creationId xmlns:p14="http://schemas.microsoft.com/office/powerpoint/2010/main" val="3741697649"/>
+        <p14:creationId xmlns:p14="http://schemas.microsoft.com/office/powerpoint/2010/main" val="1255283"/>
       </p:ext>
     </p:extLst>
   </p:cSld>
-  <p:clrMap bg1="lt1" tx1="dk1" bg2="lt2" tx2="dk2" accent1="accent1" accent2="accent2" accent3="accent3" accent4="accent4" accent5="accent5" accent6="accent6" hlink="hlink" folHlink="folHlink"/>
+  <p:clrMap bg1="dk1" tx1="lt1" bg2="dk2" tx2="lt2" accent1="accent1" accent2="accent2" accent3="accent3" accent4="accent4" accent5="accent5" accent6="accent6" hlink="hlink" folHlink="folHlink"/>
   <p:sldLayoutIdLst>
-    <p:sldLayoutId id="2147483649" r:id="rId1"/>
-    <p:sldLayoutId id="2147483650" r:id="rId2"/>
-    <p:sldLayoutId id="2147483651" r:id="rId3"/>
-    <p:sldLayoutId id="2147483652" r:id="rId4"/>
-    <p:sldLayoutId id="2147483653" r:id="rId5"/>
-    <p:sldLayoutId id="2147483654" r:id="rId6"/>
-    <p:sldLayoutId id="2147483655" r:id="rId7"/>
-    <p:sldLayoutId id="2147483656" r:id="rId8"/>
-    <p:sldLayoutId id="2147483657" r:id="rId9"/>
-    <p:sldLayoutId id="2147483658" r:id="rId10"/>
-    <p:sldLayoutId id="2147483659" r:id="rId11"/>
+    <p:sldLayoutId id="2147483661" r:id="rId1"/>
+    <p:sldLayoutId id="2147483662" r:id="rId2"/>
+    <p:sldLayoutId id="2147483663" r:id="rId3"/>
+    <p:sldLayoutId id="2147483664" r:id="rId4"/>
+    <p:sldLayoutId id="2147483665" r:id="rId5"/>
+    <p:sldLayoutId id="2147483666" r:id="rId6"/>
+    <p:sldLayoutId id="2147483667" r:id="rId7"/>
+    <p:sldLayoutId id="2147483668" r:id="rId8"/>
+    <p:sldLayoutId id="2147483669" r:id="rId9"/>
+    <p:sldLayoutId id="2147483670" r:id="rId10"/>
+    <p:sldLayoutId id="2147483671" r:id="rId11"/>
+    <p:sldLayoutId id="2147483672" r:id="rId12"/>
+    <p:sldLayoutId id="2147483673" r:id="rId13"/>
+    <p:sldLayoutId id="2147483674" r:id="rId14"/>
+    <p:sldLayoutId id="2147483675" r:id="rId15"/>
+    <p:sldLayoutId id="2147483676" r:id="rId16"/>
+    <p:sldLayoutId id="2147483677" r:id="rId17"/>
   </p:sldLayoutIdLst>
   <p:txStyles>
     <p:titleStyle>
-      <a:lvl1pPr algn="l" defTabSz="914400" rtl="0" eaLnBrk="1" latinLnBrk="0" hangingPunct="1">
-        <a:lnSpc>
-          <a:spcPct val="90000"/>
-        </a:lnSpc>
+      <a:lvl1pPr algn="l" defTabSz="457200" rtl="0" eaLnBrk="1" latinLnBrk="0" hangingPunct="1">
         <a:spcBef>
           <a:spcPct val="0"/>
         </a:spcBef>
         <a:buNone/>
-        <a:defRPr sz="4400" kern="1200">
-          <a:solidFill>
-            <a:schemeClr val="tx1"/>
-          </a:solidFill>
+        <a:defRPr sz="3200" kern="1200" cap="all">
+          <a:ln w="3175" cmpd="sng">
+            <a:noFill/>
+          </a:ln>
+          <a:gradFill flip="none" rotWithShape="1">
+            <a:gsLst>
+              <a:gs pos="0">
+                <a:schemeClr val="tx1"/>
+              </a:gs>
+              <a:gs pos="100000">
+                <a:schemeClr val="tx1">
+                  <a:lumMod val="65000"/>
+                </a:schemeClr>
+              </a:gs>
+            </a:gsLst>
+            <a:lin ang="5580000" scaled="0"/>
+            <a:tileRect/>
+          </a:gradFill>
+          <a:effectLst>
+            <a:glow rad="38100">
+              <a:schemeClr val="bg1">
+                <a:lumMod val="65000"/>
+                <a:lumOff val="35000"/>
+                <a:alpha val="40000"/>
+              </a:schemeClr>
+            </a:glow>
+            <a:outerShdw blurRad="28575" dist="38100" dir="14040000" algn="tl" rotWithShape="0">
+              <a:srgbClr val="000000">
+                <a:alpha val="25000"/>
+              </a:srgbClr>
+            </a:outerShdw>
+          </a:effectLst>
           <a:latin typeface="+mj-lt"/>
           <a:ea typeface="+mj-ea"/>
           <a:cs typeface="+mj-cs"/>
         </a:defRPr>
       </a:lvl1pPr>
+      <a:lvl2pPr eaLnBrk="1" hangingPunct="1">
+        <a:defRPr>
+          <a:solidFill>
+            <a:schemeClr val="tx2"/>
+          </a:solidFill>
+        </a:defRPr>
+      </a:lvl2pPr>
+      <a:lvl3pPr eaLnBrk="1" hangingPunct="1">
+        <a:defRPr>
+          <a:solidFill>
+            <a:schemeClr val="tx2"/>
+          </a:solidFill>
+        </a:defRPr>
+      </a:lvl3pPr>
+      <a:lvl4pPr eaLnBrk="1" hangingPunct="1">
+        <a:defRPr>
+          <a:solidFill>
+            <a:schemeClr val="tx2"/>
+          </a:solidFill>
+        </a:defRPr>
+      </a:lvl4pPr>
+      <a:lvl5pPr eaLnBrk="1" hangingPunct="1">
+        <a:defRPr>
+          <a:solidFill>
+            <a:schemeClr val="tx2"/>
+          </a:solidFill>
+        </a:defRPr>
+      </a:lvl5pPr>
+      <a:lvl6pPr eaLnBrk="1" hangingPunct="1">
+        <a:defRPr>
+          <a:solidFill>
+            <a:schemeClr val="tx2"/>
+          </a:solidFill>
+        </a:defRPr>
+      </a:lvl6pPr>
+      <a:lvl7pPr eaLnBrk="1" hangingPunct="1">
+        <a:defRPr>
+          <a:solidFill>
+            <a:schemeClr val="tx2"/>
+          </a:solidFill>
+        </a:defRPr>
+      </a:lvl7pPr>
+      <a:lvl8pPr eaLnBrk="1" hangingPunct="1">
+        <a:defRPr>
+          <a:solidFill>
+            <a:schemeClr val="tx2"/>
+          </a:solidFill>
+        </a:defRPr>
+      </a:lvl8pPr>
+      <a:lvl9pPr eaLnBrk="1" hangingPunct="1">
+        <a:defRPr>
+          <a:solidFill>
+            <a:schemeClr val="tx2"/>
+          </a:solidFill>
+        </a:defRPr>
+      </a:lvl9pPr>
     </p:titleStyle>
     <p:bodyStyle>
-      <a:lvl1pPr marL="228600" indent="-228600" algn="l" defTabSz="914400" rtl="0" eaLnBrk="1" latinLnBrk="0" hangingPunct="1">
-        <a:lnSpc>
-          <a:spcPct val="90000"/>
-        </a:lnSpc>
+      <a:lvl1pPr marL="285750" indent="-285750" algn="l" defTabSz="457200" rtl="0" eaLnBrk="1" latinLnBrk="0" hangingPunct="1">
         <a:spcBef>
-          <a:spcPts val="1000"/>
+          <a:spcPct val="20000"/>
         </a:spcBef>
-        <a:buFont typeface="Arial" panose="020B0604020202020204" pitchFamily="34" charset="0"/>
+        <a:spcAft>
+          <a:spcPts val="600"/>
+        </a:spcAft>
+        <a:buClr>
+          <a:schemeClr val="tx1"/>
+        </a:buClr>
+        <a:buSzPct val="100000"/>
+        <a:buFont typeface="Arial"/>
         <a:buChar char="•"/>
-        <a:defRPr sz="2800" kern="1200">
-          <a:solidFill>
-            <a:schemeClr val="tx1"/>
-          </a:solidFill>
+        <a:defRPr sz="2000" kern="1200" cap="small">
+          <a:gradFill flip="none" rotWithShape="1">
+            <a:gsLst>
+              <a:gs pos="0">
+                <a:schemeClr val="tx1"/>
+              </a:gs>
+              <a:gs pos="100000">
+                <a:schemeClr val="tx1">
+                  <a:lumMod val="75000"/>
+                </a:schemeClr>
+              </a:gs>
+            </a:gsLst>
+            <a:lin ang="5580000" scaled="0"/>
+            <a:tileRect/>
+          </a:gradFill>
+          <a:effectLst>
+            <a:glow rad="38100">
+              <a:schemeClr val="bg1">
+                <a:lumMod val="50000"/>
+                <a:lumOff val="50000"/>
+                <a:alpha val="20000"/>
+              </a:schemeClr>
+            </a:glow>
+            <a:outerShdw blurRad="44450" dist="12700" dir="13860000" algn="tl" rotWithShape="0">
+              <a:srgbClr val="000000">
+                <a:alpha val="20000"/>
+              </a:srgbClr>
+            </a:outerShdw>
+          </a:effectLst>
           <a:latin typeface="+mn-lt"/>
           <a:ea typeface="+mn-ea"/>
           <a:cs typeface="+mn-cs"/>
         </a:defRPr>
       </a:lvl1pPr>
-      <a:lvl2pPr marL="685800" indent="-228600" algn="l" defTabSz="914400" rtl="0" eaLnBrk="1" latinLnBrk="0" hangingPunct="1">
-        <a:lnSpc>
-          <a:spcPct val="90000"/>
-        </a:lnSpc>
+      <a:lvl2pPr marL="742950" indent="-285750" algn="l" defTabSz="457200" rtl="0" eaLnBrk="1" latinLnBrk="0" hangingPunct="1">
         <a:spcBef>
-          <a:spcPts val="500"/>
+          <a:spcPct val="20000"/>
         </a:spcBef>
-        <a:buFont typeface="Arial" panose="020B0604020202020204" pitchFamily="34" charset="0"/>
+        <a:spcAft>
+          <a:spcPts val="600"/>
+        </a:spcAft>
+        <a:buClr>
+          <a:schemeClr val="tx1"/>
+        </a:buClr>
+        <a:buSzPct val="100000"/>
+        <a:buFont typeface="Arial"/>
         <a:buChar char="•"/>
-        <a:defRPr sz="2400" kern="1200">
-          <a:solidFill>
-            <a:schemeClr val="tx1"/>
-          </a:solidFill>
+        <a:defRPr sz="1800" kern="1200" cap="small">
+          <a:gradFill flip="none" rotWithShape="1">
+            <a:gsLst>
+              <a:gs pos="0">
+                <a:schemeClr val="tx1"/>
+              </a:gs>
+              <a:gs pos="100000">
+                <a:schemeClr val="tx1">
+                  <a:lumMod val="75000"/>
+                </a:schemeClr>
+              </a:gs>
+            </a:gsLst>
+            <a:lin ang="5580000" scaled="0"/>
+            <a:tileRect/>
+          </a:gradFill>
+          <a:effectLst>
+            <a:glow rad="38100">
+              <a:schemeClr val="bg1">
+                <a:lumMod val="50000"/>
+                <a:lumOff val="50000"/>
+                <a:alpha val="20000"/>
+              </a:schemeClr>
+            </a:glow>
+            <a:outerShdw blurRad="44450" dist="12700" dir="13860000" algn="tl" rotWithShape="0">
+              <a:srgbClr val="000000">
+                <a:alpha val="20000"/>
+              </a:srgbClr>
+            </a:outerShdw>
+          </a:effectLst>
           <a:latin typeface="+mn-lt"/>
           <a:ea typeface="+mn-ea"/>
           <a:cs typeface="+mn-cs"/>
         </a:defRPr>
       </a:lvl2pPr>
-      <a:lvl3pPr marL="1143000" indent="-228600" algn="l" defTabSz="914400" rtl="0" eaLnBrk="1" latinLnBrk="0" hangingPunct="1">
-        <a:lnSpc>
-          <a:spcPct val="90000"/>
-        </a:lnSpc>
+      <a:lvl3pPr marL="1200150" indent="-285750" algn="l" defTabSz="457200" rtl="0" eaLnBrk="1" latinLnBrk="0" hangingPunct="1">
         <a:spcBef>
-          <a:spcPts val="500"/>
+          <a:spcPct val="20000"/>
         </a:spcBef>
-        <a:buFont typeface="Arial" panose="020B0604020202020204" pitchFamily="34" charset="0"/>
+        <a:spcAft>
+          <a:spcPts val="600"/>
+        </a:spcAft>
+        <a:buClr>
+          <a:schemeClr val="tx1"/>
+        </a:buClr>
+        <a:buSzPct val="100000"/>
+        <a:buFont typeface="Arial"/>
         <a:buChar char="•"/>
-        <a:defRPr sz="2000" kern="1200">
-          <a:solidFill>
-            <a:schemeClr val="tx1"/>
-          </a:solidFill>
+        <a:defRPr sz="1600" kern="1200" cap="small">
+          <a:gradFill flip="none" rotWithShape="1">
+            <a:gsLst>
+              <a:gs pos="0">
+                <a:schemeClr val="tx1"/>
+              </a:gs>
+              <a:gs pos="100000">
+                <a:schemeClr val="tx1">
+                  <a:lumMod val="75000"/>
+                </a:schemeClr>
+              </a:gs>
+            </a:gsLst>
+            <a:lin ang="5580000" scaled="0"/>
+            <a:tileRect/>
+          </a:gradFill>
+          <a:effectLst>
+            <a:glow rad="38100">
+              <a:schemeClr val="bg1">
+                <a:lumMod val="50000"/>
+                <a:lumOff val="50000"/>
+                <a:alpha val="20000"/>
+              </a:schemeClr>
+            </a:glow>
+            <a:outerShdw blurRad="44450" dist="12700" dir="13860000" algn="tl" rotWithShape="0">
+              <a:srgbClr val="000000">
+                <a:alpha val="20000"/>
+              </a:srgbClr>
+            </a:outerShdw>
+          </a:effectLst>
           <a:latin typeface="+mn-lt"/>
           <a:ea typeface="+mn-ea"/>
           <a:cs typeface="+mn-cs"/>
         </a:defRPr>
       </a:lvl3pPr>
-      <a:lvl4pPr marL="1600200" indent="-228600" algn="l" defTabSz="914400" rtl="0" eaLnBrk="1" latinLnBrk="0" hangingPunct="1">
-        <a:lnSpc>
-          <a:spcPct val="90000"/>
-        </a:lnSpc>
+      <a:lvl4pPr marL="1543050" indent="-171450" algn="l" defTabSz="457200" rtl="0" eaLnBrk="1" latinLnBrk="0" hangingPunct="1">
         <a:spcBef>
-          <a:spcPts val="500"/>
+          <a:spcPct val="20000"/>
         </a:spcBef>
-        <a:buFont typeface="Arial" panose="020B0604020202020204" pitchFamily="34" charset="0"/>
+        <a:spcAft>
+          <a:spcPts val="600"/>
+        </a:spcAft>
+        <a:buClr>
+          <a:schemeClr val="tx1"/>
+        </a:buClr>
+        <a:buSzPct val="100000"/>
+        <a:buFont typeface="Arial"/>
         <a:buChar char="•"/>
-        <a:defRPr sz="1800" kern="1200">
-          <a:solidFill>
-            <a:schemeClr val="tx1"/>
-          </a:solidFill>
+        <a:defRPr sz="1400" kern="1200" cap="small">
+          <a:gradFill flip="none" rotWithShape="1">
+            <a:gsLst>
+              <a:gs pos="0">
+                <a:schemeClr val="tx1"/>
+              </a:gs>
+              <a:gs pos="100000">
+                <a:schemeClr val="tx1">
+                  <a:lumMod val="75000"/>
+                </a:schemeClr>
+              </a:gs>
+            </a:gsLst>
+            <a:lin ang="5580000" scaled="0"/>
+            <a:tileRect/>
+          </a:gradFill>
+          <a:effectLst>
+            <a:glow rad="38100">
+              <a:schemeClr val="bg1">
+                <a:lumMod val="50000"/>
+                <a:lumOff val="50000"/>
+                <a:alpha val="20000"/>
+              </a:schemeClr>
+            </a:glow>
+            <a:outerShdw blurRad="44450" dist="12700" dir="13860000" algn="tl" rotWithShape="0">
+              <a:srgbClr val="000000">
+                <a:alpha val="20000"/>
+              </a:srgbClr>
+            </a:outerShdw>
+          </a:effectLst>
           <a:latin typeface="+mn-lt"/>
           <a:ea typeface="+mn-ea"/>
           <a:cs typeface="+mn-cs"/>
         </a:defRPr>
       </a:lvl4pPr>
-      <a:lvl5pPr marL="2057400" indent="-228600" algn="l" defTabSz="914400" rtl="0" eaLnBrk="1" latinLnBrk="0" hangingPunct="1">
-        <a:lnSpc>
-          <a:spcPct val="90000"/>
-        </a:lnSpc>
+      <a:lvl5pPr marL="2000250" indent="-171450" algn="l" defTabSz="457200" rtl="0" eaLnBrk="1" latinLnBrk="0" hangingPunct="1">
         <a:spcBef>
-          <a:spcPts val="500"/>
+          <a:spcPct val="20000"/>
         </a:spcBef>
-        <a:buFont typeface="Arial" panose="020B0604020202020204" pitchFamily="34" charset="0"/>
+        <a:spcAft>
+          <a:spcPts val="600"/>
+        </a:spcAft>
+        <a:buClr>
+          <a:schemeClr val="tx1"/>
+        </a:buClr>
+        <a:buSzPct val="100000"/>
+        <a:buFont typeface="Arial"/>
         <a:buChar char="•"/>
-        <a:defRPr sz="1800" kern="1200">
-          <a:solidFill>
-            <a:schemeClr val="tx1"/>
-          </a:solidFill>
+        <a:defRPr sz="1400" kern="1200" cap="small">
+          <a:gradFill flip="none" rotWithShape="1">
+            <a:gsLst>
+              <a:gs pos="0">
+                <a:schemeClr val="tx1"/>
+              </a:gs>
+              <a:gs pos="100000">
+                <a:schemeClr val="tx1">
+                  <a:lumMod val="75000"/>
+                </a:schemeClr>
+              </a:gs>
+            </a:gsLst>
+            <a:lin ang="5580000" scaled="0"/>
+            <a:tileRect/>
+          </a:gradFill>
+          <a:effectLst>
+            <a:glow rad="38100">
+              <a:schemeClr val="bg1">
+                <a:lumMod val="50000"/>
+                <a:lumOff val="50000"/>
+                <a:alpha val="20000"/>
+              </a:schemeClr>
+            </a:glow>
+            <a:outerShdw blurRad="44450" dist="12700" dir="13860000" algn="tl" rotWithShape="0">
+              <a:srgbClr val="000000">
+                <a:alpha val="20000"/>
+              </a:srgbClr>
+            </a:outerShdw>
+          </a:effectLst>
           <a:latin typeface="+mn-lt"/>
           <a:ea typeface="+mn-ea"/>
           <a:cs typeface="+mn-cs"/>
         </a:defRPr>
       </a:lvl5pPr>
-      <a:lvl6pPr marL="2514600" indent="-228600" algn="l" defTabSz="914400" rtl="0" eaLnBrk="1" latinLnBrk="0" hangingPunct="1">
-        <a:lnSpc>
-          <a:spcPct val="90000"/>
-        </a:lnSpc>
+      <a:lvl6pPr marL="2514600" indent="-228600" algn="l" defTabSz="457200" rtl="0" eaLnBrk="1" latinLnBrk="0" hangingPunct="1">
         <a:spcBef>
-          <a:spcPts val="500"/>
+          <a:spcPct val="20000"/>
         </a:spcBef>
-        <a:buFont typeface="Arial" panose="020B0604020202020204" pitchFamily="34" charset="0"/>
+        <a:spcAft>
+          <a:spcPts val="600"/>
+        </a:spcAft>
+        <a:buClr>
+          <a:schemeClr val="tx1"/>
+        </a:buClr>
+        <a:buSzPct val="100000"/>
+        <a:buFont typeface="Arial"/>
         <a:buChar char="•"/>
-        <a:defRPr sz="1800" kern="1200">
-          <a:solidFill>
-            <a:schemeClr val="tx1"/>
-          </a:solidFill>
+        <a:defRPr sz="1200" kern="1200" cap="small">
+          <a:gradFill flip="none" rotWithShape="1">
+            <a:gsLst>
+              <a:gs pos="0">
+                <a:schemeClr val="tx1"/>
+              </a:gs>
+              <a:gs pos="100000">
+                <a:schemeClr val="tx1">
+                  <a:lumMod val="75000"/>
+                </a:schemeClr>
+              </a:gs>
+            </a:gsLst>
+            <a:lin ang="5580000" scaled="0"/>
+            <a:tileRect/>
+          </a:gradFill>
+          <a:effectLst>
+            <a:glow rad="38100">
+              <a:schemeClr val="bg1">
+                <a:lumMod val="50000"/>
+                <a:lumOff val="50000"/>
+                <a:alpha val="20000"/>
+              </a:schemeClr>
+            </a:glow>
+            <a:outerShdw blurRad="44450" dist="12700" dir="13860000" algn="tl" rotWithShape="0">
+              <a:srgbClr val="000000">
+                <a:alpha val="20000"/>
+              </a:srgbClr>
+            </a:outerShdw>
+          </a:effectLst>
           <a:latin typeface="+mn-lt"/>
           <a:ea typeface="+mn-ea"/>
           <a:cs typeface="+mn-cs"/>
         </a:defRPr>
       </a:lvl6pPr>
-      <a:lvl7pPr marL="2971800" indent="-228600" algn="l" defTabSz="914400" rtl="0" eaLnBrk="1" latinLnBrk="0" hangingPunct="1">
-        <a:lnSpc>
-          <a:spcPct val="90000"/>
-        </a:lnSpc>
+      <a:lvl7pPr marL="2971800" indent="-228600" algn="l" defTabSz="457200" rtl="0" eaLnBrk="1" latinLnBrk="0" hangingPunct="1">
         <a:spcBef>
-          <a:spcPts val="500"/>
+          <a:spcPct val="20000"/>
         </a:spcBef>
-        <a:buFont typeface="Arial" panose="020B0604020202020204" pitchFamily="34" charset="0"/>
+        <a:spcAft>
+          <a:spcPts val="600"/>
+        </a:spcAft>
+        <a:buClr>
+          <a:schemeClr val="tx1"/>
+        </a:buClr>
+        <a:buSzPct val="100000"/>
+        <a:buFont typeface="Arial"/>
         <a:buChar char="•"/>
-        <a:defRPr sz="1800" kern="1200">
-          <a:solidFill>
-            <a:schemeClr val="tx1"/>
-          </a:solidFill>
+        <a:defRPr sz="1200" kern="1200" cap="small">
+          <a:gradFill flip="none" rotWithShape="1">
+            <a:gsLst>
+              <a:gs pos="0">
+                <a:schemeClr val="tx1"/>
+              </a:gs>
+              <a:gs pos="100000">
+                <a:schemeClr val="tx1">
+                  <a:lumMod val="75000"/>
+                </a:schemeClr>
+              </a:gs>
+            </a:gsLst>
+            <a:lin ang="5580000" scaled="0"/>
+            <a:tileRect/>
+          </a:gradFill>
+          <a:effectLst>
+            <a:glow rad="38100">
+              <a:schemeClr val="bg1">
+                <a:lumMod val="50000"/>
+                <a:lumOff val="50000"/>
+                <a:alpha val="20000"/>
+              </a:schemeClr>
+            </a:glow>
+            <a:outerShdw blurRad="44450" dist="12700" dir="13860000" algn="tl" rotWithShape="0">
+              <a:srgbClr val="000000">
+                <a:alpha val="20000"/>
+              </a:srgbClr>
+            </a:outerShdw>
+          </a:effectLst>
           <a:latin typeface="+mn-lt"/>
           <a:ea typeface="+mn-ea"/>
           <a:cs typeface="+mn-cs"/>
         </a:defRPr>
       </a:lvl7pPr>
-      <a:lvl8pPr marL="3429000" indent="-228600" algn="l" defTabSz="914400" rtl="0" eaLnBrk="1" latinLnBrk="0" hangingPunct="1">
-        <a:lnSpc>
-          <a:spcPct val="90000"/>
-        </a:lnSpc>
+      <a:lvl8pPr marL="3429000" indent="-228600" algn="l" defTabSz="457200" rtl="0" eaLnBrk="1" latinLnBrk="0" hangingPunct="1">
         <a:spcBef>
-          <a:spcPts val="500"/>
+          <a:spcPct val="20000"/>
         </a:spcBef>
-        <a:buFont typeface="Arial" panose="020B0604020202020204" pitchFamily="34" charset="0"/>
+        <a:spcAft>
+          <a:spcPts val="600"/>
+        </a:spcAft>
+        <a:buClr>
+          <a:schemeClr val="tx1"/>
+        </a:buClr>
+        <a:buSzPct val="100000"/>
+        <a:buFont typeface="Arial"/>
         <a:buChar char="•"/>
-        <a:defRPr sz="1800" kern="1200">
-          <a:solidFill>
-            <a:schemeClr val="tx1"/>
-          </a:solidFill>
+        <a:defRPr sz="1200" kern="1200" cap="small">
+          <a:gradFill flip="none" rotWithShape="1">
+            <a:gsLst>
+              <a:gs pos="0">
+                <a:schemeClr val="tx1"/>
+              </a:gs>
+              <a:gs pos="100000">
+                <a:schemeClr val="tx1">
+                  <a:lumMod val="75000"/>
+                </a:schemeClr>
+              </a:gs>
+            </a:gsLst>
+            <a:lin ang="5580000" scaled="0"/>
+            <a:tileRect/>
+          </a:gradFill>
+          <a:effectLst>
+            <a:glow rad="38100">
+              <a:schemeClr val="bg1">
+                <a:lumMod val="50000"/>
+                <a:lumOff val="50000"/>
+                <a:alpha val="20000"/>
+              </a:schemeClr>
+            </a:glow>
+            <a:outerShdw blurRad="44450" dist="12700" dir="13860000" algn="tl" rotWithShape="0">
+              <a:srgbClr val="000000">
+                <a:alpha val="20000"/>
+              </a:srgbClr>
+            </a:outerShdw>
+          </a:effectLst>
           <a:latin typeface="+mn-lt"/>
           <a:ea typeface="+mn-ea"/>
           <a:cs typeface="+mn-cs"/>
         </a:defRPr>
       </a:lvl8pPr>
-      <a:lvl9pPr marL="3886200" indent="-228600" algn="l" defTabSz="914400" rtl="0" eaLnBrk="1" latinLnBrk="0" hangingPunct="1">
-        <a:lnSpc>
-          <a:spcPct val="90000"/>
-        </a:lnSpc>
+      <a:lvl9pPr marL="3886200" indent="-228600" algn="l" defTabSz="457200" rtl="0" eaLnBrk="1" latinLnBrk="0" hangingPunct="1">
         <a:spcBef>
-          <a:spcPts val="500"/>
+          <a:spcPct val="20000"/>
         </a:spcBef>
-        <a:buFont typeface="Arial" panose="020B0604020202020204" pitchFamily="34" charset="0"/>
+        <a:spcAft>
+          <a:spcPts val="600"/>
+        </a:spcAft>
+        <a:buClr>
+          <a:schemeClr val="tx1"/>
+        </a:buClr>
+        <a:buSzPct val="100000"/>
+        <a:buFont typeface="Arial"/>
         <a:buChar char="•"/>
-        <a:defRPr sz="1800" kern="1200">
-          <a:solidFill>
-            <a:schemeClr val="tx1"/>
-          </a:solidFill>
+        <a:defRPr sz="1200" kern="1200" cap="small">
+          <a:gradFill flip="none" rotWithShape="1">
+            <a:gsLst>
+              <a:gs pos="0">
+                <a:schemeClr val="tx1"/>
+              </a:gs>
+              <a:gs pos="100000">
+                <a:schemeClr val="tx1">
+                  <a:lumMod val="75000"/>
+                </a:schemeClr>
+              </a:gs>
+            </a:gsLst>
+            <a:lin ang="5580000" scaled="0"/>
+            <a:tileRect/>
+          </a:gradFill>
+          <a:effectLst>
+            <a:glow rad="38100">
+              <a:schemeClr val="bg1">
+                <a:lumMod val="50000"/>
+                <a:lumOff val="50000"/>
+                <a:alpha val="20000"/>
+              </a:schemeClr>
+            </a:glow>
+            <a:outerShdw blurRad="44450" dist="12700" dir="13860000" algn="tl" rotWithShape="0">
+              <a:srgbClr val="000000">
+                <a:alpha val="20000"/>
+              </a:srgbClr>
+            </a:outerShdw>
+          </a:effectLst>
           <a:latin typeface="+mn-lt"/>
           <a:ea typeface="+mn-ea"/>
           <a:cs typeface="+mn-cs"/>
@@ -3235,7 +5616,7 @@
       <a:defPPr>
         <a:defRPr lang="en-US"/>
       </a:defPPr>
-      <a:lvl1pPr marL="0" algn="l" defTabSz="914400" rtl="0" eaLnBrk="1" latinLnBrk="0" hangingPunct="1">
+      <a:lvl1pPr marL="0" algn="l" defTabSz="457200" rtl="0" eaLnBrk="1" latinLnBrk="0" hangingPunct="1">
         <a:defRPr sz="1800" kern="1200">
           <a:solidFill>
             <a:schemeClr val="tx1"/>
@@ -3245,7 +5626,7 @@
           <a:cs typeface="+mn-cs"/>
         </a:defRPr>
       </a:lvl1pPr>
-      <a:lvl2pPr marL="457200" algn="l" defTabSz="914400" rtl="0" eaLnBrk="1" latinLnBrk="0" hangingPunct="1">
+      <a:lvl2pPr marL="457200" algn="l" defTabSz="457200" rtl="0" eaLnBrk="1" latinLnBrk="0" hangingPunct="1">
         <a:defRPr sz="1800" kern="1200">
           <a:solidFill>
             <a:schemeClr val="tx1"/>
@@ -3255,7 +5636,7 @@
           <a:cs typeface="+mn-cs"/>
         </a:defRPr>
       </a:lvl2pPr>
-      <a:lvl3pPr marL="914400" algn="l" defTabSz="914400" rtl="0" eaLnBrk="1" latinLnBrk="0" hangingPunct="1">
+      <a:lvl3pPr marL="914400" algn="l" defTabSz="457200" rtl="0" eaLnBrk="1" latinLnBrk="0" hangingPunct="1">
         <a:defRPr sz="1800" kern="1200">
           <a:solidFill>
             <a:schemeClr val="tx1"/>
@@ -3265,7 +5646,7 @@
           <a:cs typeface="+mn-cs"/>
         </a:defRPr>
       </a:lvl3pPr>
-      <a:lvl4pPr marL="1371600" algn="l" defTabSz="914400" rtl="0" eaLnBrk="1" latinLnBrk="0" hangingPunct="1">
+      <a:lvl4pPr marL="1371600" algn="l" defTabSz="457200" rtl="0" eaLnBrk="1" latinLnBrk="0" hangingPunct="1">
         <a:defRPr sz="1800" kern="1200">
           <a:solidFill>
             <a:schemeClr val="tx1"/>
@@ -3275,7 +5656,7 @@
           <a:cs typeface="+mn-cs"/>
         </a:defRPr>
       </a:lvl4pPr>
-      <a:lvl5pPr marL="1828800" algn="l" defTabSz="914400" rtl="0" eaLnBrk="1" latinLnBrk="0" hangingPunct="1">
+      <a:lvl5pPr marL="1828800" algn="l" defTabSz="457200" rtl="0" eaLnBrk="1" latinLnBrk="0" hangingPunct="1">
         <a:defRPr sz="1800" kern="1200">
           <a:solidFill>
             <a:schemeClr val="tx1"/>
@@ -3285,7 +5666,7 @@
           <a:cs typeface="+mn-cs"/>
         </a:defRPr>
       </a:lvl5pPr>
-      <a:lvl6pPr marL="2286000" algn="l" defTabSz="914400" rtl="0" eaLnBrk="1" latinLnBrk="0" hangingPunct="1">
+      <a:lvl6pPr marL="2286000" algn="l" defTabSz="457200" rtl="0" eaLnBrk="1" latinLnBrk="0" hangingPunct="1">
         <a:defRPr sz="1800" kern="1200">
           <a:solidFill>
             <a:schemeClr val="tx1"/>
@@ -3295,7 +5676,7 @@
           <a:cs typeface="+mn-cs"/>
         </a:defRPr>
       </a:lvl6pPr>
-      <a:lvl7pPr marL="2743200" algn="l" defTabSz="914400" rtl="0" eaLnBrk="1" latinLnBrk="0" hangingPunct="1">
+      <a:lvl7pPr marL="2743200" algn="l" defTabSz="457200" rtl="0" eaLnBrk="1" latinLnBrk="0" hangingPunct="1">
         <a:defRPr sz="1800" kern="1200">
           <a:solidFill>
             <a:schemeClr val="tx1"/>
@@ -3305,7 +5686,7 @@
           <a:cs typeface="+mn-cs"/>
         </a:defRPr>
       </a:lvl7pPr>
-      <a:lvl8pPr marL="3200400" algn="l" defTabSz="914400" rtl="0" eaLnBrk="1" latinLnBrk="0" hangingPunct="1">
+      <a:lvl8pPr marL="3200400" algn="l" defTabSz="457200" rtl="0" eaLnBrk="1" latinLnBrk="0" hangingPunct="1">
         <a:defRPr sz="1800" kern="1200">
           <a:solidFill>
             <a:schemeClr val="tx1"/>
@@ -3315,7 +5696,7 @@
           <a:cs typeface="+mn-cs"/>
         </a:defRPr>
       </a:lvl8pPr>
-      <a:lvl9pPr marL="3657600" algn="l" defTabSz="914400" rtl="0" eaLnBrk="1" latinLnBrk="0" hangingPunct="1">
+      <a:lvl9pPr marL="3657600" algn="l" defTabSz="457200" rtl="0" eaLnBrk="1" latinLnBrk="0" hangingPunct="1">
         <a:defRPr sz="1800" kern="1200">
           <a:solidFill>
             <a:schemeClr val="tx1"/>
@@ -3363,12 +5744,27 @@
             <p:ph type="ctrTitle"/>
           </p:nvPr>
         </p:nvSpPr>
-        <p:spPr/>
-        <p:txBody>
-          <a:bodyPr/>
-          <a:lstStyle/>
-          <a:p>
-            <a:endParaRPr lang="en-IE"/>
+        <p:spPr>
+          <a:xfrm>
+            <a:off x="1487009" y="119186"/>
+            <a:ext cx="9217981" cy="1849838"/>
+          </a:xfrm>
+        </p:spPr>
+        <p:txBody>
+          <a:bodyPr/>
+          <a:lstStyle/>
+          <a:p>
+            <a:r>
+              <a:rPr lang="en-IE" dirty="0"/>
+              <a:t>Need For Speed</a:t>
+            </a:r>
+            <a:br>
+              <a:rPr lang="en-IE" dirty="0"/>
+            </a:br>
+            <a:r>
+              <a:rPr lang="en-IE" dirty="0"/>
+              <a:t>In Space</a:t>
+            </a:r>
           </a:p>
         </p:txBody>
       </p:sp>
@@ -3388,15 +5784,61 @@
             <p:ph type="subTitle" idx="1"/>
           </p:nvPr>
         </p:nvSpPr>
-        <p:spPr/>
-        <p:txBody>
-          <a:bodyPr/>
-          <a:lstStyle/>
-          <a:p>
-            <a:endParaRPr lang="en-IE"/>
-          </a:p>
-        </p:txBody>
-      </p:sp>
+        <p:spPr>
+          <a:xfrm>
+            <a:off x="1524000" y="5083052"/>
+            <a:ext cx="9144000" cy="1655762"/>
+          </a:xfrm>
+        </p:spPr>
+        <p:txBody>
+          <a:bodyPr>
+            <a:normAutofit/>
+          </a:bodyPr>
+          <a:lstStyle/>
+          <a:p>
+            <a:r>
+              <a:rPr lang="en-IE" sz="2400" dirty="0"/>
+              <a:t>Need For Speed In Space will be an action racing game set in the vast danger of space. You will have to upgrade your vehicle to last longer in space races as you try and become the greatest driver to do it in this new frontier of racing.</a:t>
+            </a:r>
+          </a:p>
+        </p:txBody>
+      </p:sp>
+      <p:pic>
+        <p:nvPicPr>
+          <p:cNvPr id="5" name="Picture 4">
+            <a:extLst>
+              <a:ext uri="{FF2B5EF4-FFF2-40B4-BE49-F238E27FC236}">
+                <a16:creationId xmlns:a16="http://schemas.microsoft.com/office/drawing/2014/main" id="{E273D8F9-A1D5-4A16-943F-BA898E1FFB8A}"/>
+              </a:ext>
+            </a:extLst>
+          </p:cNvPr>
+          <p:cNvPicPr>
+            <a:picLocks noChangeAspect="1"/>
+          </p:cNvPicPr>
+          <p:nvPr/>
+        </p:nvPicPr>
+        <p:blipFill>
+          <a:blip r:embed="rId2">
+            <a:extLst>
+              <a:ext uri="{28A0092B-C50C-407E-A947-70E740481C1C}">
+                <a14:useLocalDpi xmlns:a14="http://schemas.microsoft.com/office/drawing/2010/main" val="0"/>
+              </a:ext>
+            </a:extLst>
+          </a:blip>
+          <a:stretch>
+            <a:fillRect/>
+          </a:stretch>
+        </p:blipFill>
+        <p:spPr>
+          <a:xfrm>
+            <a:off x="4291242" y="2084534"/>
+            <a:ext cx="3609514" cy="2883008"/>
+          </a:xfrm>
+          <a:prstGeom prst="rect">
+            <a:avLst/>
+          </a:prstGeom>
+        </p:spPr>
+      </p:pic>
     </p:spTree>
     <p:extLst>
       <p:ext uri="{BB962C8B-B14F-4D97-AF65-F5344CB8AC3E}">
@@ -3448,7 +5890,11 @@
           <a:bodyPr/>
           <a:lstStyle/>
           <a:p>
-            <a:endParaRPr lang="en-IE"/>
+            <a:r>
+              <a:rPr lang="en-IE"/>
+              <a:t>World background</a:t>
+            </a:r>
+            <a:endParaRPr lang="en-IE" dirty="0"/>
           </a:p>
         </p:txBody>
       </p:sp>
@@ -3473,7 +5919,7 @@
           <a:bodyPr/>
           <a:lstStyle/>
           <a:p>
-            <a:endParaRPr lang="en-IE"/>
+            <a:endParaRPr lang="en-IE" dirty="0"/>
           </a:p>
         </p:txBody>
       </p:sp>
@@ -3811,9 +6257,9 @@
 </file>
 
 <file path=ppt/theme/theme1.xml><?xml version="1.0" encoding="utf-8"?>
-<a:theme xmlns:a="http://schemas.openxmlformats.org/drawingml/2006/main" name="Office Theme">
+<a:theme xmlns:a="http://schemas.openxmlformats.org/drawingml/2006/main" name="Mesh">
   <a:themeElements>
-    <a:clrScheme name="Office">
+    <a:clrScheme name="Mesh">
       <a:dk1>
         <a:sysClr val="windowText" lastClr="000000"/>
       </a:dk1>
@@ -3821,100 +6267,48 @@
         <a:sysClr val="window" lastClr="FFFFFF"/>
       </a:lt1>
       <a:dk2>
-        <a:srgbClr val="44546A"/>
+        <a:srgbClr val="363D46"/>
       </a:dk2>
       <a:lt2>
-        <a:srgbClr val="E7E6E6"/>
+        <a:srgbClr val="EBEBEB"/>
       </a:lt2>
       <a:accent1>
-        <a:srgbClr val="4472C4"/>
+        <a:srgbClr val="6F6F6F"/>
       </a:accent1>
       <a:accent2>
-        <a:srgbClr val="ED7D31"/>
+        <a:srgbClr val="BFBFA5"/>
       </a:accent2>
       <a:accent3>
-        <a:srgbClr val="A5A5A5"/>
+        <a:srgbClr val="DCD084"/>
       </a:accent3>
       <a:accent4>
-        <a:srgbClr val="FFC000"/>
+        <a:srgbClr val="E7BF5F"/>
       </a:accent4>
       <a:accent5>
-        <a:srgbClr val="5B9BD5"/>
+        <a:srgbClr val="E9A039"/>
       </a:accent5>
       <a:accent6>
-        <a:srgbClr val="70AD47"/>
+        <a:srgbClr val="CF7133"/>
       </a:accent6>
       <a:hlink>
-        <a:srgbClr val="0563C1"/>
+        <a:srgbClr val="F28943"/>
       </a:hlink>
       <a:folHlink>
-        <a:srgbClr val="954F72"/>
+        <a:srgbClr val="F1B76C"/>
       </a:folHlink>
     </a:clrScheme>
-    <a:fontScheme name="Office">
+    <a:fontScheme name="Mesh">
       <a:majorFont>
-        <a:latin typeface="Calibri Light" panose="020F0302020204030204"/>
+        <a:latin typeface="Century Gothic" panose="020B0502020202020204"/>
         <a:ea typeface=""/>
         <a:cs typeface=""/>
-        <a:font script="Jpan" typeface="游ゴシック Light"/>
+        <a:font script="Jpan" typeface="ＭＳ ゴシック"/>
         <a:font script="Hang" typeface="맑은 고딕"/>
-        <a:font script="Hans" typeface="等线 Light"/>
+        <a:font script="Hans" typeface="宋体"/>
         <a:font script="Hant" typeface="新細明體"/>
-        <a:font script="Arab" typeface="Times New Roman"/>
-        <a:font script="Hebr" typeface="Times New Roman"/>
-        <a:font script="Thai" typeface="Angsana New"/>
-        <a:font script="Ethi" typeface="Nyala"/>
-        <a:font script="Beng" typeface="Vrinda"/>
-        <a:font script="Gujr" typeface="Shruti"/>
-        <a:font script="Khmr" typeface="MoolBoran"/>
-        <a:font script="Knda" typeface="Tunga"/>
-        <a:font script="Guru" typeface="Raavi"/>
-        <a:font script="Cans" typeface="Euphemia"/>
-        <a:font script="Cher" typeface="Plantagenet Cherokee"/>
-        <a:font script="Yiii" typeface="Microsoft Yi Baiti"/>
-        <a:font script="Tibt" typeface="Microsoft Himalaya"/>
-        <a:font script="Thaa" typeface="MV Boli"/>
-        <a:font script="Deva" typeface="Mangal"/>
-        <a:font script="Telu" typeface="Gautami"/>
-        <a:font script="Taml" typeface="Latha"/>
-        <a:font script="Syrc" typeface="Estrangelo Edessa"/>
-        <a:font script="Orya" typeface="Kalinga"/>
-        <a:font script="Mlym" typeface="Kartika"/>
-        <a:font script="Laoo" typeface="DokChampa"/>
-        <a:font script="Sinh" typeface="Iskoola Pota"/>
-        <a:font script="Mong" typeface="Mongolian Baiti"/>
-        <a:font script="Viet" typeface="Times New Roman"/>
-        <a:font script="Uigh" typeface="Microsoft Uighur"/>
-        <a:font script="Geor" typeface="Sylfaen"/>
-        <a:font script="Armn" typeface="Arial"/>
-        <a:font script="Bugi" typeface="Leelawadee UI"/>
-        <a:font script="Bopo" typeface="Microsoft JhengHei"/>
-        <a:font script="Java" typeface="Javanese Text"/>
-        <a:font script="Lisu" typeface="Segoe UI"/>
-        <a:font script="Mymr" typeface="Myanmar Text"/>
-        <a:font script="Nkoo" typeface="Ebrima"/>
-        <a:font script="Olck" typeface="Nirmala UI"/>
-        <a:font script="Osma" typeface="Ebrima"/>
-        <a:font script="Phag" typeface="Phagspa"/>
-        <a:font script="Syrn" typeface="Estrangelo Edessa"/>
-        <a:font script="Syrj" typeface="Estrangelo Edessa"/>
-        <a:font script="Syre" typeface="Estrangelo Edessa"/>
-        <a:font script="Sora" typeface="Nirmala UI"/>
-        <a:font script="Tale" typeface="Microsoft Tai Le"/>
-        <a:font script="Talu" typeface="Microsoft New Tai Lue"/>
-        <a:font script="Tfng" typeface="Ebrima"/>
-      </a:majorFont>
-      <a:minorFont>
-        <a:latin typeface="Calibri" panose="020F0502020204030204"/>
-        <a:ea typeface=""/>
-        <a:cs typeface=""/>
-        <a:font script="Jpan" typeface="游ゴシック"/>
-        <a:font script="Hang" typeface="맑은 고딕"/>
-        <a:font script="Hans" typeface="等线"/>
-        <a:font script="Hant" typeface="新細明體"/>
-        <a:font script="Arab" typeface="Arial"/>
-        <a:font script="Hebr" typeface="Arial"/>
-        <a:font script="Thai" typeface="Cordia New"/>
+        <a:font script="Arab" typeface="Tahoma"/>
+        <a:font script="Hebr" typeface="Gisha"/>
+        <a:font script="Thai" typeface="DilleniaUPC"/>
         <a:font script="Ethi" typeface="Nyala"/>
         <a:font script="Beng" typeface="Vrinda"/>
         <a:font script="Gujr" typeface="Shruti"/>
@@ -3935,29 +6329,47 @@
         <a:font script="Laoo" typeface="DokChampa"/>
         <a:font script="Sinh" typeface="Iskoola Pota"/>
         <a:font script="Mong" typeface="Mongolian Baiti"/>
-        <a:font script="Viet" typeface="Arial"/>
+        <a:font script="Viet" typeface="Tahoma"/>
         <a:font script="Uigh" typeface="Microsoft Uighur"/>
         <a:font script="Geor" typeface="Sylfaen"/>
-        <a:font script="Armn" typeface="Arial"/>
-        <a:font script="Bugi" typeface="Leelawadee UI"/>
-        <a:font script="Bopo" typeface="Microsoft JhengHei"/>
-        <a:font script="Java" typeface="Javanese Text"/>
-        <a:font script="Lisu" typeface="Segoe UI"/>
-        <a:font script="Mymr" typeface="Myanmar Text"/>
-        <a:font script="Nkoo" typeface="Ebrima"/>
-        <a:font script="Olck" typeface="Nirmala UI"/>
-        <a:font script="Osma" typeface="Ebrima"/>
-        <a:font script="Phag" typeface="Phagspa"/>
-        <a:font script="Syrn" typeface="Estrangelo Edessa"/>
-        <a:font script="Syrj" typeface="Estrangelo Edessa"/>
-        <a:font script="Syre" typeface="Estrangelo Edessa"/>
-        <a:font script="Sora" typeface="Nirmala UI"/>
-        <a:font script="Tale" typeface="Microsoft Tai Le"/>
-        <a:font script="Talu" typeface="Microsoft New Tai Lue"/>
-        <a:font script="Tfng" typeface="Ebrima"/>
+      </a:majorFont>
+      <a:minorFont>
+        <a:latin typeface="Century Gothic" panose="020B0502020202020204"/>
+        <a:ea typeface=""/>
+        <a:cs typeface=""/>
+        <a:font script="Jpan" typeface="ＭＳ ゴシック"/>
+        <a:font script="Hang" typeface="맑은 고딕"/>
+        <a:font script="Hans" typeface="宋体"/>
+        <a:font script="Hant" typeface="新細明體"/>
+        <a:font script="Arab" typeface="Tahoma"/>
+        <a:font script="Hebr" typeface="Gisha"/>
+        <a:font script="Thai" typeface="DilleniaUPC"/>
+        <a:font script="Ethi" typeface="Nyala"/>
+        <a:font script="Beng" typeface="Vrinda"/>
+        <a:font script="Gujr" typeface="Shruti"/>
+        <a:font script="Khmr" typeface="DaunPenh"/>
+        <a:font script="Knda" typeface="Tunga"/>
+        <a:font script="Guru" typeface="Raavi"/>
+        <a:font script="Cans" typeface="Euphemia"/>
+        <a:font script="Cher" typeface="Plantagenet Cherokee"/>
+        <a:font script="Yiii" typeface="Microsoft Yi Baiti"/>
+        <a:font script="Tibt" typeface="Microsoft Himalaya"/>
+        <a:font script="Thaa" typeface="MV Boli"/>
+        <a:font script="Deva" typeface="Mangal"/>
+        <a:font script="Telu" typeface="Gautami"/>
+        <a:font script="Taml" typeface="Latha"/>
+        <a:font script="Syrc" typeface="Estrangelo Edessa"/>
+        <a:font script="Orya" typeface="Kalinga"/>
+        <a:font script="Mlym" typeface="Kartika"/>
+        <a:font script="Laoo" typeface="DokChampa"/>
+        <a:font script="Sinh" typeface="Iskoola Pota"/>
+        <a:font script="Mong" typeface="Mongolian Baiti"/>
+        <a:font script="Viet" typeface="Verdana"/>
+        <a:font script="Uigh" typeface="Microsoft Uighur"/>
+        <a:font script="Geor" typeface="Sylfaen"/>
       </a:minorFont>
     </a:fontScheme>
-    <a:fmtScheme name="Office">
+    <a:fmtScheme name="Mesh">
       <a:fillStyleLst>
         <a:solidFill>
           <a:schemeClr val="phClr"/>
@@ -3966,23 +6378,13 @@
           <a:gsLst>
             <a:gs pos="0">
               <a:schemeClr val="phClr">
+                <a:tint val="60000"/>
                 <a:lumMod val="110000"/>
-                <a:satMod val="105000"/>
-                <a:tint val="67000"/>
-              </a:schemeClr>
-            </a:gs>
-            <a:gs pos="50000">
-              <a:schemeClr val="phClr">
-                <a:lumMod val="105000"/>
-                <a:satMod val="103000"/>
-                <a:tint val="73000"/>
               </a:schemeClr>
             </a:gs>
             <a:gs pos="100000">
               <a:schemeClr val="phClr">
-                <a:lumMod val="105000"/>
-                <a:satMod val="109000"/>
-                <a:tint val="81000"/>
+                <a:tint val="82000"/>
               </a:schemeClr>
             </a:gs>
           </a:gsLst>
@@ -3992,23 +6394,14 @@
           <a:gsLst>
             <a:gs pos="0">
               <a:schemeClr val="phClr">
-                <a:satMod val="103000"/>
-                <a:lumMod val="102000"/>
-                <a:tint val="94000"/>
-              </a:schemeClr>
-            </a:gs>
-            <a:gs pos="50000">
-              <a:schemeClr val="phClr">
-                <a:satMod val="110000"/>
-                <a:lumMod val="100000"/>
-                <a:shade val="100000"/>
+                <a:tint val="96000"/>
+                <a:lumMod val="104000"/>
               </a:schemeClr>
             </a:gs>
             <a:gs pos="100000">
               <a:schemeClr val="phClr">
-                <a:lumMod val="99000"/>
-                <a:satMod val="120000"/>
-                <a:shade val="78000"/>
+                <a:shade val="84000"/>
+                <a:lumMod val="84000"/>
               </a:schemeClr>
             </a:gs>
           </a:gsLst>
@@ -4016,26 +6409,23 @@
         </a:gradFill>
       </a:fillStyleLst>
       <a:lnStyleLst>
-        <a:ln w="6350" cap="flat" cmpd="sng" algn="ctr">
+        <a:ln w="9525" cap="rnd" cmpd="sng" algn="ctr">
           <a:solidFill>
             <a:schemeClr val="phClr"/>
           </a:solidFill>
           <a:prstDash val="solid"/>
-          <a:miter lim="800000"/>
         </a:ln>
-        <a:ln w="12700" cap="flat" cmpd="sng" algn="ctr">
+        <a:ln w="19050" cap="rnd" cmpd="sng" algn="ctr">
           <a:solidFill>
             <a:schemeClr val="phClr"/>
           </a:solidFill>
           <a:prstDash val="solid"/>
-          <a:miter lim="800000"/>
         </a:ln>
-        <a:ln w="19050" cap="flat" cmpd="sng" algn="ctr">
+        <a:ln w="25400" cap="rnd" cmpd="sng" algn="ctr">
           <a:solidFill>
             <a:schemeClr val="phClr"/>
           </a:solidFill>
           <a:prstDash val="solid"/>
-          <a:miter lim="800000"/>
         </a:ln>
       </a:lnStyleLst>
       <a:effectStyleLst>
@@ -4043,55 +6433,72 @@
           <a:effectLst/>
         </a:effectStyle>
         <a:effectStyle>
-          <a:effectLst/>
+          <a:effectLst>
+            <a:innerShdw blurRad="50800" dist="25400" dir="13500000">
+              <a:srgbClr val="000000">
+                <a:alpha val="55000"/>
+              </a:srgbClr>
+            </a:innerShdw>
+          </a:effectLst>
         </a:effectStyle>
         <a:effectStyle>
           <a:effectLst>
-            <a:outerShdw blurRad="57150" dist="19050" dir="5400000" algn="ctr" rotWithShape="0">
+            <a:outerShdw blurRad="50800" dist="38100" dir="5400000" rotWithShape="0">
               <a:srgbClr val="000000">
-                <a:alpha val="63000"/>
+                <a:alpha val="60000"/>
               </a:srgbClr>
             </a:outerShdw>
           </a:effectLst>
+          <a:scene3d>
+            <a:camera prst="orthographicFront">
+              <a:rot lat="0" lon="0" rev="0"/>
+            </a:camera>
+            <a:lightRig rig="threePt" dir="tl"/>
+          </a:scene3d>
+          <a:sp3d>
+            <a:bevelT w="25400" h="25400" prst="slope"/>
+          </a:sp3d>
         </a:effectStyle>
       </a:effectStyleLst>
       <a:bgFillStyleLst>
         <a:solidFill>
           <a:schemeClr val="phClr"/>
         </a:solidFill>
-        <a:solidFill>
-          <a:schemeClr val="phClr">
-            <a:tint val="95000"/>
-            <a:satMod val="170000"/>
-          </a:schemeClr>
-        </a:solidFill>
         <a:gradFill rotWithShape="1">
           <a:gsLst>
             <a:gs pos="0">
               <a:schemeClr val="phClr">
-                <a:tint val="93000"/>
-                <a:satMod val="150000"/>
-                <a:shade val="98000"/>
-                <a:lumMod val="102000"/>
-              </a:schemeClr>
-            </a:gs>
-            <a:gs pos="50000">
-              <a:schemeClr val="phClr">
-                <a:tint val="98000"/>
-                <a:satMod val="130000"/>
-                <a:shade val="90000"/>
-                <a:lumMod val="103000"/>
+                <a:tint val="90000"/>
+                <a:lumMod val="110000"/>
               </a:schemeClr>
             </a:gs>
             <a:gs pos="100000">
               <a:schemeClr val="phClr">
-                <a:shade val="63000"/>
-                <a:satMod val="120000"/>
+                <a:shade val="64000"/>
+                <a:lumMod val="98000"/>
               </a:schemeClr>
             </a:gs>
           </a:gsLst>
           <a:lin ang="5400000" scaled="0"/>
         </a:gradFill>
+        <a:blipFill rotWithShape="1">
+          <a:blip xmlns:r="http://schemas.openxmlformats.org/officeDocument/2006/relationships" r:embed="rId1">
+            <a:duotone>
+              <a:schemeClr val="phClr">
+                <a:shade val="28000"/>
+                <a:satMod val="94000"/>
+                <a:lumMod val="20000"/>
+              </a:schemeClr>
+              <a:schemeClr val="phClr">
+                <a:tint val="94000"/>
+                <a:shade val="84000"/>
+                <a:satMod val="148000"/>
+                <a:lumMod val="114000"/>
+              </a:schemeClr>
+            </a:duotone>
+          </a:blip>
+          <a:stretch/>
+        </a:blipFill>
       </a:bgFillStyleLst>
     </a:fmtScheme>
   </a:themeElements>
@@ -4099,7 +6506,7 @@
   <a:extraClrSchemeLst/>
   <a:extLst>
     <a:ext uri="{05A4C25C-085E-4340-85A3-A5531E510DB2}">
-      <thm15:themeFamily xmlns:thm15="http://schemas.microsoft.com/office/thememl/2012/main" name="Office Theme" id="{62F939B6-93AF-4DB8-9C6B-D6C7DFDC589F}" vid="{4A3C46E8-61CC-4603-A589-7422A47A8E4A}"/>
+      <thm15:themeFamily xmlns:thm15="http://schemas.microsoft.com/office/thememl/2012/main" name="Mesh" id="{789EC3FE-34FD-429C-9918-760025E6C145}" vid="{B8BE45C0-8141-4D58-8C71-A009BC26FBBB}"/>
     </a:ext>
   </a:extLst>
 </a:theme>
